--- a/documents/AIRE module documentation.pptx
+++ b/documents/AIRE module documentation.pptx
@@ -8,16 +8,20 @@
     <p:sldId id="256" r:id="rId2"/>
     <p:sldId id="268" r:id="rId3"/>
     <p:sldId id="269" r:id="rId4"/>
-    <p:sldId id="267" r:id="rId5"/>
-    <p:sldId id="270" r:id="rId6"/>
-    <p:sldId id="259" r:id="rId7"/>
-    <p:sldId id="260" r:id="rId8"/>
-    <p:sldId id="262" r:id="rId9"/>
-    <p:sldId id="261" r:id="rId10"/>
-    <p:sldId id="258" r:id="rId11"/>
-    <p:sldId id="266" r:id="rId12"/>
-    <p:sldId id="257" r:id="rId13"/>
-    <p:sldId id="263" r:id="rId14"/>
+    <p:sldId id="271" r:id="rId5"/>
+    <p:sldId id="272" r:id="rId6"/>
+    <p:sldId id="267" r:id="rId7"/>
+    <p:sldId id="270" r:id="rId8"/>
+    <p:sldId id="259" r:id="rId9"/>
+    <p:sldId id="260" r:id="rId10"/>
+    <p:sldId id="262" r:id="rId11"/>
+    <p:sldId id="261" r:id="rId12"/>
+    <p:sldId id="258" r:id="rId13"/>
+    <p:sldId id="266" r:id="rId14"/>
+    <p:sldId id="257" r:id="rId15"/>
+    <p:sldId id="263" r:id="rId16"/>
+    <p:sldId id="273" r:id="rId17"/>
+    <p:sldId id="274" r:id="rId18"/>
   </p:sldIdLst>
   <p:sldSz cx="12192000" cy="6858000"/>
   <p:notesSz cx="6858000" cy="9144000"/>
@@ -1255,7 +1259,7 @@
           <a:p>
             <a:fld id="{46F57935-F6E8-43C7-8118-FDBAE5A7FD46}" type="datetimeFigureOut">
               <a:rPr lang="en-CA" smtClean="0"/>
-              <a:t>2023-08-22</a:t>
+              <a:t>2023-08-23</a:t>
             </a:fld>
             <a:endParaRPr lang="en-CA"/>
           </a:p>
@@ -1455,7 +1459,7 @@
           <a:p>
             <a:fld id="{46F57935-F6E8-43C7-8118-FDBAE5A7FD46}" type="datetimeFigureOut">
               <a:rPr lang="en-CA" smtClean="0"/>
-              <a:t>2023-08-22</a:t>
+              <a:t>2023-08-23</a:t>
             </a:fld>
             <a:endParaRPr lang="en-CA"/>
           </a:p>
@@ -1665,7 +1669,7 @@
           <a:p>
             <a:fld id="{46F57935-F6E8-43C7-8118-FDBAE5A7FD46}" type="datetimeFigureOut">
               <a:rPr lang="en-CA" smtClean="0"/>
-              <a:t>2023-08-22</a:t>
+              <a:t>2023-08-23</a:t>
             </a:fld>
             <a:endParaRPr lang="en-CA"/>
           </a:p>
@@ -1865,7 +1869,7 @@
           <a:p>
             <a:fld id="{46F57935-F6E8-43C7-8118-FDBAE5A7FD46}" type="datetimeFigureOut">
               <a:rPr lang="en-CA" smtClean="0"/>
-              <a:t>2023-08-22</a:t>
+              <a:t>2023-08-23</a:t>
             </a:fld>
             <a:endParaRPr lang="en-CA"/>
           </a:p>
@@ -2141,7 +2145,7 @@
           <a:p>
             <a:fld id="{46F57935-F6E8-43C7-8118-FDBAE5A7FD46}" type="datetimeFigureOut">
               <a:rPr lang="en-CA" smtClean="0"/>
-              <a:t>2023-08-22</a:t>
+              <a:t>2023-08-23</a:t>
             </a:fld>
             <a:endParaRPr lang="en-CA"/>
           </a:p>
@@ -2409,7 +2413,7 @@
           <a:p>
             <a:fld id="{46F57935-F6E8-43C7-8118-FDBAE5A7FD46}" type="datetimeFigureOut">
               <a:rPr lang="en-CA" smtClean="0"/>
-              <a:t>2023-08-22</a:t>
+              <a:t>2023-08-23</a:t>
             </a:fld>
             <a:endParaRPr lang="en-CA"/>
           </a:p>
@@ -2824,7 +2828,7 @@
           <a:p>
             <a:fld id="{46F57935-F6E8-43C7-8118-FDBAE5A7FD46}" type="datetimeFigureOut">
               <a:rPr lang="en-CA" smtClean="0"/>
-              <a:t>2023-08-22</a:t>
+              <a:t>2023-08-23</a:t>
             </a:fld>
             <a:endParaRPr lang="en-CA"/>
           </a:p>
@@ -2966,7 +2970,7 @@
           <a:p>
             <a:fld id="{46F57935-F6E8-43C7-8118-FDBAE5A7FD46}" type="datetimeFigureOut">
               <a:rPr lang="en-CA" smtClean="0"/>
-              <a:t>2023-08-22</a:t>
+              <a:t>2023-08-23</a:t>
             </a:fld>
             <a:endParaRPr lang="en-CA"/>
           </a:p>
@@ -3079,7 +3083,7 @@
           <a:p>
             <a:fld id="{46F57935-F6E8-43C7-8118-FDBAE5A7FD46}" type="datetimeFigureOut">
               <a:rPr lang="en-CA" smtClean="0"/>
-              <a:t>2023-08-22</a:t>
+              <a:t>2023-08-23</a:t>
             </a:fld>
             <a:endParaRPr lang="en-CA"/>
           </a:p>
@@ -3392,7 +3396,7 @@
           <a:p>
             <a:fld id="{46F57935-F6E8-43C7-8118-FDBAE5A7FD46}" type="datetimeFigureOut">
               <a:rPr lang="en-CA" smtClean="0"/>
-              <a:t>2023-08-22</a:t>
+              <a:t>2023-08-23</a:t>
             </a:fld>
             <a:endParaRPr lang="en-CA"/>
           </a:p>
@@ -3681,7 +3685,7 @@
           <a:p>
             <a:fld id="{46F57935-F6E8-43C7-8118-FDBAE5A7FD46}" type="datetimeFigureOut">
               <a:rPr lang="en-CA" smtClean="0"/>
-              <a:t>2023-08-22</a:t>
+              <a:t>2023-08-23</a:t>
             </a:fld>
             <a:endParaRPr lang="en-CA"/>
           </a:p>
@@ -3924,7 +3928,7 @@
           <a:p>
             <a:fld id="{46F57935-F6E8-43C7-8118-FDBAE5A7FD46}" type="datetimeFigureOut">
               <a:rPr lang="en-CA" smtClean="0"/>
-              <a:t>2023-08-22</a:t>
+              <a:t>2023-08-23</a:t>
             </a:fld>
             <a:endParaRPr lang="en-CA"/>
           </a:p>
@@ -4429,6 +4433,1418 @@
           <p:cNvPr id="2" name="Title 1">
             <a:extLst>
               <a:ext uri="{FF2B5EF4-FFF2-40B4-BE49-F238E27FC236}">
+                <a16:creationId xmlns:a16="http://schemas.microsoft.com/office/drawing/2014/main" id="{72C54A48-4990-4597-8347-A8BBE544B304}"/>
+              </a:ext>
+            </a:extLst>
+          </p:cNvPr>
+          <p:cNvSpPr>
+            <a:spLocks noGrp="1"/>
+          </p:cNvSpPr>
+          <p:nvPr>
+            <p:ph type="title"/>
+          </p:nvPr>
+        </p:nvSpPr>
+        <p:spPr>
+          <a:xfrm>
+            <a:off x="838200" y="248125"/>
+            <a:ext cx="10515600" cy="763331"/>
+          </a:xfrm>
+        </p:spPr>
+        <p:txBody>
+          <a:bodyPr/>
+          <a:lstStyle/>
+          <a:p>
+            <a:r>
+              <a:rPr lang="en-CA" dirty="0"/>
+              <a:t>IIT-EA-Decision-Matrix</a:t>
+            </a:r>
+          </a:p>
+        </p:txBody>
+      </p:sp>
+      <p:pic>
+        <p:nvPicPr>
+          <p:cNvPr id="5" name="Content Placeholder 4" descr="Table&#10;&#10;Description automatically generated with medium confidence">
+            <a:extLst>
+              <a:ext uri="{FF2B5EF4-FFF2-40B4-BE49-F238E27FC236}">
+                <a16:creationId xmlns:a16="http://schemas.microsoft.com/office/drawing/2014/main" id="{5EB02805-F221-4FCA-8429-A3A14D1F24BA}"/>
+              </a:ext>
+            </a:extLst>
+          </p:cNvPr>
+          <p:cNvPicPr>
+            <a:picLocks noGrp="1" noChangeAspect="1"/>
+          </p:cNvPicPr>
+          <p:nvPr>
+            <p:ph idx="1"/>
+          </p:nvPr>
+        </p:nvPicPr>
+        <p:blipFill>
+          <a:blip r:embed="rId2">
+            <a:extLst>
+              <a:ext uri="{28A0092B-C50C-407E-A947-70E740481C1C}">
+                <a14:useLocalDpi xmlns:a14="http://schemas.microsoft.com/office/drawing/2010/main" val="0"/>
+              </a:ext>
+            </a:extLst>
+          </a:blip>
+          <a:stretch>
+            <a:fillRect/>
+          </a:stretch>
+        </p:blipFill>
+        <p:spPr>
+          <a:xfrm>
+            <a:off x="838200" y="2239557"/>
+            <a:ext cx="5969307" cy="4064209"/>
+          </a:xfrm>
+        </p:spPr>
+      </p:pic>
+      <p:sp>
+        <p:nvSpPr>
+          <p:cNvPr id="6" name="Rectangle 5">
+            <a:extLst>
+              <a:ext uri="{FF2B5EF4-FFF2-40B4-BE49-F238E27FC236}">
+                <a16:creationId xmlns:a16="http://schemas.microsoft.com/office/drawing/2014/main" id="{E770648D-0EAC-437F-936D-9CE15D47CEA7}"/>
+              </a:ext>
+            </a:extLst>
+          </p:cNvPr>
+          <p:cNvSpPr/>
+          <p:nvPr/>
+        </p:nvSpPr>
+        <p:spPr>
+          <a:xfrm>
+            <a:off x="2744902" y="5968642"/>
+            <a:ext cx="892098" cy="446048"/>
+          </a:xfrm>
+          <a:prstGeom prst="rect">
+            <a:avLst/>
+          </a:prstGeom>
+          <a:noFill/>
+          <a:ln w="38100">
+            <a:solidFill>
+              <a:schemeClr val="accent6">
+                <a:lumMod val="75000"/>
+              </a:schemeClr>
+            </a:solidFill>
+          </a:ln>
+        </p:spPr>
+        <p:style>
+          <a:lnRef idx="2">
+            <a:schemeClr val="accent1">
+              <a:shade val="50000"/>
+            </a:schemeClr>
+          </a:lnRef>
+          <a:fillRef idx="1">
+            <a:schemeClr val="accent1"/>
+          </a:fillRef>
+          <a:effectRef idx="0">
+            <a:schemeClr val="accent1"/>
+          </a:effectRef>
+          <a:fontRef idx="minor">
+            <a:schemeClr val="lt1"/>
+          </a:fontRef>
+        </p:style>
+        <p:txBody>
+          <a:bodyPr rtlCol="0" anchor="ctr"/>
+          <a:lstStyle/>
+          <a:p>
+            <a:pPr algn="ctr"/>
+            <a:endParaRPr lang="en-CA"/>
+          </a:p>
+        </p:txBody>
+      </p:sp>
+      <p:sp>
+        <p:nvSpPr>
+          <p:cNvPr id="7" name="TextBox 6">
+            <a:extLst>
+              <a:ext uri="{FF2B5EF4-FFF2-40B4-BE49-F238E27FC236}">
+                <a16:creationId xmlns:a16="http://schemas.microsoft.com/office/drawing/2014/main" id="{3C32E78B-1132-4853-9971-5BE78175547E}"/>
+              </a:ext>
+            </a:extLst>
+          </p:cNvPr>
+          <p:cNvSpPr txBox="1"/>
+          <p:nvPr/>
+        </p:nvSpPr>
+        <p:spPr>
+          <a:xfrm>
+            <a:off x="2365376" y="6488668"/>
+            <a:ext cx="1651149" cy="369332"/>
+          </a:xfrm>
+          <a:prstGeom prst="rect">
+            <a:avLst/>
+          </a:prstGeom>
+        </p:spPr>
+        <p:style>
+          <a:lnRef idx="2">
+            <a:schemeClr val="dk1"/>
+          </a:lnRef>
+          <a:fillRef idx="1">
+            <a:schemeClr val="lt1"/>
+          </a:fillRef>
+          <a:effectRef idx="0">
+            <a:schemeClr val="dk1"/>
+          </a:effectRef>
+          <a:fontRef idx="minor">
+            <a:schemeClr val="dk1"/>
+          </a:fontRef>
+        </p:style>
+        <p:txBody>
+          <a:bodyPr wrap="square" rtlCol="0">
+            <a:spAutoFit/>
+          </a:bodyPr>
+          <a:lstStyle/>
+          <a:p>
+            <a:r>
+              <a:rPr lang="en-CA" dirty="0"/>
+              <a:t>‘Rubric’ sheet</a:t>
+            </a:r>
+          </a:p>
+        </p:txBody>
+      </p:sp>
+      <p:sp>
+        <p:nvSpPr>
+          <p:cNvPr id="8" name="Rectangle 7">
+            <a:extLst>
+              <a:ext uri="{FF2B5EF4-FFF2-40B4-BE49-F238E27FC236}">
+                <a16:creationId xmlns:a16="http://schemas.microsoft.com/office/drawing/2014/main" id="{8C5FFD64-FC89-4236-A9D8-2B7325C39069}"/>
+              </a:ext>
+            </a:extLst>
+          </p:cNvPr>
+          <p:cNvSpPr/>
+          <p:nvPr/>
+        </p:nvSpPr>
+        <p:spPr>
+          <a:xfrm>
+            <a:off x="2599937" y="2367108"/>
+            <a:ext cx="4207570" cy="446048"/>
+          </a:xfrm>
+          <a:prstGeom prst="rect">
+            <a:avLst/>
+          </a:prstGeom>
+          <a:noFill/>
+          <a:ln w="38100">
+            <a:solidFill>
+              <a:schemeClr val="accent6">
+                <a:lumMod val="75000"/>
+              </a:schemeClr>
+            </a:solidFill>
+          </a:ln>
+        </p:spPr>
+        <p:style>
+          <a:lnRef idx="2">
+            <a:schemeClr val="accent1">
+              <a:shade val="50000"/>
+            </a:schemeClr>
+          </a:lnRef>
+          <a:fillRef idx="1">
+            <a:schemeClr val="accent1"/>
+          </a:fillRef>
+          <a:effectRef idx="0">
+            <a:schemeClr val="accent1"/>
+          </a:effectRef>
+          <a:fontRef idx="minor">
+            <a:schemeClr val="lt1"/>
+          </a:fontRef>
+        </p:style>
+        <p:txBody>
+          <a:bodyPr rtlCol="0" anchor="ctr"/>
+          <a:lstStyle/>
+          <a:p>
+            <a:pPr algn="ctr"/>
+            <a:r>
+              <a:rPr lang="en-CA" dirty="0"/>
+              <a:t>v</a:t>
+            </a:r>
+          </a:p>
+        </p:txBody>
+      </p:sp>
+      <p:sp>
+        <p:nvSpPr>
+          <p:cNvPr id="9" name="Rectangle 8">
+            <a:extLst>
+              <a:ext uri="{FF2B5EF4-FFF2-40B4-BE49-F238E27FC236}">
+                <a16:creationId xmlns:a16="http://schemas.microsoft.com/office/drawing/2014/main" id="{11C8F5FB-127B-4FDF-9053-4DF0B7C1CACD}"/>
+              </a:ext>
+            </a:extLst>
+          </p:cNvPr>
+          <p:cNvSpPr/>
+          <p:nvPr/>
+        </p:nvSpPr>
+        <p:spPr>
+          <a:xfrm>
+            <a:off x="2599937" y="3889389"/>
+            <a:ext cx="4207570" cy="696192"/>
+          </a:xfrm>
+          <a:prstGeom prst="rect">
+            <a:avLst/>
+          </a:prstGeom>
+          <a:noFill/>
+          <a:ln w="38100">
+            <a:solidFill>
+              <a:schemeClr val="accent6">
+                <a:lumMod val="75000"/>
+              </a:schemeClr>
+            </a:solidFill>
+          </a:ln>
+        </p:spPr>
+        <p:style>
+          <a:lnRef idx="2">
+            <a:schemeClr val="accent1">
+              <a:shade val="50000"/>
+            </a:schemeClr>
+          </a:lnRef>
+          <a:fillRef idx="1">
+            <a:schemeClr val="accent1"/>
+          </a:fillRef>
+          <a:effectRef idx="0">
+            <a:schemeClr val="accent1"/>
+          </a:effectRef>
+          <a:fontRef idx="minor">
+            <a:schemeClr val="lt1"/>
+          </a:fontRef>
+        </p:style>
+        <p:txBody>
+          <a:bodyPr rtlCol="0" anchor="ctr"/>
+          <a:lstStyle/>
+          <a:p>
+            <a:pPr algn="ctr"/>
+            <a:endParaRPr lang="en-CA"/>
+          </a:p>
+        </p:txBody>
+      </p:sp>
+      <p:sp>
+        <p:nvSpPr>
+          <p:cNvPr id="10" name="Rectangle 9">
+            <a:extLst>
+              <a:ext uri="{FF2B5EF4-FFF2-40B4-BE49-F238E27FC236}">
+                <a16:creationId xmlns:a16="http://schemas.microsoft.com/office/drawing/2014/main" id="{59FBF5D6-69FE-4F8E-BAE3-6BCFE0766D9F}"/>
+              </a:ext>
+            </a:extLst>
+          </p:cNvPr>
+          <p:cNvSpPr/>
+          <p:nvPr/>
+        </p:nvSpPr>
+        <p:spPr>
+          <a:xfrm>
+            <a:off x="2599937" y="5448616"/>
+            <a:ext cx="4207570" cy="446048"/>
+          </a:xfrm>
+          <a:prstGeom prst="rect">
+            <a:avLst/>
+          </a:prstGeom>
+          <a:noFill/>
+          <a:ln w="38100">
+            <a:solidFill>
+              <a:schemeClr val="accent6">
+                <a:lumMod val="75000"/>
+              </a:schemeClr>
+            </a:solidFill>
+          </a:ln>
+        </p:spPr>
+        <p:style>
+          <a:lnRef idx="2">
+            <a:schemeClr val="accent1">
+              <a:shade val="50000"/>
+            </a:schemeClr>
+          </a:lnRef>
+          <a:fillRef idx="1">
+            <a:schemeClr val="accent1"/>
+          </a:fillRef>
+          <a:effectRef idx="0">
+            <a:schemeClr val="accent1"/>
+          </a:effectRef>
+          <a:fontRef idx="minor">
+            <a:schemeClr val="lt1"/>
+          </a:fontRef>
+        </p:style>
+        <p:txBody>
+          <a:bodyPr rtlCol="0" anchor="ctr"/>
+          <a:lstStyle/>
+          <a:p>
+            <a:pPr algn="ctr"/>
+            <a:endParaRPr lang="en-CA"/>
+          </a:p>
+        </p:txBody>
+      </p:sp>
+      <p:sp>
+        <p:nvSpPr>
+          <p:cNvPr id="11" name="TextBox 10">
+            <a:extLst>
+              <a:ext uri="{FF2B5EF4-FFF2-40B4-BE49-F238E27FC236}">
+                <a16:creationId xmlns:a16="http://schemas.microsoft.com/office/drawing/2014/main" id="{AF99F952-9650-4450-A7B7-76EA2310B015}"/>
+              </a:ext>
+            </a:extLst>
+          </p:cNvPr>
+          <p:cNvSpPr txBox="1"/>
+          <p:nvPr/>
+        </p:nvSpPr>
+        <p:spPr>
+          <a:xfrm>
+            <a:off x="7265499" y="2367108"/>
+            <a:ext cx="4653128" cy="646331"/>
+          </a:xfrm>
+          <a:prstGeom prst="rect">
+            <a:avLst/>
+          </a:prstGeom>
+        </p:spPr>
+        <p:style>
+          <a:lnRef idx="2">
+            <a:schemeClr val="dk1"/>
+          </a:lnRef>
+          <a:fillRef idx="1">
+            <a:schemeClr val="lt1"/>
+          </a:fillRef>
+          <a:effectRef idx="0">
+            <a:schemeClr val="dk1"/>
+          </a:effectRef>
+          <a:fontRef idx="minor">
+            <a:schemeClr val="dk1"/>
+          </a:fontRef>
+        </p:style>
+        <p:txBody>
+          <a:bodyPr wrap="square" rtlCol="0">
+            <a:spAutoFit/>
+          </a:bodyPr>
+          <a:lstStyle/>
+          <a:p>
+            <a:r>
+              <a:rPr lang="en-CA" dirty="0"/>
+              <a:t>Rubric rationale for Business Scope attribute’s low risk rating</a:t>
+            </a:r>
+          </a:p>
+        </p:txBody>
+      </p:sp>
+      <p:sp>
+        <p:nvSpPr>
+          <p:cNvPr id="12" name="TextBox 11">
+            <a:extLst>
+              <a:ext uri="{FF2B5EF4-FFF2-40B4-BE49-F238E27FC236}">
+                <a16:creationId xmlns:a16="http://schemas.microsoft.com/office/drawing/2014/main" id="{36E87BAF-FD4C-4174-9F51-890B0F1E6CF9}"/>
+              </a:ext>
+            </a:extLst>
+          </p:cNvPr>
+          <p:cNvSpPr txBox="1"/>
+          <p:nvPr/>
+        </p:nvSpPr>
+        <p:spPr>
+          <a:xfrm>
+            <a:off x="7265499" y="3914319"/>
+            <a:ext cx="4653128" cy="646331"/>
+          </a:xfrm>
+          <a:prstGeom prst="rect">
+            <a:avLst/>
+          </a:prstGeom>
+        </p:spPr>
+        <p:style>
+          <a:lnRef idx="2">
+            <a:schemeClr val="dk1"/>
+          </a:lnRef>
+          <a:fillRef idx="1">
+            <a:schemeClr val="lt1"/>
+          </a:fillRef>
+          <a:effectRef idx="0">
+            <a:schemeClr val="dk1"/>
+          </a:effectRef>
+          <a:fontRef idx="minor">
+            <a:schemeClr val="dk1"/>
+          </a:fontRef>
+        </p:style>
+        <p:txBody>
+          <a:bodyPr wrap="square" rtlCol="0">
+            <a:spAutoFit/>
+          </a:bodyPr>
+          <a:lstStyle/>
+          <a:p>
+            <a:r>
+              <a:rPr lang="en-CA" dirty="0"/>
+              <a:t>Rubric rationale for Business Scope attribute’s low risk rating</a:t>
+            </a:r>
+          </a:p>
+        </p:txBody>
+      </p:sp>
+      <p:sp>
+        <p:nvSpPr>
+          <p:cNvPr id="13" name="TextBox 12">
+            <a:extLst>
+              <a:ext uri="{FF2B5EF4-FFF2-40B4-BE49-F238E27FC236}">
+                <a16:creationId xmlns:a16="http://schemas.microsoft.com/office/drawing/2014/main" id="{2DC5354F-7622-4EEF-9903-CE21BB810A1C}"/>
+              </a:ext>
+            </a:extLst>
+          </p:cNvPr>
+          <p:cNvSpPr txBox="1"/>
+          <p:nvPr/>
+        </p:nvSpPr>
+        <p:spPr>
+          <a:xfrm>
+            <a:off x="7265499" y="5348474"/>
+            <a:ext cx="4653128" cy="646331"/>
+          </a:xfrm>
+          <a:prstGeom prst="rect">
+            <a:avLst/>
+          </a:prstGeom>
+        </p:spPr>
+        <p:style>
+          <a:lnRef idx="2">
+            <a:schemeClr val="dk1"/>
+          </a:lnRef>
+          <a:fillRef idx="1">
+            <a:schemeClr val="lt1"/>
+          </a:fillRef>
+          <a:effectRef idx="0">
+            <a:schemeClr val="dk1"/>
+          </a:effectRef>
+          <a:fontRef idx="minor">
+            <a:schemeClr val="dk1"/>
+          </a:fontRef>
+        </p:style>
+        <p:txBody>
+          <a:bodyPr wrap="square" rtlCol="0">
+            <a:spAutoFit/>
+          </a:bodyPr>
+          <a:lstStyle/>
+          <a:p>
+            <a:r>
+              <a:rPr lang="en-CA" dirty="0"/>
+              <a:t>Rubric rationale for Business Scope attribute’s low risk rating</a:t>
+            </a:r>
+          </a:p>
+        </p:txBody>
+      </p:sp>
+      <p:sp>
+        <p:nvSpPr>
+          <p:cNvPr id="14" name="TextBox 13">
+            <a:extLst>
+              <a:ext uri="{FF2B5EF4-FFF2-40B4-BE49-F238E27FC236}">
+                <a16:creationId xmlns:a16="http://schemas.microsoft.com/office/drawing/2014/main" id="{42505D3A-0F6E-49D2-A090-CB06B38F1DC4}"/>
+              </a:ext>
+            </a:extLst>
+          </p:cNvPr>
+          <p:cNvSpPr txBox="1"/>
+          <p:nvPr/>
+        </p:nvSpPr>
+        <p:spPr>
+          <a:xfrm>
+            <a:off x="838200" y="1025342"/>
+            <a:ext cx="10426390" cy="1200329"/>
+          </a:xfrm>
+          <a:prstGeom prst="rect">
+            <a:avLst/>
+          </a:prstGeom>
+          <a:noFill/>
+        </p:spPr>
+        <p:txBody>
+          <a:bodyPr wrap="square" rtlCol="0">
+            <a:spAutoFit/>
+          </a:bodyPr>
+          <a:lstStyle/>
+          <a:p>
+            <a:r>
+              <a:rPr lang="en-CA" dirty="0"/>
+              <a:t>IIT-EA-Decision-Matrix: an Excel file that has rubrics. Go to the ‘Rubric’ sheet to see the rubrics.</a:t>
+            </a:r>
+          </a:p>
+          <a:p>
+            <a:r>
+              <a:rPr lang="en-CA" dirty="0"/>
+              <a:t>There are </a:t>
+            </a:r>
+            <a:r>
+              <a:rPr lang="en-CA" b="1" dirty="0"/>
+              <a:t>5 attributes</a:t>
+            </a:r>
+            <a:r>
+              <a:rPr lang="en-CA" dirty="0"/>
+              <a:t>: Business Scope, IT Solution Approach, Technology Update and/or Data Migration, Information Requirements, Information Sensitivity Rating</a:t>
+            </a:r>
+          </a:p>
+          <a:p>
+            <a:r>
+              <a:rPr lang="en-CA" dirty="0"/>
+              <a:t>There are </a:t>
+            </a:r>
+            <a:r>
+              <a:rPr lang="en-CA" b="1" dirty="0"/>
+              <a:t>3 risk ratings </a:t>
+            </a:r>
+            <a:r>
+              <a:rPr lang="en-CA" dirty="0"/>
+              <a:t>for each categories: Low, Medium, High</a:t>
+            </a:r>
+          </a:p>
+        </p:txBody>
+      </p:sp>
+    </p:spTree>
+    <p:extLst>
+      <p:ext uri="{BB962C8B-B14F-4D97-AF65-F5344CB8AC3E}">
+        <p14:creationId xmlns:p14="http://schemas.microsoft.com/office/powerpoint/2010/main" val="3876850196"/>
+      </p:ext>
+    </p:extLst>
+  </p:cSld>
+  <p:clrMapOvr>
+    <a:masterClrMapping/>
+  </p:clrMapOvr>
+</p:sld>
+</file>
+
+<file path=ppt/slides/slide11.xml><?xml version="1.0" encoding="utf-8"?>
+<p:sld xmlns:a="http://schemas.openxmlformats.org/drawingml/2006/main" xmlns:r="http://schemas.openxmlformats.org/officeDocument/2006/relationships" xmlns:p="http://schemas.openxmlformats.org/presentationml/2006/main">
+  <p:cSld>
+    <p:spTree>
+      <p:nvGrpSpPr>
+        <p:cNvPr id="1" name=""/>
+        <p:cNvGrpSpPr/>
+        <p:nvPr/>
+      </p:nvGrpSpPr>
+      <p:grpSpPr>
+        <a:xfrm>
+          <a:off x="0" y="0"/>
+          <a:ext cx="0" cy="0"/>
+          <a:chOff x="0" y="0"/>
+          <a:chExt cx="0" cy="0"/>
+        </a:xfrm>
+      </p:grpSpPr>
+      <p:sp>
+        <p:nvSpPr>
+          <p:cNvPr id="2" name="Title 1">
+            <a:extLst>
+              <a:ext uri="{FF2B5EF4-FFF2-40B4-BE49-F238E27FC236}">
+                <a16:creationId xmlns:a16="http://schemas.microsoft.com/office/drawing/2014/main" id="{14FFEFB8-82FE-4DEE-86F3-69A7375783C8}"/>
+              </a:ext>
+            </a:extLst>
+          </p:cNvPr>
+          <p:cNvSpPr>
+            <a:spLocks noGrp="1"/>
+          </p:cNvSpPr>
+          <p:nvPr>
+            <p:ph type="title"/>
+          </p:nvPr>
+        </p:nvSpPr>
+        <p:spPr>
+          <a:xfrm>
+            <a:off x="838200" y="365126"/>
+            <a:ext cx="10515600" cy="661842"/>
+          </a:xfrm>
+        </p:spPr>
+        <p:txBody>
+          <a:bodyPr>
+            <a:normAutofit fontScale="90000"/>
+          </a:bodyPr>
+          <a:lstStyle/>
+          <a:p>
+            <a:r>
+              <a:rPr lang="en-CA" dirty="0" err="1"/>
+              <a:t>Sample_assessment</a:t>
+            </a:r>
+            <a:endParaRPr lang="en-CA" dirty="0"/>
+          </a:p>
+        </p:txBody>
+      </p:sp>
+      <p:pic>
+        <p:nvPicPr>
+          <p:cNvPr id="5" name="Content Placeholder 4" descr="Graphical user interface, text, application, email&#10;&#10;Description automatically generated">
+            <a:extLst>
+              <a:ext uri="{FF2B5EF4-FFF2-40B4-BE49-F238E27FC236}">
+                <a16:creationId xmlns:a16="http://schemas.microsoft.com/office/drawing/2014/main" id="{C4C5D61A-BF0B-4A29-AB2C-54BE4A12FE68}"/>
+              </a:ext>
+            </a:extLst>
+          </p:cNvPr>
+          <p:cNvPicPr>
+            <a:picLocks noGrp="1" noChangeAspect="1"/>
+          </p:cNvPicPr>
+          <p:nvPr>
+            <p:ph idx="1"/>
+          </p:nvPr>
+        </p:nvPicPr>
+        <p:blipFill>
+          <a:blip r:embed="rId2">
+            <a:extLst>
+              <a:ext uri="{28A0092B-C50C-407E-A947-70E740481C1C}">
+                <a14:useLocalDpi xmlns:a14="http://schemas.microsoft.com/office/drawing/2010/main" val="0"/>
+              </a:ext>
+            </a:extLst>
+          </a:blip>
+          <a:stretch>
+            <a:fillRect/>
+          </a:stretch>
+        </p:blipFill>
+        <p:spPr>
+          <a:xfrm>
+            <a:off x="757707" y="1942010"/>
+            <a:ext cx="7398130" cy="4007056"/>
+          </a:xfrm>
+        </p:spPr>
+      </p:pic>
+      <p:sp>
+        <p:nvSpPr>
+          <p:cNvPr id="6" name="Rectangle 5">
+            <a:extLst>
+              <a:ext uri="{FF2B5EF4-FFF2-40B4-BE49-F238E27FC236}">
+                <a16:creationId xmlns:a16="http://schemas.microsoft.com/office/drawing/2014/main" id="{F091FCC3-AB63-49D0-9DE9-841E2D0DFE1A}"/>
+              </a:ext>
+            </a:extLst>
+          </p:cNvPr>
+          <p:cNvSpPr/>
+          <p:nvPr/>
+        </p:nvSpPr>
+        <p:spPr>
+          <a:xfrm>
+            <a:off x="1204331" y="5609064"/>
+            <a:ext cx="892098" cy="446048"/>
+          </a:xfrm>
+          <a:prstGeom prst="rect">
+            <a:avLst/>
+          </a:prstGeom>
+          <a:noFill/>
+          <a:ln w="38100">
+            <a:solidFill>
+              <a:schemeClr val="accent6">
+                <a:lumMod val="75000"/>
+              </a:schemeClr>
+            </a:solidFill>
+          </a:ln>
+        </p:spPr>
+        <p:style>
+          <a:lnRef idx="2">
+            <a:schemeClr val="accent1">
+              <a:shade val="50000"/>
+            </a:schemeClr>
+          </a:lnRef>
+          <a:fillRef idx="1">
+            <a:schemeClr val="accent1"/>
+          </a:fillRef>
+          <a:effectRef idx="0">
+            <a:schemeClr val="accent1"/>
+          </a:effectRef>
+          <a:fontRef idx="minor">
+            <a:schemeClr val="lt1"/>
+          </a:fontRef>
+        </p:style>
+        <p:txBody>
+          <a:bodyPr rtlCol="0" anchor="ctr"/>
+          <a:lstStyle/>
+          <a:p>
+            <a:pPr algn="ctr"/>
+            <a:endParaRPr lang="en-CA"/>
+          </a:p>
+        </p:txBody>
+      </p:sp>
+      <p:sp>
+        <p:nvSpPr>
+          <p:cNvPr id="7" name="TextBox 6">
+            <a:extLst>
+              <a:ext uri="{FF2B5EF4-FFF2-40B4-BE49-F238E27FC236}">
+                <a16:creationId xmlns:a16="http://schemas.microsoft.com/office/drawing/2014/main" id="{27B26F9C-EA64-4F15-BA81-3469E4039B72}"/>
+              </a:ext>
+            </a:extLst>
+          </p:cNvPr>
+          <p:cNvSpPr txBox="1"/>
+          <p:nvPr/>
+        </p:nvSpPr>
+        <p:spPr>
+          <a:xfrm>
+            <a:off x="824805" y="6211539"/>
+            <a:ext cx="1651149" cy="369332"/>
+          </a:xfrm>
+          <a:prstGeom prst="rect">
+            <a:avLst/>
+          </a:prstGeom>
+        </p:spPr>
+        <p:style>
+          <a:lnRef idx="2">
+            <a:schemeClr val="dk1"/>
+          </a:lnRef>
+          <a:fillRef idx="1">
+            <a:schemeClr val="lt1"/>
+          </a:fillRef>
+          <a:effectRef idx="0">
+            <a:schemeClr val="dk1"/>
+          </a:effectRef>
+          <a:fontRef idx="minor">
+            <a:schemeClr val="dk1"/>
+          </a:fontRef>
+        </p:style>
+        <p:txBody>
+          <a:bodyPr wrap="square" rtlCol="0">
+            <a:spAutoFit/>
+          </a:bodyPr>
+          <a:lstStyle/>
+          <a:p>
+            <a:r>
+              <a:rPr lang="en-CA" dirty="0"/>
+              <a:t>‘Matrix’ sheet</a:t>
+            </a:r>
+          </a:p>
+        </p:txBody>
+      </p:sp>
+      <p:sp>
+        <p:nvSpPr>
+          <p:cNvPr id="8" name="TextBox 7">
+            <a:extLst>
+              <a:ext uri="{FF2B5EF4-FFF2-40B4-BE49-F238E27FC236}">
+                <a16:creationId xmlns:a16="http://schemas.microsoft.com/office/drawing/2014/main" id="{17612073-1B6F-4652-A786-D6F92374EE98}"/>
+              </a:ext>
+            </a:extLst>
+          </p:cNvPr>
+          <p:cNvSpPr txBox="1"/>
+          <p:nvPr/>
+        </p:nvSpPr>
+        <p:spPr>
+          <a:xfrm>
+            <a:off x="882805" y="969170"/>
+            <a:ext cx="10426390" cy="923330"/>
+          </a:xfrm>
+          <a:prstGeom prst="rect">
+            <a:avLst/>
+          </a:prstGeom>
+          <a:noFill/>
+        </p:spPr>
+        <p:txBody>
+          <a:bodyPr wrap="square" rtlCol="0">
+            <a:spAutoFit/>
+          </a:bodyPr>
+          <a:lstStyle/>
+          <a:p>
+            <a:r>
+              <a:rPr lang="en-CA" dirty="0" err="1"/>
+              <a:t>Sample_assessment</a:t>
+            </a:r>
+            <a:r>
+              <a:rPr lang="en-CA" dirty="0"/>
+              <a:t>: a sample risk assessment file submitted by a solution branch. used for testing</a:t>
+            </a:r>
+          </a:p>
+          <a:p>
+            <a:r>
+              <a:rPr lang="en-CA" dirty="0"/>
+              <a:t>Go to the ‘Matrix’ sheet to see the risk assessment. Text in this sheet is extracted to be inserted into the template</a:t>
+            </a:r>
+          </a:p>
+        </p:txBody>
+      </p:sp>
+      <p:sp>
+        <p:nvSpPr>
+          <p:cNvPr id="9" name="Rectangle 8">
+            <a:extLst>
+              <a:ext uri="{FF2B5EF4-FFF2-40B4-BE49-F238E27FC236}">
+                <a16:creationId xmlns:a16="http://schemas.microsoft.com/office/drawing/2014/main" id="{477478A5-C4A0-47B4-95E4-E4E14FC42BD6}"/>
+              </a:ext>
+            </a:extLst>
+          </p:cNvPr>
+          <p:cNvSpPr/>
+          <p:nvPr/>
+        </p:nvSpPr>
+        <p:spPr>
+          <a:xfrm>
+            <a:off x="2360340" y="2576243"/>
+            <a:ext cx="4843347" cy="501493"/>
+          </a:xfrm>
+          <a:prstGeom prst="rect">
+            <a:avLst/>
+          </a:prstGeom>
+          <a:noFill/>
+          <a:ln w="38100">
+            <a:solidFill>
+              <a:schemeClr val="accent6">
+                <a:lumMod val="75000"/>
+              </a:schemeClr>
+            </a:solidFill>
+          </a:ln>
+        </p:spPr>
+        <p:style>
+          <a:lnRef idx="2">
+            <a:schemeClr val="accent1">
+              <a:shade val="50000"/>
+            </a:schemeClr>
+          </a:lnRef>
+          <a:fillRef idx="1">
+            <a:schemeClr val="accent1"/>
+          </a:fillRef>
+          <a:effectRef idx="0">
+            <a:schemeClr val="accent1"/>
+          </a:effectRef>
+          <a:fontRef idx="minor">
+            <a:schemeClr val="lt1"/>
+          </a:fontRef>
+        </p:style>
+        <p:txBody>
+          <a:bodyPr rtlCol="0" anchor="ctr"/>
+          <a:lstStyle/>
+          <a:p>
+            <a:pPr algn="ctr"/>
+            <a:endParaRPr lang="en-CA"/>
+          </a:p>
+        </p:txBody>
+      </p:sp>
+      <p:sp>
+        <p:nvSpPr>
+          <p:cNvPr id="10" name="Rectangle 9">
+            <a:extLst>
+              <a:ext uri="{FF2B5EF4-FFF2-40B4-BE49-F238E27FC236}">
+                <a16:creationId xmlns:a16="http://schemas.microsoft.com/office/drawing/2014/main" id="{D02948C2-0088-496A-88E7-1B5A6567EB0E}"/>
+              </a:ext>
+            </a:extLst>
+          </p:cNvPr>
+          <p:cNvSpPr/>
+          <p:nvPr/>
+        </p:nvSpPr>
+        <p:spPr>
+          <a:xfrm>
+            <a:off x="7386690" y="2576243"/>
+            <a:ext cx="769147" cy="501493"/>
+          </a:xfrm>
+          <a:prstGeom prst="rect">
+            <a:avLst/>
+          </a:prstGeom>
+          <a:noFill/>
+          <a:ln w="38100">
+            <a:solidFill>
+              <a:schemeClr val="accent6">
+                <a:lumMod val="75000"/>
+              </a:schemeClr>
+            </a:solidFill>
+          </a:ln>
+        </p:spPr>
+        <p:style>
+          <a:lnRef idx="2">
+            <a:schemeClr val="accent1">
+              <a:shade val="50000"/>
+            </a:schemeClr>
+          </a:lnRef>
+          <a:fillRef idx="1">
+            <a:schemeClr val="accent1"/>
+          </a:fillRef>
+          <a:effectRef idx="0">
+            <a:schemeClr val="accent1"/>
+          </a:effectRef>
+          <a:fontRef idx="minor">
+            <a:schemeClr val="lt1"/>
+          </a:fontRef>
+        </p:style>
+        <p:txBody>
+          <a:bodyPr rtlCol="0" anchor="ctr"/>
+          <a:lstStyle/>
+          <a:p>
+            <a:pPr algn="ctr"/>
+            <a:endParaRPr lang="en-CA"/>
+          </a:p>
+        </p:txBody>
+      </p:sp>
+      <p:sp>
+        <p:nvSpPr>
+          <p:cNvPr id="11" name="TextBox 10">
+            <a:extLst>
+              <a:ext uri="{FF2B5EF4-FFF2-40B4-BE49-F238E27FC236}">
+                <a16:creationId xmlns:a16="http://schemas.microsoft.com/office/drawing/2014/main" id="{920F776E-8DE3-4EEE-98CC-D062EDA088F9}"/>
+              </a:ext>
+            </a:extLst>
+          </p:cNvPr>
+          <p:cNvSpPr txBox="1"/>
+          <p:nvPr/>
+        </p:nvSpPr>
+        <p:spPr>
+          <a:xfrm>
+            <a:off x="8392095" y="1607137"/>
+            <a:ext cx="2764412" cy="923330"/>
+          </a:xfrm>
+          <a:prstGeom prst="rect">
+            <a:avLst/>
+          </a:prstGeom>
+        </p:spPr>
+        <p:style>
+          <a:lnRef idx="2">
+            <a:schemeClr val="dk1"/>
+          </a:lnRef>
+          <a:fillRef idx="1">
+            <a:schemeClr val="lt1"/>
+          </a:fillRef>
+          <a:effectRef idx="0">
+            <a:schemeClr val="dk1"/>
+          </a:effectRef>
+          <a:fontRef idx="minor">
+            <a:schemeClr val="dk1"/>
+          </a:fontRef>
+        </p:style>
+        <p:txBody>
+          <a:bodyPr wrap="square" rtlCol="0">
+            <a:spAutoFit/>
+          </a:bodyPr>
+          <a:lstStyle/>
+          <a:p>
+            <a:r>
+              <a:rPr lang="en-CA" dirty="0"/>
+              <a:t>Rubric rationale for Business Scope attribute’s ‘Medium’ risk rating</a:t>
+            </a:r>
+          </a:p>
+        </p:txBody>
+      </p:sp>
+      <p:sp>
+        <p:nvSpPr>
+          <p:cNvPr id="12" name="TextBox 11">
+            <a:extLst>
+              <a:ext uri="{FF2B5EF4-FFF2-40B4-BE49-F238E27FC236}">
+                <a16:creationId xmlns:a16="http://schemas.microsoft.com/office/drawing/2014/main" id="{E6763927-3530-439B-B16F-222C6B599490}"/>
+              </a:ext>
+            </a:extLst>
+          </p:cNvPr>
+          <p:cNvSpPr txBox="1"/>
+          <p:nvPr/>
+        </p:nvSpPr>
+        <p:spPr>
+          <a:xfrm>
+            <a:off x="8392095" y="2631888"/>
+            <a:ext cx="2154458" cy="1200329"/>
+          </a:xfrm>
+          <a:prstGeom prst="rect">
+            <a:avLst/>
+          </a:prstGeom>
+        </p:spPr>
+        <p:style>
+          <a:lnRef idx="2">
+            <a:schemeClr val="dk1"/>
+          </a:lnRef>
+          <a:fillRef idx="1">
+            <a:schemeClr val="lt1"/>
+          </a:fillRef>
+          <a:effectRef idx="0">
+            <a:schemeClr val="dk1"/>
+          </a:effectRef>
+          <a:fontRef idx="minor">
+            <a:schemeClr val="dk1"/>
+          </a:fontRef>
+        </p:style>
+        <p:txBody>
+          <a:bodyPr wrap="square" rtlCol="0">
+            <a:spAutoFit/>
+          </a:bodyPr>
+          <a:lstStyle/>
+          <a:p>
+            <a:r>
+              <a:rPr lang="en-CA" dirty="0"/>
+              <a:t>Risk of the Business Scope attribute of this project is rated as ‘Medium’</a:t>
+            </a:r>
+          </a:p>
+        </p:txBody>
+      </p:sp>
+      <p:cxnSp>
+        <p:nvCxnSpPr>
+          <p:cNvPr id="13" name="Straight Arrow Connector 12">
+            <a:extLst>
+              <a:ext uri="{FF2B5EF4-FFF2-40B4-BE49-F238E27FC236}">
+                <a16:creationId xmlns:a16="http://schemas.microsoft.com/office/drawing/2014/main" id="{85580B59-46E5-4FD4-AE08-98C5819340C8}"/>
+              </a:ext>
+            </a:extLst>
+          </p:cNvPr>
+          <p:cNvCxnSpPr>
+            <a:cxnSpLocks/>
+            <a:stCxn id="11" idx="1"/>
+            <a:endCxn id="9" idx="0"/>
+          </p:cNvCxnSpPr>
+          <p:nvPr/>
+        </p:nvCxnSpPr>
+        <p:spPr>
+          <a:xfrm flipH="1">
+            <a:off x="4782014" y="2068802"/>
+            <a:ext cx="3610081" cy="507441"/>
+          </a:xfrm>
+          <a:prstGeom prst="straightConnector1">
+            <a:avLst/>
+          </a:prstGeom>
+          <a:ln>
+            <a:solidFill>
+              <a:srgbClr val="00B050"/>
+            </a:solidFill>
+            <a:tailEnd type="triangle"/>
+          </a:ln>
+        </p:spPr>
+        <p:style>
+          <a:lnRef idx="1">
+            <a:schemeClr val="accent1"/>
+          </a:lnRef>
+          <a:fillRef idx="0">
+            <a:schemeClr val="accent1"/>
+          </a:fillRef>
+          <a:effectRef idx="0">
+            <a:schemeClr val="accent1"/>
+          </a:effectRef>
+          <a:fontRef idx="minor">
+            <a:schemeClr val="tx1"/>
+          </a:fontRef>
+        </p:style>
+      </p:cxnSp>
+      <p:cxnSp>
+        <p:nvCxnSpPr>
+          <p:cNvPr id="16" name="Straight Arrow Connector 15">
+            <a:extLst>
+              <a:ext uri="{FF2B5EF4-FFF2-40B4-BE49-F238E27FC236}">
+                <a16:creationId xmlns:a16="http://schemas.microsoft.com/office/drawing/2014/main" id="{6ABC496B-6DA9-4FFA-8099-28BB556FDD28}"/>
+              </a:ext>
+            </a:extLst>
+          </p:cNvPr>
+          <p:cNvCxnSpPr>
+            <a:cxnSpLocks/>
+            <a:stCxn id="12" idx="1"/>
+            <a:endCxn id="10" idx="3"/>
+          </p:cNvCxnSpPr>
+          <p:nvPr/>
+        </p:nvCxnSpPr>
+        <p:spPr>
+          <a:xfrm flipH="1" flipV="1">
+            <a:off x="8155837" y="2826990"/>
+            <a:ext cx="236258" cy="405063"/>
+          </a:xfrm>
+          <a:prstGeom prst="straightConnector1">
+            <a:avLst/>
+          </a:prstGeom>
+          <a:ln>
+            <a:solidFill>
+              <a:srgbClr val="00B050"/>
+            </a:solidFill>
+            <a:tailEnd type="triangle"/>
+          </a:ln>
+        </p:spPr>
+        <p:style>
+          <a:lnRef idx="1">
+            <a:schemeClr val="accent1"/>
+          </a:lnRef>
+          <a:fillRef idx="0">
+            <a:schemeClr val="accent1"/>
+          </a:fillRef>
+          <a:effectRef idx="0">
+            <a:schemeClr val="accent1"/>
+          </a:effectRef>
+          <a:fontRef idx="minor">
+            <a:schemeClr val="tx1"/>
+          </a:fontRef>
+        </p:style>
+      </p:cxnSp>
+      <p:sp>
+        <p:nvSpPr>
+          <p:cNvPr id="20" name="Rectangle 19">
+            <a:extLst>
+              <a:ext uri="{FF2B5EF4-FFF2-40B4-BE49-F238E27FC236}">
+                <a16:creationId xmlns:a16="http://schemas.microsoft.com/office/drawing/2014/main" id="{34850FF3-5095-44E7-9799-8BB59D02BF73}"/>
+              </a:ext>
+            </a:extLst>
+          </p:cNvPr>
+          <p:cNvSpPr/>
+          <p:nvPr/>
+        </p:nvSpPr>
+        <p:spPr>
+          <a:xfrm>
+            <a:off x="7386690" y="5163015"/>
+            <a:ext cx="769147" cy="292780"/>
+          </a:xfrm>
+          <a:prstGeom prst="rect">
+            <a:avLst/>
+          </a:prstGeom>
+          <a:noFill/>
+          <a:ln w="38100">
+            <a:solidFill>
+              <a:schemeClr val="accent6">
+                <a:lumMod val="75000"/>
+              </a:schemeClr>
+            </a:solidFill>
+          </a:ln>
+        </p:spPr>
+        <p:style>
+          <a:lnRef idx="2">
+            <a:schemeClr val="accent1">
+              <a:shade val="50000"/>
+            </a:schemeClr>
+          </a:lnRef>
+          <a:fillRef idx="1">
+            <a:schemeClr val="accent1"/>
+          </a:fillRef>
+          <a:effectRef idx="0">
+            <a:schemeClr val="accent1"/>
+          </a:effectRef>
+          <a:fontRef idx="minor">
+            <a:schemeClr val="lt1"/>
+          </a:fontRef>
+        </p:style>
+        <p:txBody>
+          <a:bodyPr rtlCol="0" anchor="ctr"/>
+          <a:lstStyle/>
+          <a:p>
+            <a:pPr algn="ctr"/>
+            <a:endParaRPr lang="en-CA"/>
+          </a:p>
+        </p:txBody>
+      </p:sp>
+      <p:sp>
+        <p:nvSpPr>
+          <p:cNvPr id="21" name="TextBox 20">
+            <a:extLst>
+              <a:ext uri="{FF2B5EF4-FFF2-40B4-BE49-F238E27FC236}">
+                <a16:creationId xmlns:a16="http://schemas.microsoft.com/office/drawing/2014/main" id="{BAE7F525-02C5-4D4C-ABAB-CA71B7DEA9B1}"/>
+              </a:ext>
+            </a:extLst>
+          </p:cNvPr>
+          <p:cNvSpPr txBox="1"/>
+          <p:nvPr/>
+        </p:nvSpPr>
+        <p:spPr>
+          <a:xfrm>
+            <a:off x="8392097" y="5124739"/>
+            <a:ext cx="1855874" cy="369332"/>
+          </a:xfrm>
+          <a:prstGeom prst="rect">
+            <a:avLst/>
+          </a:prstGeom>
+        </p:spPr>
+        <p:style>
+          <a:lnRef idx="2">
+            <a:schemeClr val="dk1"/>
+          </a:lnRef>
+          <a:fillRef idx="1">
+            <a:schemeClr val="lt1"/>
+          </a:fillRef>
+          <a:effectRef idx="0">
+            <a:schemeClr val="dk1"/>
+          </a:effectRef>
+          <a:fontRef idx="minor">
+            <a:schemeClr val="dk1"/>
+          </a:fontRef>
+        </p:style>
+        <p:txBody>
+          <a:bodyPr wrap="square" rtlCol="0">
+            <a:spAutoFit/>
+          </a:bodyPr>
+          <a:lstStyle/>
+          <a:p>
+            <a:r>
+              <a:rPr lang="en-CA" dirty="0"/>
+              <a:t>Total risk score</a:t>
+            </a:r>
+          </a:p>
+        </p:txBody>
+      </p:sp>
+      <p:cxnSp>
+        <p:nvCxnSpPr>
+          <p:cNvPr id="22" name="Straight Arrow Connector 21">
+            <a:extLst>
+              <a:ext uri="{FF2B5EF4-FFF2-40B4-BE49-F238E27FC236}">
+                <a16:creationId xmlns:a16="http://schemas.microsoft.com/office/drawing/2014/main" id="{E4F13B38-7087-4D0C-9053-CF9D39CB28E7}"/>
+              </a:ext>
+            </a:extLst>
+          </p:cNvPr>
+          <p:cNvCxnSpPr>
+            <a:cxnSpLocks/>
+            <a:stCxn id="21" idx="1"/>
+            <a:endCxn id="20" idx="3"/>
+          </p:cNvCxnSpPr>
+          <p:nvPr/>
+        </p:nvCxnSpPr>
+        <p:spPr>
+          <a:xfrm flipH="1">
+            <a:off x="8155837" y="5309405"/>
+            <a:ext cx="236260" cy="0"/>
+          </a:xfrm>
+          <a:prstGeom prst="straightConnector1">
+            <a:avLst/>
+          </a:prstGeom>
+          <a:ln>
+            <a:solidFill>
+              <a:srgbClr val="00B050"/>
+            </a:solidFill>
+            <a:tailEnd type="triangle"/>
+          </a:ln>
+        </p:spPr>
+        <p:style>
+          <a:lnRef idx="1">
+            <a:schemeClr val="accent1"/>
+          </a:lnRef>
+          <a:fillRef idx="0">
+            <a:schemeClr val="accent1"/>
+          </a:fillRef>
+          <a:effectRef idx="0">
+            <a:schemeClr val="accent1"/>
+          </a:effectRef>
+          <a:fontRef idx="minor">
+            <a:schemeClr val="tx1"/>
+          </a:fontRef>
+        </p:style>
+      </p:cxnSp>
+      <p:sp>
+        <p:nvSpPr>
+          <p:cNvPr id="24" name="Rectangle 23">
+            <a:extLst>
+              <a:ext uri="{FF2B5EF4-FFF2-40B4-BE49-F238E27FC236}">
+                <a16:creationId xmlns:a16="http://schemas.microsoft.com/office/drawing/2014/main" id="{49FEC739-B23B-4E26-9DF3-7264E21A3BF3}"/>
+              </a:ext>
+            </a:extLst>
+          </p:cNvPr>
+          <p:cNvSpPr/>
+          <p:nvPr/>
+        </p:nvSpPr>
+        <p:spPr>
+          <a:xfrm>
+            <a:off x="7386690" y="5538253"/>
+            <a:ext cx="769147" cy="292780"/>
+          </a:xfrm>
+          <a:prstGeom prst="rect">
+            <a:avLst/>
+          </a:prstGeom>
+          <a:noFill/>
+          <a:ln w="38100">
+            <a:solidFill>
+              <a:schemeClr val="accent6">
+                <a:lumMod val="75000"/>
+              </a:schemeClr>
+            </a:solidFill>
+          </a:ln>
+        </p:spPr>
+        <p:style>
+          <a:lnRef idx="2">
+            <a:schemeClr val="accent1">
+              <a:shade val="50000"/>
+            </a:schemeClr>
+          </a:lnRef>
+          <a:fillRef idx="1">
+            <a:schemeClr val="accent1"/>
+          </a:fillRef>
+          <a:effectRef idx="0">
+            <a:schemeClr val="accent1"/>
+          </a:effectRef>
+          <a:fontRef idx="minor">
+            <a:schemeClr val="lt1"/>
+          </a:fontRef>
+        </p:style>
+        <p:txBody>
+          <a:bodyPr rtlCol="0" anchor="ctr"/>
+          <a:lstStyle/>
+          <a:p>
+            <a:pPr algn="ctr"/>
+            <a:endParaRPr lang="en-CA"/>
+          </a:p>
+        </p:txBody>
+      </p:sp>
+      <p:sp>
+        <p:nvSpPr>
+          <p:cNvPr id="25" name="TextBox 24">
+            <a:extLst>
+              <a:ext uri="{FF2B5EF4-FFF2-40B4-BE49-F238E27FC236}">
+                <a16:creationId xmlns:a16="http://schemas.microsoft.com/office/drawing/2014/main" id="{B833BDB0-069B-4501-A836-0495FBE63E7C}"/>
+              </a:ext>
+            </a:extLst>
+          </p:cNvPr>
+          <p:cNvSpPr txBox="1"/>
+          <p:nvPr/>
+        </p:nvSpPr>
+        <p:spPr>
+          <a:xfrm>
+            <a:off x="8392096" y="5499977"/>
+            <a:ext cx="2764411" cy="369332"/>
+          </a:xfrm>
+          <a:prstGeom prst="rect">
+            <a:avLst/>
+          </a:prstGeom>
+        </p:spPr>
+        <p:style>
+          <a:lnRef idx="2">
+            <a:schemeClr val="dk1"/>
+          </a:lnRef>
+          <a:fillRef idx="1">
+            <a:schemeClr val="lt1"/>
+          </a:fillRef>
+          <a:effectRef idx="0">
+            <a:schemeClr val="dk1"/>
+          </a:effectRef>
+          <a:fontRef idx="minor">
+            <a:schemeClr val="dk1"/>
+          </a:fontRef>
+        </p:style>
+        <p:txBody>
+          <a:bodyPr wrap="square" rtlCol="0">
+            <a:spAutoFit/>
+          </a:bodyPr>
+          <a:lstStyle/>
+          <a:p>
+            <a:r>
+              <a:rPr lang="en-CA" dirty="0"/>
+              <a:t>Comprehensive risk rating</a:t>
+            </a:r>
+          </a:p>
+        </p:txBody>
+      </p:sp>
+      <p:cxnSp>
+        <p:nvCxnSpPr>
+          <p:cNvPr id="26" name="Straight Arrow Connector 25">
+            <a:extLst>
+              <a:ext uri="{FF2B5EF4-FFF2-40B4-BE49-F238E27FC236}">
+                <a16:creationId xmlns:a16="http://schemas.microsoft.com/office/drawing/2014/main" id="{44498CF9-7A9D-4AD2-878C-30B791794620}"/>
+              </a:ext>
+            </a:extLst>
+          </p:cNvPr>
+          <p:cNvCxnSpPr>
+            <a:cxnSpLocks/>
+            <a:stCxn id="25" idx="1"/>
+            <a:endCxn id="24" idx="3"/>
+          </p:cNvCxnSpPr>
+          <p:nvPr/>
+        </p:nvCxnSpPr>
+        <p:spPr>
+          <a:xfrm flipH="1">
+            <a:off x="8155837" y="5684643"/>
+            <a:ext cx="236259" cy="0"/>
+          </a:xfrm>
+          <a:prstGeom prst="straightConnector1">
+            <a:avLst/>
+          </a:prstGeom>
+          <a:ln>
+            <a:solidFill>
+              <a:srgbClr val="00B050"/>
+            </a:solidFill>
+            <a:tailEnd type="triangle"/>
+          </a:ln>
+        </p:spPr>
+        <p:style>
+          <a:lnRef idx="1">
+            <a:schemeClr val="accent1"/>
+          </a:lnRef>
+          <a:fillRef idx="0">
+            <a:schemeClr val="accent1"/>
+          </a:fillRef>
+          <a:effectRef idx="0">
+            <a:schemeClr val="accent1"/>
+          </a:effectRef>
+          <a:fontRef idx="minor">
+            <a:schemeClr val="tx1"/>
+          </a:fontRef>
+        </p:style>
+      </p:cxnSp>
+    </p:spTree>
+    <p:extLst>
+      <p:ext uri="{BB962C8B-B14F-4D97-AF65-F5344CB8AC3E}">
+        <p14:creationId xmlns:p14="http://schemas.microsoft.com/office/powerpoint/2010/main" val="244287533"/>
+      </p:ext>
+    </p:extLst>
+  </p:cSld>
+  <p:clrMapOvr>
+    <a:masterClrMapping/>
+  </p:clrMapOvr>
+</p:sld>
+</file>
+
+<file path=ppt/slides/slide12.xml><?xml version="1.0" encoding="utf-8"?>
+<p:sld xmlns:a="http://schemas.openxmlformats.org/drawingml/2006/main" xmlns:r="http://schemas.openxmlformats.org/officeDocument/2006/relationships" xmlns:p="http://schemas.openxmlformats.org/presentationml/2006/main">
+  <p:cSld>
+    <p:spTree>
+      <p:nvGrpSpPr>
+        <p:cNvPr id="1" name=""/>
+        <p:cNvGrpSpPr/>
+        <p:nvPr/>
+      </p:nvGrpSpPr>
+      <p:grpSpPr>
+        <a:xfrm>
+          <a:off x="0" y="0"/>
+          <a:ext cx="0" cy="0"/>
+          <a:chOff x="0" y="0"/>
+          <a:chExt cx="0" cy="0"/>
+        </a:xfrm>
+      </p:grpSpPr>
+      <p:sp>
+        <p:nvSpPr>
+          <p:cNvPr id="2" name="Title 1">
+            <a:extLst>
+              <a:ext uri="{FF2B5EF4-FFF2-40B4-BE49-F238E27FC236}">
                 <a16:creationId xmlns:a16="http://schemas.microsoft.com/office/drawing/2014/main" id="{9A1B4633-4E77-48F0-936F-8A48D608F124}"/>
               </a:ext>
             </a:extLst>
@@ -5001,578 +6417,6 @@
 </p:sld>
 </file>
 
-<file path=ppt/slides/slide11.xml><?xml version="1.0" encoding="utf-8"?>
-<p:sld xmlns:a="http://schemas.openxmlformats.org/drawingml/2006/main" xmlns:r="http://schemas.openxmlformats.org/officeDocument/2006/relationships" xmlns:p="http://schemas.openxmlformats.org/presentationml/2006/main">
-  <p:cSld>
-    <p:spTree>
-      <p:nvGrpSpPr>
-        <p:cNvPr id="1" name=""/>
-        <p:cNvGrpSpPr/>
-        <p:nvPr/>
-      </p:nvGrpSpPr>
-      <p:grpSpPr>
-        <a:xfrm>
-          <a:off x="0" y="0"/>
-          <a:ext cx="0" cy="0"/>
-          <a:chOff x="0" y="0"/>
-          <a:chExt cx="0" cy="0"/>
-        </a:xfrm>
-      </p:grpSpPr>
-      <p:sp>
-        <p:nvSpPr>
-          <p:cNvPr id="2" name="Title 1">
-            <a:extLst>
-              <a:ext uri="{FF2B5EF4-FFF2-40B4-BE49-F238E27FC236}">
-                <a16:creationId xmlns:a16="http://schemas.microsoft.com/office/drawing/2014/main" id="{9A1B4633-4E77-48F0-936F-8A48D608F124}"/>
-              </a:ext>
-            </a:extLst>
-          </p:cNvPr>
-          <p:cNvSpPr>
-            <a:spLocks noGrp="1"/>
-          </p:cNvSpPr>
-          <p:nvPr>
-            <p:ph type="title"/>
-          </p:nvPr>
-        </p:nvSpPr>
-        <p:spPr/>
-        <p:txBody>
-          <a:bodyPr/>
-          <a:lstStyle/>
-          <a:p>
-            <a:r>
-              <a:rPr lang="en-CA" dirty="0"/>
-              <a:t>How to fill in</a:t>
-            </a:r>
-          </a:p>
-        </p:txBody>
-      </p:sp>
-      <p:sp>
-        <p:nvSpPr>
-          <p:cNvPr id="6" name="TextBox 5">
-            <a:extLst>
-              <a:ext uri="{FF2B5EF4-FFF2-40B4-BE49-F238E27FC236}">
-                <a16:creationId xmlns:a16="http://schemas.microsoft.com/office/drawing/2014/main" id="{69AEFD1C-EC2A-4EDB-9522-84C324CB374C}"/>
-              </a:ext>
-            </a:extLst>
-          </p:cNvPr>
-          <p:cNvSpPr txBox="1"/>
-          <p:nvPr/>
-        </p:nvSpPr>
-        <p:spPr>
-          <a:xfrm>
-            <a:off x="838200" y="1367522"/>
-            <a:ext cx="11127059" cy="2862322"/>
-          </a:xfrm>
-          <a:prstGeom prst="rect">
-            <a:avLst/>
-          </a:prstGeom>
-          <a:noFill/>
-        </p:spPr>
-        <p:txBody>
-          <a:bodyPr wrap="square" rtlCol="0">
-            <a:spAutoFit/>
-          </a:bodyPr>
-          <a:lstStyle/>
-          <a:p>
-            <a:pPr marL="342900" indent="-342900">
-              <a:buAutoNum type="arabicPeriod"/>
-            </a:pPr>
-            <a:r>
-              <a:rPr lang="en-CA" dirty="0"/>
-              <a:t>Prepare a dictionary that has all key required in the template and values for each key</a:t>
-            </a:r>
-          </a:p>
-          <a:p>
-            <a:r>
-              <a:rPr lang="en-US" b="0" dirty="0">
-                <a:solidFill>
-                  <a:srgbClr val="000000"/>
-                </a:solidFill>
-                <a:effectLst/>
-                <a:latin typeface="Consolas" panose="020B0609020204030204" pitchFamily="49" charset="0"/>
-              </a:rPr>
-              <a:t>    </a:t>
-            </a:r>
-            <a:r>
-              <a:rPr lang="en-US" b="0" dirty="0">
-                <a:solidFill>
-                  <a:srgbClr val="001080"/>
-                </a:solidFill>
-                <a:effectLst/>
-                <a:latin typeface="Consolas" panose="020B0609020204030204" pitchFamily="49" charset="0"/>
-              </a:rPr>
-              <a:t>context</a:t>
-            </a:r>
-            <a:r>
-              <a:rPr lang="en-US" b="0" dirty="0">
-                <a:solidFill>
-                  <a:srgbClr val="000000"/>
-                </a:solidFill>
-                <a:effectLst/>
-                <a:latin typeface="Consolas" panose="020B0609020204030204" pitchFamily="49" charset="0"/>
-              </a:rPr>
-              <a:t> = {</a:t>
-            </a:r>
-          </a:p>
-          <a:p>
-            <a:r>
-              <a:rPr lang="en-US" dirty="0">
-                <a:solidFill>
-                  <a:srgbClr val="000000"/>
-                </a:solidFill>
-                <a:latin typeface="Consolas" panose="020B0609020204030204" pitchFamily="49" charset="0"/>
-              </a:rPr>
-              <a:t>	</a:t>
-            </a:r>
-            <a:r>
-              <a:rPr lang="en-US" b="0" dirty="0">
-                <a:solidFill>
-                  <a:srgbClr val="A31515"/>
-                </a:solidFill>
-                <a:effectLst/>
-                <a:latin typeface="Consolas" panose="020B0609020204030204" pitchFamily="49" charset="0"/>
-              </a:rPr>
-              <a:t>'date'</a:t>
-            </a:r>
-            <a:r>
-              <a:rPr lang="en-US" b="0" dirty="0">
-                <a:solidFill>
-                  <a:srgbClr val="000000"/>
-                </a:solidFill>
-                <a:effectLst/>
-                <a:latin typeface="Consolas" panose="020B0609020204030204" pitchFamily="49" charset="0"/>
-              </a:rPr>
-              <a:t>: </a:t>
-            </a:r>
-            <a:r>
-              <a:rPr lang="en-US" b="0" dirty="0" err="1">
-                <a:solidFill>
-                  <a:srgbClr val="795E26"/>
-                </a:solidFill>
-                <a:effectLst/>
-                <a:latin typeface="Consolas" panose="020B0609020204030204" pitchFamily="49" charset="0"/>
-              </a:rPr>
-              <a:t>get_today_date_time</a:t>
-            </a:r>
-            <a:r>
-              <a:rPr lang="en-US" b="0" dirty="0">
-                <a:solidFill>
-                  <a:srgbClr val="000000"/>
-                </a:solidFill>
-                <a:effectLst/>
-                <a:latin typeface="Consolas" panose="020B0609020204030204" pitchFamily="49" charset="0"/>
-              </a:rPr>
-              <a:t>(),</a:t>
-            </a:r>
-          </a:p>
-          <a:p>
-            <a:r>
-              <a:rPr lang="en-US" b="0" dirty="0">
-                <a:solidFill>
-                  <a:srgbClr val="000000"/>
-                </a:solidFill>
-                <a:effectLst/>
-                <a:latin typeface="Consolas" panose="020B0609020204030204" pitchFamily="49" charset="0"/>
-              </a:rPr>
-              <a:t>        </a:t>
-            </a:r>
-            <a:r>
-              <a:rPr lang="en-US" b="0" dirty="0">
-                <a:solidFill>
-                  <a:srgbClr val="A31515"/>
-                </a:solidFill>
-                <a:effectLst/>
-                <a:latin typeface="Consolas" panose="020B0609020204030204" pitchFamily="49" charset="0"/>
-              </a:rPr>
-              <a:t>'initiative'</a:t>
-            </a:r>
-            <a:r>
-              <a:rPr lang="en-US" b="0" dirty="0">
-                <a:solidFill>
-                  <a:srgbClr val="000000"/>
-                </a:solidFill>
-                <a:effectLst/>
-                <a:latin typeface="Consolas" panose="020B0609020204030204" pitchFamily="49" charset="0"/>
-              </a:rPr>
-              <a:t>: </a:t>
-            </a:r>
-            <a:r>
-              <a:rPr lang="en-US" b="0" dirty="0" err="1">
-                <a:solidFill>
-                  <a:srgbClr val="001080"/>
-                </a:solidFill>
-                <a:effectLst/>
-                <a:latin typeface="Consolas" panose="020B0609020204030204" pitchFamily="49" charset="0"/>
-              </a:rPr>
-              <a:t>initiative_name</a:t>
-            </a:r>
-            <a:r>
-              <a:rPr lang="en-US" b="0" dirty="0">
-                <a:solidFill>
-                  <a:srgbClr val="000000"/>
-                </a:solidFill>
-                <a:effectLst/>
-                <a:latin typeface="Consolas" panose="020B0609020204030204" pitchFamily="49" charset="0"/>
-              </a:rPr>
-              <a:t>,</a:t>
-            </a:r>
-          </a:p>
-          <a:p>
-            <a:r>
-              <a:rPr lang="en-US" b="0" dirty="0">
-                <a:solidFill>
-                  <a:srgbClr val="000000"/>
-                </a:solidFill>
-                <a:effectLst/>
-                <a:latin typeface="Consolas" panose="020B0609020204030204" pitchFamily="49" charset="0"/>
-              </a:rPr>
-              <a:t>        </a:t>
-            </a:r>
-            <a:r>
-              <a:rPr lang="en-US" b="0" dirty="0">
-                <a:solidFill>
-                  <a:srgbClr val="A31515"/>
-                </a:solidFill>
-                <a:effectLst/>
-                <a:latin typeface="Consolas" panose="020B0609020204030204" pitchFamily="49" charset="0"/>
-              </a:rPr>
-              <a:t>'score'</a:t>
-            </a:r>
-            <a:r>
-              <a:rPr lang="en-US" b="0" dirty="0">
-                <a:solidFill>
-                  <a:srgbClr val="000000"/>
-                </a:solidFill>
-                <a:effectLst/>
-                <a:latin typeface="Consolas" panose="020B0609020204030204" pitchFamily="49" charset="0"/>
-              </a:rPr>
-              <a:t>: </a:t>
-            </a:r>
-            <a:r>
-              <a:rPr lang="en-US" b="0" dirty="0" err="1">
-                <a:solidFill>
-                  <a:srgbClr val="001080"/>
-                </a:solidFill>
-                <a:effectLst/>
-                <a:latin typeface="Consolas" panose="020B0609020204030204" pitchFamily="49" charset="0"/>
-              </a:rPr>
-              <a:t>risk_score</a:t>
-            </a:r>
-            <a:r>
-              <a:rPr lang="en-US" b="0" dirty="0">
-                <a:solidFill>
-                  <a:srgbClr val="000000"/>
-                </a:solidFill>
-                <a:effectLst/>
-                <a:latin typeface="Consolas" panose="020B0609020204030204" pitchFamily="49" charset="0"/>
-              </a:rPr>
-              <a:t>, … </a:t>
-            </a:r>
-          </a:p>
-          <a:p>
-            <a:r>
-              <a:rPr lang="en-US" b="0" dirty="0">
-                <a:solidFill>
-                  <a:srgbClr val="000000"/>
-                </a:solidFill>
-                <a:effectLst/>
-                <a:latin typeface="Consolas" panose="020B0609020204030204" pitchFamily="49" charset="0"/>
-              </a:rPr>
-              <a:t>	}</a:t>
-            </a:r>
-          </a:p>
-          <a:p>
-            <a:pPr marL="342900" indent="-342900">
-              <a:buAutoNum type="arabicPeriod"/>
-            </a:pPr>
-            <a:endParaRPr lang="en-CA" dirty="0"/>
-          </a:p>
-          <a:p>
-            <a:r>
-              <a:rPr lang="en-CA" dirty="0"/>
-              <a:t>2. Render the dictionary to the template</a:t>
-            </a:r>
-          </a:p>
-          <a:p>
-            <a:r>
-              <a:rPr lang="en-CA" b="0" dirty="0">
-                <a:solidFill>
-                  <a:srgbClr val="001080"/>
-                </a:solidFill>
-                <a:effectLst/>
-                <a:latin typeface="Consolas" panose="020B0609020204030204" pitchFamily="49" charset="0"/>
-              </a:rPr>
-              <a:t>	</a:t>
-            </a:r>
-            <a:r>
-              <a:rPr lang="en-CA" b="0" dirty="0" err="1">
-                <a:solidFill>
-                  <a:srgbClr val="001080"/>
-                </a:solidFill>
-                <a:effectLst/>
-                <a:latin typeface="Consolas" panose="020B0609020204030204" pitchFamily="49" charset="0"/>
-              </a:rPr>
-              <a:t>doc</a:t>
-            </a:r>
-            <a:r>
-              <a:rPr lang="en-CA" b="0" dirty="0" err="1">
-                <a:solidFill>
-                  <a:srgbClr val="000000"/>
-                </a:solidFill>
-                <a:effectLst/>
-                <a:latin typeface="Consolas" panose="020B0609020204030204" pitchFamily="49" charset="0"/>
-              </a:rPr>
-              <a:t>.render</a:t>
-            </a:r>
-            <a:r>
-              <a:rPr lang="en-CA" b="0" dirty="0">
-                <a:solidFill>
-                  <a:srgbClr val="000000"/>
-                </a:solidFill>
-                <a:effectLst/>
-                <a:latin typeface="Consolas" panose="020B0609020204030204" pitchFamily="49" charset="0"/>
-              </a:rPr>
-              <a:t>(</a:t>
-            </a:r>
-            <a:r>
-              <a:rPr lang="en-CA" b="0" dirty="0">
-                <a:solidFill>
-                  <a:srgbClr val="001080"/>
-                </a:solidFill>
-                <a:effectLst/>
-                <a:latin typeface="Consolas" panose="020B0609020204030204" pitchFamily="49" charset="0"/>
-              </a:rPr>
-              <a:t>context</a:t>
-            </a:r>
-            <a:r>
-              <a:rPr lang="en-CA" b="0" dirty="0">
-                <a:solidFill>
-                  <a:srgbClr val="000000"/>
-                </a:solidFill>
-                <a:effectLst/>
-                <a:latin typeface="Consolas" panose="020B0609020204030204" pitchFamily="49" charset="0"/>
-              </a:rPr>
-              <a:t>)</a:t>
-            </a:r>
-          </a:p>
-          <a:p>
-            <a:endParaRPr lang="en-CA" dirty="0"/>
-          </a:p>
-        </p:txBody>
-      </p:sp>
-    </p:spTree>
-    <p:extLst>
-      <p:ext uri="{BB962C8B-B14F-4D97-AF65-F5344CB8AC3E}">
-        <p14:creationId xmlns:p14="http://schemas.microsoft.com/office/powerpoint/2010/main" val="2334995365"/>
-      </p:ext>
-    </p:extLst>
-  </p:cSld>
-  <p:clrMapOvr>
-    <a:masterClrMapping/>
-  </p:clrMapOvr>
-</p:sld>
-</file>
-
-<file path=ppt/slides/slide12.xml><?xml version="1.0" encoding="utf-8"?>
-<p:sld xmlns:a="http://schemas.openxmlformats.org/drawingml/2006/main" xmlns:r="http://schemas.openxmlformats.org/officeDocument/2006/relationships" xmlns:p="http://schemas.openxmlformats.org/presentationml/2006/main">
-  <p:cSld>
-    <p:spTree>
-      <p:nvGrpSpPr>
-        <p:cNvPr id="1" name=""/>
-        <p:cNvGrpSpPr/>
-        <p:nvPr/>
-      </p:nvGrpSpPr>
-      <p:grpSpPr>
-        <a:xfrm>
-          <a:off x="0" y="0"/>
-          <a:ext cx="0" cy="0"/>
-          <a:chOff x="0" y="0"/>
-          <a:chExt cx="0" cy="0"/>
-        </a:xfrm>
-      </p:grpSpPr>
-      <p:sp>
-        <p:nvSpPr>
-          <p:cNvPr id="2" name="Title 1">
-            <a:extLst>
-              <a:ext uri="{FF2B5EF4-FFF2-40B4-BE49-F238E27FC236}">
-                <a16:creationId xmlns:a16="http://schemas.microsoft.com/office/drawing/2014/main" id="{23C51C2F-82B6-4562-A6B3-44EEB0449584}"/>
-              </a:ext>
-            </a:extLst>
-          </p:cNvPr>
-          <p:cNvSpPr>
-            <a:spLocks noGrp="1"/>
-          </p:cNvSpPr>
-          <p:nvPr>
-            <p:ph type="title"/>
-          </p:nvPr>
-        </p:nvSpPr>
-        <p:spPr/>
-        <p:txBody>
-          <a:bodyPr/>
-          <a:lstStyle/>
-          <a:p>
-            <a:r>
-              <a:rPr lang="en-CA" dirty="0"/>
-              <a:t>Calculating Text Similarity</a:t>
-            </a:r>
-          </a:p>
-        </p:txBody>
-      </p:sp>
-      <p:pic>
-        <p:nvPicPr>
-          <p:cNvPr id="5" name="Content Placeholder 4" descr="Text&#10;&#10;Description automatically generated with low confidence">
-            <a:extLst>
-              <a:ext uri="{FF2B5EF4-FFF2-40B4-BE49-F238E27FC236}">
-                <a16:creationId xmlns:a16="http://schemas.microsoft.com/office/drawing/2014/main" id="{A675E079-72ED-4C34-BC57-BEA95C175499}"/>
-              </a:ext>
-            </a:extLst>
-          </p:cNvPr>
-          <p:cNvPicPr>
-            <a:picLocks noGrp="1" noChangeAspect="1"/>
-          </p:cNvPicPr>
-          <p:nvPr>
-            <p:ph idx="1"/>
-          </p:nvPr>
-        </p:nvPicPr>
-        <p:blipFill>
-          <a:blip r:embed="rId2">
-            <a:extLst>
-              <a:ext uri="{28A0092B-C50C-407E-A947-70E740481C1C}">
-                <a14:useLocalDpi xmlns:a14="http://schemas.microsoft.com/office/drawing/2010/main" val="0"/>
-              </a:ext>
-            </a:extLst>
-          </a:blip>
-          <a:stretch>
-            <a:fillRect/>
-          </a:stretch>
-        </p:blipFill>
-        <p:spPr>
-          <a:xfrm>
-            <a:off x="900603" y="3664757"/>
-            <a:ext cx="10724117" cy="1502555"/>
-          </a:xfrm>
-        </p:spPr>
-      </p:pic>
-      <p:sp>
-        <p:nvSpPr>
-          <p:cNvPr id="6" name="TextBox 5">
-            <a:extLst>
-              <a:ext uri="{FF2B5EF4-FFF2-40B4-BE49-F238E27FC236}">
-                <a16:creationId xmlns:a16="http://schemas.microsoft.com/office/drawing/2014/main" id="{2437F857-C174-496C-AB3B-D039AE65676D}"/>
-              </a:ext>
-            </a:extLst>
-          </p:cNvPr>
-          <p:cNvSpPr txBox="1"/>
-          <p:nvPr/>
-        </p:nvSpPr>
-        <p:spPr>
-          <a:xfrm>
-            <a:off x="900603" y="1690688"/>
-            <a:ext cx="10182275" cy="923330"/>
-          </a:xfrm>
-          <a:prstGeom prst="rect">
-            <a:avLst/>
-          </a:prstGeom>
-          <a:noFill/>
-        </p:spPr>
-        <p:txBody>
-          <a:bodyPr wrap="none" rtlCol="0">
-            <a:spAutoFit/>
-          </a:bodyPr>
-          <a:lstStyle/>
-          <a:p>
-            <a:r>
-              <a:rPr lang="en-CA" b="1" dirty="0" err="1"/>
-              <a:t>get_similarity</a:t>
-            </a:r>
-            <a:r>
-              <a:rPr lang="en-CA" b="1" dirty="0"/>
-              <a:t> </a:t>
-            </a:r>
-            <a:r>
-              <a:rPr lang="en-CA" dirty="0"/>
-              <a:t>function calculates the similarity ratio of submitted rationale and rubric rationale.</a:t>
-            </a:r>
-          </a:p>
-          <a:p>
-            <a:r>
-              <a:rPr lang="en-CA" dirty="0"/>
-              <a:t>Currently, </a:t>
-            </a:r>
-            <a:r>
-              <a:rPr lang="en-CA" dirty="0" err="1"/>
-              <a:t>SequenceMatcher</a:t>
-            </a:r>
-            <a:r>
-              <a:rPr lang="en-CA" dirty="0"/>
-              <a:t>(compares pairs of sequences) is used for similarity calculation algorithm.</a:t>
-            </a:r>
-          </a:p>
-          <a:p>
-            <a:r>
-              <a:rPr lang="en-CA" dirty="0"/>
-              <a:t>The accuracy of similarity can be improved by replacing </a:t>
-            </a:r>
-            <a:r>
-              <a:rPr lang="en-CA" dirty="0" err="1"/>
-              <a:t>SequenceMatcher</a:t>
-            </a:r>
-            <a:r>
-              <a:rPr lang="en-CA" dirty="0"/>
-              <a:t> with a deep learning NLP model.</a:t>
-            </a:r>
-          </a:p>
-        </p:txBody>
-      </p:sp>
-      <p:pic>
-        <p:nvPicPr>
-          <p:cNvPr id="8" name="Picture 7">
-            <a:extLst>
-              <a:ext uri="{FF2B5EF4-FFF2-40B4-BE49-F238E27FC236}">
-                <a16:creationId xmlns:a16="http://schemas.microsoft.com/office/drawing/2014/main" id="{8658FC0D-EDDE-4374-89EF-63D324349ABA}"/>
-              </a:ext>
-            </a:extLst>
-          </p:cNvPr>
-          <p:cNvPicPr>
-            <a:picLocks noChangeAspect="1"/>
-          </p:cNvPicPr>
-          <p:nvPr/>
-        </p:nvPicPr>
-        <p:blipFill>
-          <a:blip r:embed="rId3">
-            <a:extLst>
-              <a:ext uri="{28A0092B-C50C-407E-A947-70E740481C1C}">
-                <a14:useLocalDpi xmlns:a14="http://schemas.microsoft.com/office/drawing/2010/main" val="0"/>
-              </a:ext>
-            </a:extLst>
-          </a:blip>
-          <a:stretch>
-            <a:fillRect/>
-          </a:stretch>
-        </p:blipFill>
-        <p:spPr>
-          <a:xfrm>
-            <a:off x="900603" y="3016251"/>
-            <a:ext cx="5663171" cy="345587"/>
-          </a:xfrm>
-          <a:prstGeom prst="rect">
-            <a:avLst/>
-          </a:prstGeom>
-        </p:spPr>
-      </p:pic>
-    </p:spTree>
-    <p:extLst>
-      <p:ext uri="{BB962C8B-B14F-4D97-AF65-F5344CB8AC3E}">
-        <p14:creationId xmlns:p14="http://schemas.microsoft.com/office/powerpoint/2010/main" val="3982296924"/>
-      </p:ext>
-    </p:extLst>
-  </p:cSld>
-  <p:clrMapOvr>
-    <a:masterClrMapping/>
-  </p:clrMapOvr>
-</p:sld>
-</file>
-
 <file path=ppt/slides/slide13.xml><?xml version="1.0" encoding="utf-8"?>
 <p:sld xmlns:a="http://schemas.openxmlformats.org/drawingml/2006/main" xmlns:r="http://schemas.openxmlformats.org/officeDocument/2006/relationships" xmlns:p="http://schemas.openxmlformats.org/presentationml/2006/main">
   <p:cSld>
@@ -5595,6 +6439,578 @@
           <p:cNvPr id="2" name="Title 1">
             <a:extLst>
               <a:ext uri="{FF2B5EF4-FFF2-40B4-BE49-F238E27FC236}">
+                <a16:creationId xmlns:a16="http://schemas.microsoft.com/office/drawing/2014/main" id="{9A1B4633-4E77-48F0-936F-8A48D608F124}"/>
+              </a:ext>
+            </a:extLst>
+          </p:cNvPr>
+          <p:cNvSpPr>
+            <a:spLocks noGrp="1"/>
+          </p:cNvSpPr>
+          <p:nvPr>
+            <p:ph type="title"/>
+          </p:nvPr>
+        </p:nvSpPr>
+        <p:spPr/>
+        <p:txBody>
+          <a:bodyPr/>
+          <a:lstStyle/>
+          <a:p>
+            <a:r>
+              <a:rPr lang="en-CA" dirty="0"/>
+              <a:t>How to fill in</a:t>
+            </a:r>
+          </a:p>
+        </p:txBody>
+      </p:sp>
+      <p:sp>
+        <p:nvSpPr>
+          <p:cNvPr id="6" name="TextBox 5">
+            <a:extLst>
+              <a:ext uri="{FF2B5EF4-FFF2-40B4-BE49-F238E27FC236}">
+                <a16:creationId xmlns:a16="http://schemas.microsoft.com/office/drawing/2014/main" id="{69AEFD1C-EC2A-4EDB-9522-84C324CB374C}"/>
+              </a:ext>
+            </a:extLst>
+          </p:cNvPr>
+          <p:cNvSpPr txBox="1"/>
+          <p:nvPr/>
+        </p:nvSpPr>
+        <p:spPr>
+          <a:xfrm>
+            <a:off x="838200" y="1367522"/>
+            <a:ext cx="11127059" cy="2862322"/>
+          </a:xfrm>
+          <a:prstGeom prst="rect">
+            <a:avLst/>
+          </a:prstGeom>
+          <a:noFill/>
+        </p:spPr>
+        <p:txBody>
+          <a:bodyPr wrap="square" rtlCol="0">
+            <a:spAutoFit/>
+          </a:bodyPr>
+          <a:lstStyle/>
+          <a:p>
+            <a:pPr marL="342900" indent="-342900">
+              <a:buAutoNum type="arabicPeriod"/>
+            </a:pPr>
+            <a:r>
+              <a:rPr lang="en-CA" dirty="0"/>
+              <a:t>Prepare a dictionary that has all key required in the template and values for each key</a:t>
+            </a:r>
+          </a:p>
+          <a:p>
+            <a:r>
+              <a:rPr lang="en-US" b="0" dirty="0">
+                <a:solidFill>
+                  <a:srgbClr val="000000"/>
+                </a:solidFill>
+                <a:effectLst/>
+                <a:latin typeface="Consolas" panose="020B0609020204030204" pitchFamily="49" charset="0"/>
+              </a:rPr>
+              <a:t>    </a:t>
+            </a:r>
+            <a:r>
+              <a:rPr lang="en-US" b="0" dirty="0">
+                <a:solidFill>
+                  <a:srgbClr val="001080"/>
+                </a:solidFill>
+                <a:effectLst/>
+                <a:latin typeface="Consolas" panose="020B0609020204030204" pitchFamily="49" charset="0"/>
+              </a:rPr>
+              <a:t>context</a:t>
+            </a:r>
+            <a:r>
+              <a:rPr lang="en-US" b="0" dirty="0">
+                <a:solidFill>
+                  <a:srgbClr val="000000"/>
+                </a:solidFill>
+                <a:effectLst/>
+                <a:latin typeface="Consolas" panose="020B0609020204030204" pitchFamily="49" charset="0"/>
+              </a:rPr>
+              <a:t> = {</a:t>
+            </a:r>
+          </a:p>
+          <a:p>
+            <a:r>
+              <a:rPr lang="en-US" dirty="0">
+                <a:solidFill>
+                  <a:srgbClr val="000000"/>
+                </a:solidFill>
+                <a:latin typeface="Consolas" panose="020B0609020204030204" pitchFamily="49" charset="0"/>
+              </a:rPr>
+              <a:t>	</a:t>
+            </a:r>
+            <a:r>
+              <a:rPr lang="en-US" b="0" dirty="0">
+                <a:solidFill>
+                  <a:srgbClr val="A31515"/>
+                </a:solidFill>
+                <a:effectLst/>
+                <a:latin typeface="Consolas" panose="020B0609020204030204" pitchFamily="49" charset="0"/>
+              </a:rPr>
+              <a:t>'date'</a:t>
+            </a:r>
+            <a:r>
+              <a:rPr lang="en-US" b="0" dirty="0">
+                <a:solidFill>
+                  <a:srgbClr val="000000"/>
+                </a:solidFill>
+                <a:effectLst/>
+                <a:latin typeface="Consolas" panose="020B0609020204030204" pitchFamily="49" charset="0"/>
+              </a:rPr>
+              <a:t>: </a:t>
+            </a:r>
+            <a:r>
+              <a:rPr lang="en-US" b="0" dirty="0" err="1">
+                <a:solidFill>
+                  <a:srgbClr val="795E26"/>
+                </a:solidFill>
+                <a:effectLst/>
+                <a:latin typeface="Consolas" panose="020B0609020204030204" pitchFamily="49" charset="0"/>
+              </a:rPr>
+              <a:t>get_today_date_time</a:t>
+            </a:r>
+            <a:r>
+              <a:rPr lang="en-US" b="0" dirty="0">
+                <a:solidFill>
+                  <a:srgbClr val="000000"/>
+                </a:solidFill>
+                <a:effectLst/>
+                <a:latin typeface="Consolas" panose="020B0609020204030204" pitchFamily="49" charset="0"/>
+              </a:rPr>
+              <a:t>(),</a:t>
+            </a:r>
+          </a:p>
+          <a:p>
+            <a:r>
+              <a:rPr lang="en-US" b="0" dirty="0">
+                <a:solidFill>
+                  <a:srgbClr val="000000"/>
+                </a:solidFill>
+                <a:effectLst/>
+                <a:latin typeface="Consolas" panose="020B0609020204030204" pitchFamily="49" charset="0"/>
+              </a:rPr>
+              <a:t>        </a:t>
+            </a:r>
+            <a:r>
+              <a:rPr lang="en-US" b="0" dirty="0">
+                <a:solidFill>
+                  <a:srgbClr val="A31515"/>
+                </a:solidFill>
+                <a:effectLst/>
+                <a:latin typeface="Consolas" panose="020B0609020204030204" pitchFamily="49" charset="0"/>
+              </a:rPr>
+              <a:t>'initiative'</a:t>
+            </a:r>
+            <a:r>
+              <a:rPr lang="en-US" b="0" dirty="0">
+                <a:solidFill>
+                  <a:srgbClr val="000000"/>
+                </a:solidFill>
+                <a:effectLst/>
+                <a:latin typeface="Consolas" panose="020B0609020204030204" pitchFamily="49" charset="0"/>
+              </a:rPr>
+              <a:t>: </a:t>
+            </a:r>
+            <a:r>
+              <a:rPr lang="en-US" b="0" dirty="0" err="1">
+                <a:solidFill>
+                  <a:srgbClr val="001080"/>
+                </a:solidFill>
+                <a:effectLst/>
+                <a:latin typeface="Consolas" panose="020B0609020204030204" pitchFamily="49" charset="0"/>
+              </a:rPr>
+              <a:t>initiative_name</a:t>
+            </a:r>
+            <a:r>
+              <a:rPr lang="en-US" b="0" dirty="0">
+                <a:solidFill>
+                  <a:srgbClr val="000000"/>
+                </a:solidFill>
+                <a:effectLst/>
+                <a:latin typeface="Consolas" panose="020B0609020204030204" pitchFamily="49" charset="0"/>
+              </a:rPr>
+              <a:t>,</a:t>
+            </a:r>
+          </a:p>
+          <a:p>
+            <a:r>
+              <a:rPr lang="en-US" b="0" dirty="0">
+                <a:solidFill>
+                  <a:srgbClr val="000000"/>
+                </a:solidFill>
+                <a:effectLst/>
+                <a:latin typeface="Consolas" panose="020B0609020204030204" pitchFamily="49" charset="0"/>
+              </a:rPr>
+              <a:t>        </a:t>
+            </a:r>
+            <a:r>
+              <a:rPr lang="en-US" b="0" dirty="0">
+                <a:solidFill>
+                  <a:srgbClr val="A31515"/>
+                </a:solidFill>
+                <a:effectLst/>
+                <a:latin typeface="Consolas" panose="020B0609020204030204" pitchFamily="49" charset="0"/>
+              </a:rPr>
+              <a:t>'score'</a:t>
+            </a:r>
+            <a:r>
+              <a:rPr lang="en-US" b="0" dirty="0">
+                <a:solidFill>
+                  <a:srgbClr val="000000"/>
+                </a:solidFill>
+                <a:effectLst/>
+                <a:latin typeface="Consolas" panose="020B0609020204030204" pitchFamily="49" charset="0"/>
+              </a:rPr>
+              <a:t>: </a:t>
+            </a:r>
+            <a:r>
+              <a:rPr lang="en-US" b="0" dirty="0" err="1">
+                <a:solidFill>
+                  <a:srgbClr val="001080"/>
+                </a:solidFill>
+                <a:effectLst/>
+                <a:latin typeface="Consolas" panose="020B0609020204030204" pitchFamily="49" charset="0"/>
+              </a:rPr>
+              <a:t>risk_score</a:t>
+            </a:r>
+            <a:r>
+              <a:rPr lang="en-US" b="0" dirty="0">
+                <a:solidFill>
+                  <a:srgbClr val="000000"/>
+                </a:solidFill>
+                <a:effectLst/>
+                <a:latin typeface="Consolas" panose="020B0609020204030204" pitchFamily="49" charset="0"/>
+              </a:rPr>
+              <a:t>, … </a:t>
+            </a:r>
+          </a:p>
+          <a:p>
+            <a:r>
+              <a:rPr lang="en-US" b="0" dirty="0">
+                <a:solidFill>
+                  <a:srgbClr val="000000"/>
+                </a:solidFill>
+                <a:effectLst/>
+                <a:latin typeface="Consolas" panose="020B0609020204030204" pitchFamily="49" charset="0"/>
+              </a:rPr>
+              <a:t>	}</a:t>
+            </a:r>
+          </a:p>
+          <a:p>
+            <a:pPr marL="342900" indent="-342900">
+              <a:buAutoNum type="arabicPeriod"/>
+            </a:pPr>
+            <a:endParaRPr lang="en-CA" dirty="0"/>
+          </a:p>
+          <a:p>
+            <a:r>
+              <a:rPr lang="en-CA" dirty="0"/>
+              <a:t>2. Render the dictionary to the template</a:t>
+            </a:r>
+          </a:p>
+          <a:p>
+            <a:r>
+              <a:rPr lang="en-CA" b="0" dirty="0">
+                <a:solidFill>
+                  <a:srgbClr val="001080"/>
+                </a:solidFill>
+                <a:effectLst/>
+                <a:latin typeface="Consolas" panose="020B0609020204030204" pitchFamily="49" charset="0"/>
+              </a:rPr>
+              <a:t>	</a:t>
+            </a:r>
+            <a:r>
+              <a:rPr lang="en-CA" b="0" dirty="0" err="1">
+                <a:solidFill>
+                  <a:srgbClr val="001080"/>
+                </a:solidFill>
+                <a:effectLst/>
+                <a:latin typeface="Consolas" panose="020B0609020204030204" pitchFamily="49" charset="0"/>
+              </a:rPr>
+              <a:t>doc</a:t>
+            </a:r>
+            <a:r>
+              <a:rPr lang="en-CA" b="0" dirty="0" err="1">
+                <a:solidFill>
+                  <a:srgbClr val="000000"/>
+                </a:solidFill>
+                <a:effectLst/>
+                <a:latin typeface="Consolas" panose="020B0609020204030204" pitchFamily="49" charset="0"/>
+              </a:rPr>
+              <a:t>.render</a:t>
+            </a:r>
+            <a:r>
+              <a:rPr lang="en-CA" b="0" dirty="0">
+                <a:solidFill>
+                  <a:srgbClr val="000000"/>
+                </a:solidFill>
+                <a:effectLst/>
+                <a:latin typeface="Consolas" panose="020B0609020204030204" pitchFamily="49" charset="0"/>
+              </a:rPr>
+              <a:t>(</a:t>
+            </a:r>
+            <a:r>
+              <a:rPr lang="en-CA" b="0" dirty="0">
+                <a:solidFill>
+                  <a:srgbClr val="001080"/>
+                </a:solidFill>
+                <a:effectLst/>
+                <a:latin typeface="Consolas" panose="020B0609020204030204" pitchFamily="49" charset="0"/>
+              </a:rPr>
+              <a:t>context</a:t>
+            </a:r>
+            <a:r>
+              <a:rPr lang="en-CA" b="0" dirty="0">
+                <a:solidFill>
+                  <a:srgbClr val="000000"/>
+                </a:solidFill>
+                <a:effectLst/>
+                <a:latin typeface="Consolas" panose="020B0609020204030204" pitchFamily="49" charset="0"/>
+              </a:rPr>
+              <a:t>)</a:t>
+            </a:r>
+          </a:p>
+          <a:p>
+            <a:endParaRPr lang="en-CA" dirty="0"/>
+          </a:p>
+        </p:txBody>
+      </p:sp>
+    </p:spTree>
+    <p:extLst>
+      <p:ext uri="{BB962C8B-B14F-4D97-AF65-F5344CB8AC3E}">
+        <p14:creationId xmlns:p14="http://schemas.microsoft.com/office/powerpoint/2010/main" val="2334995365"/>
+      </p:ext>
+    </p:extLst>
+  </p:cSld>
+  <p:clrMapOvr>
+    <a:masterClrMapping/>
+  </p:clrMapOvr>
+</p:sld>
+</file>
+
+<file path=ppt/slides/slide14.xml><?xml version="1.0" encoding="utf-8"?>
+<p:sld xmlns:a="http://schemas.openxmlformats.org/drawingml/2006/main" xmlns:r="http://schemas.openxmlformats.org/officeDocument/2006/relationships" xmlns:p="http://schemas.openxmlformats.org/presentationml/2006/main">
+  <p:cSld>
+    <p:spTree>
+      <p:nvGrpSpPr>
+        <p:cNvPr id="1" name=""/>
+        <p:cNvGrpSpPr/>
+        <p:nvPr/>
+      </p:nvGrpSpPr>
+      <p:grpSpPr>
+        <a:xfrm>
+          <a:off x="0" y="0"/>
+          <a:ext cx="0" cy="0"/>
+          <a:chOff x="0" y="0"/>
+          <a:chExt cx="0" cy="0"/>
+        </a:xfrm>
+      </p:grpSpPr>
+      <p:sp>
+        <p:nvSpPr>
+          <p:cNvPr id="2" name="Title 1">
+            <a:extLst>
+              <a:ext uri="{FF2B5EF4-FFF2-40B4-BE49-F238E27FC236}">
+                <a16:creationId xmlns:a16="http://schemas.microsoft.com/office/drawing/2014/main" id="{23C51C2F-82B6-4562-A6B3-44EEB0449584}"/>
+              </a:ext>
+            </a:extLst>
+          </p:cNvPr>
+          <p:cNvSpPr>
+            <a:spLocks noGrp="1"/>
+          </p:cNvSpPr>
+          <p:nvPr>
+            <p:ph type="title"/>
+          </p:nvPr>
+        </p:nvSpPr>
+        <p:spPr/>
+        <p:txBody>
+          <a:bodyPr/>
+          <a:lstStyle/>
+          <a:p>
+            <a:r>
+              <a:rPr lang="en-CA" dirty="0"/>
+              <a:t>Calculating Text Similarity</a:t>
+            </a:r>
+          </a:p>
+        </p:txBody>
+      </p:sp>
+      <p:pic>
+        <p:nvPicPr>
+          <p:cNvPr id="5" name="Content Placeholder 4" descr="Text&#10;&#10;Description automatically generated with low confidence">
+            <a:extLst>
+              <a:ext uri="{FF2B5EF4-FFF2-40B4-BE49-F238E27FC236}">
+                <a16:creationId xmlns:a16="http://schemas.microsoft.com/office/drawing/2014/main" id="{A675E079-72ED-4C34-BC57-BEA95C175499}"/>
+              </a:ext>
+            </a:extLst>
+          </p:cNvPr>
+          <p:cNvPicPr>
+            <a:picLocks noGrp="1" noChangeAspect="1"/>
+          </p:cNvPicPr>
+          <p:nvPr>
+            <p:ph idx="1"/>
+          </p:nvPr>
+        </p:nvPicPr>
+        <p:blipFill>
+          <a:blip r:embed="rId2">
+            <a:extLst>
+              <a:ext uri="{28A0092B-C50C-407E-A947-70E740481C1C}">
+                <a14:useLocalDpi xmlns:a14="http://schemas.microsoft.com/office/drawing/2010/main" val="0"/>
+              </a:ext>
+            </a:extLst>
+          </a:blip>
+          <a:stretch>
+            <a:fillRect/>
+          </a:stretch>
+        </p:blipFill>
+        <p:spPr>
+          <a:xfrm>
+            <a:off x="900603" y="3664757"/>
+            <a:ext cx="10724117" cy="1502555"/>
+          </a:xfrm>
+        </p:spPr>
+      </p:pic>
+      <p:sp>
+        <p:nvSpPr>
+          <p:cNvPr id="6" name="TextBox 5">
+            <a:extLst>
+              <a:ext uri="{FF2B5EF4-FFF2-40B4-BE49-F238E27FC236}">
+                <a16:creationId xmlns:a16="http://schemas.microsoft.com/office/drawing/2014/main" id="{2437F857-C174-496C-AB3B-D039AE65676D}"/>
+              </a:ext>
+            </a:extLst>
+          </p:cNvPr>
+          <p:cNvSpPr txBox="1"/>
+          <p:nvPr/>
+        </p:nvSpPr>
+        <p:spPr>
+          <a:xfrm>
+            <a:off x="900603" y="1690688"/>
+            <a:ext cx="10182275" cy="923330"/>
+          </a:xfrm>
+          <a:prstGeom prst="rect">
+            <a:avLst/>
+          </a:prstGeom>
+          <a:noFill/>
+        </p:spPr>
+        <p:txBody>
+          <a:bodyPr wrap="none" rtlCol="0">
+            <a:spAutoFit/>
+          </a:bodyPr>
+          <a:lstStyle/>
+          <a:p>
+            <a:r>
+              <a:rPr lang="en-CA" b="1" dirty="0" err="1"/>
+              <a:t>get_similarity</a:t>
+            </a:r>
+            <a:r>
+              <a:rPr lang="en-CA" b="1" dirty="0"/>
+              <a:t> </a:t>
+            </a:r>
+            <a:r>
+              <a:rPr lang="en-CA" dirty="0"/>
+              <a:t>function calculates the similarity ratio of submitted rationale and rubric rationale.</a:t>
+            </a:r>
+          </a:p>
+          <a:p>
+            <a:r>
+              <a:rPr lang="en-CA" dirty="0"/>
+              <a:t>Currently, </a:t>
+            </a:r>
+            <a:r>
+              <a:rPr lang="en-CA" dirty="0" err="1"/>
+              <a:t>SequenceMatcher</a:t>
+            </a:r>
+            <a:r>
+              <a:rPr lang="en-CA" dirty="0"/>
+              <a:t>(compares pairs of sequences) is used for similarity calculation algorithm.</a:t>
+            </a:r>
+          </a:p>
+          <a:p>
+            <a:r>
+              <a:rPr lang="en-CA" dirty="0"/>
+              <a:t>The accuracy of similarity can be improved by replacing </a:t>
+            </a:r>
+            <a:r>
+              <a:rPr lang="en-CA" dirty="0" err="1"/>
+              <a:t>SequenceMatcher</a:t>
+            </a:r>
+            <a:r>
+              <a:rPr lang="en-CA" dirty="0"/>
+              <a:t> with a deep learning NLP model.</a:t>
+            </a:r>
+          </a:p>
+        </p:txBody>
+      </p:sp>
+      <p:pic>
+        <p:nvPicPr>
+          <p:cNvPr id="8" name="Picture 7">
+            <a:extLst>
+              <a:ext uri="{FF2B5EF4-FFF2-40B4-BE49-F238E27FC236}">
+                <a16:creationId xmlns:a16="http://schemas.microsoft.com/office/drawing/2014/main" id="{8658FC0D-EDDE-4374-89EF-63D324349ABA}"/>
+              </a:ext>
+            </a:extLst>
+          </p:cNvPr>
+          <p:cNvPicPr>
+            <a:picLocks noChangeAspect="1"/>
+          </p:cNvPicPr>
+          <p:nvPr/>
+        </p:nvPicPr>
+        <p:blipFill>
+          <a:blip r:embed="rId3">
+            <a:extLst>
+              <a:ext uri="{28A0092B-C50C-407E-A947-70E740481C1C}">
+                <a14:useLocalDpi xmlns:a14="http://schemas.microsoft.com/office/drawing/2010/main" val="0"/>
+              </a:ext>
+            </a:extLst>
+          </a:blip>
+          <a:stretch>
+            <a:fillRect/>
+          </a:stretch>
+        </p:blipFill>
+        <p:spPr>
+          <a:xfrm>
+            <a:off x="900603" y="3016251"/>
+            <a:ext cx="5663171" cy="345587"/>
+          </a:xfrm>
+          <a:prstGeom prst="rect">
+            <a:avLst/>
+          </a:prstGeom>
+        </p:spPr>
+      </p:pic>
+    </p:spTree>
+    <p:extLst>
+      <p:ext uri="{BB962C8B-B14F-4D97-AF65-F5344CB8AC3E}">
+        <p14:creationId xmlns:p14="http://schemas.microsoft.com/office/powerpoint/2010/main" val="3982296924"/>
+      </p:ext>
+    </p:extLst>
+  </p:cSld>
+  <p:clrMapOvr>
+    <a:masterClrMapping/>
+  </p:clrMapOvr>
+</p:sld>
+</file>
+
+<file path=ppt/slides/slide15.xml><?xml version="1.0" encoding="utf-8"?>
+<p:sld xmlns:a="http://schemas.openxmlformats.org/drawingml/2006/main" xmlns:r="http://schemas.openxmlformats.org/officeDocument/2006/relationships" xmlns:p="http://schemas.openxmlformats.org/presentationml/2006/main">
+  <p:cSld>
+    <p:spTree>
+      <p:nvGrpSpPr>
+        <p:cNvPr id="1" name=""/>
+        <p:cNvGrpSpPr/>
+        <p:nvPr/>
+      </p:nvGrpSpPr>
+      <p:grpSpPr>
+        <a:xfrm>
+          <a:off x="0" y="0"/>
+          <a:ext cx="0" cy="0"/>
+          <a:chOff x="0" y="0"/>
+          <a:chExt cx="0" cy="0"/>
+        </a:xfrm>
+      </p:grpSpPr>
+      <p:sp>
+        <p:nvSpPr>
+          <p:cNvPr id="2" name="Title 1">
+            <a:extLst>
+              <a:ext uri="{FF2B5EF4-FFF2-40B4-BE49-F238E27FC236}">
                 <a16:creationId xmlns:a16="http://schemas.microsoft.com/office/drawing/2014/main" id="{23C51C2F-82B6-4562-A6B3-44EEB0449584}"/>
               </a:ext>
             </a:extLst>
@@ -5720,6 +7136,537 @@
     <p:extLst>
       <p:ext uri="{BB962C8B-B14F-4D97-AF65-F5344CB8AC3E}">
         <p14:creationId xmlns:p14="http://schemas.microsoft.com/office/powerpoint/2010/main" val="3044004824"/>
+      </p:ext>
+    </p:extLst>
+  </p:cSld>
+  <p:clrMapOvr>
+    <a:masterClrMapping/>
+  </p:clrMapOvr>
+</p:sld>
+</file>
+
+<file path=ppt/slides/slide16.xml><?xml version="1.0" encoding="utf-8"?>
+<p:sld xmlns:a="http://schemas.openxmlformats.org/drawingml/2006/main" xmlns:r="http://schemas.openxmlformats.org/officeDocument/2006/relationships" xmlns:p="http://schemas.openxmlformats.org/presentationml/2006/main">
+  <p:cSld>
+    <p:spTree>
+      <p:nvGrpSpPr>
+        <p:cNvPr id="1" name=""/>
+        <p:cNvGrpSpPr/>
+        <p:nvPr/>
+      </p:nvGrpSpPr>
+      <p:grpSpPr>
+        <a:xfrm>
+          <a:off x="0" y="0"/>
+          <a:ext cx="0" cy="0"/>
+          <a:chOff x="0" y="0"/>
+          <a:chExt cx="0" cy="0"/>
+        </a:xfrm>
+      </p:grpSpPr>
+      <p:sp>
+        <p:nvSpPr>
+          <p:cNvPr id="2" name="Title 1">
+            <a:extLst>
+              <a:ext uri="{FF2B5EF4-FFF2-40B4-BE49-F238E27FC236}">
+                <a16:creationId xmlns:a16="http://schemas.microsoft.com/office/drawing/2014/main" id="{81318783-72E5-4E9A-9D87-63234B3B6566}"/>
+              </a:ext>
+            </a:extLst>
+          </p:cNvPr>
+          <p:cNvSpPr>
+            <a:spLocks noGrp="1"/>
+          </p:cNvSpPr>
+          <p:nvPr>
+            <p:ph type="ctrTitle"/>
+          </p:nvPr>
+        </p:nvSpPr>
+        <p:spPr>
+          <a:xfrm>
+            <a:off x="579863" y="1122363"/>
+            <a:ext cx="11017405" cy="2387600"/>
+          </a:xfrm>
+        </p:spPr>
+        <p:txBody>
+          <a:bodyPr>
+            <a:normAutofit/>
+          </a:bodyPr>
+          <a:lstStyle/>
+          <a:p>
+            <a:r>
+              <a:rPr lang="en-CA" sz="4400" dirty="0"/>
+              <a:t>check_agp0_submission</a:t>
+            </a:r>
+          </a:p>
+        </p:txBody>
+      </p:sp>
+      <p:sp>
+        <p:nvSpPr>
+          <p:cNvPr id="3" name="Subtitle 2">
+            <a:extLst>
+              <a:ext uri="{FF2B5EF4-FFF2-40B4-BE49-F238E27FC236}">
+                <a16:creationId xmlns:a16="http://schemas.microsoft.com/office/drawing/2014/main" id="{34561EF3-370B-4C9A-AAD4-D5F887DBC850}"/>
+              </a:ext>
+            </a:extLst>
+          </p:cNvPr>
+          <p:cNvSpPr>
+            <a:spLocks noGrp="1"/>
+          </p:cNvSpPr>
+          <p:nvPr>
+            <p:ph type="subTitle" idx="1"/>
+          </p:nvPr>
+        </p:nvSpPr>
+        <p:spPr/>
+        <p:txBody>
+          <a:bodyPr/>
+          <a:lstStyle/>
+          <a:p>
+            <a:r>
+              <a:rPr lang="en-CA" b="0" i="0" u="none" strike="noStrike" dirty="0">
+                <a:solidFill>
+                  <a:srgbClr val="000000"/>
+                </a:solidFill>
+                <a:effectLst/>
+                <a:latin typeface="Calibri" panose="020F0502020204030204" pitchFamily="34" charset="0"/>
+              </a:rPr>
+              <a:t>Check if an AGP0 submission has all the requirements</a:t>
+            </a:r>
+            <a:endParaRPr lang="en-CA" dirty="0"/>
+          </a:p>
+        </p:txBody>
+      </p:sp>
+    </p:spTree>
+    <p:extLst>
+      <p:ext uri="{BB962C8B-B14F-4D97-AF65-F5344CB8AC3E}">
+        <p14:creationId xmlns:p14="http://schemas.microsoft.com/office/powerpoint/2010/main" val="3405673689"/>
+      </p:ext>
+    </p:extLst>
+  </p:cSld>
+  <p:clrMapOvr>
+    <a:masterClrMapping/>
+  </p:clrMapOvr>
+</p:sld>
+</file>
+
+<file path=ppt/slides/slide17.xml><?xml version="1.0" encoding="utf-8"?>
+<p:sld xmlns:a="http://schemas.openxmlformats.org/drawingml/2006/main" xmlns:r="http://schemas.openxmlformats.org/officeDocument/2006/relationships" xmlns:p="http://schemas.openxmlformats.org/presentationml/2006/main">
+  <p:cSld>
+    <p:spTree>
+      <p:nvGrpSpPr>
+        <p:cNvPr id="1" name=""/>
+        <p:cNvGrpSpPr/>
+        <p:nvPr/>
+      </p:nvGrpSpPr>
+      <p:grpSpPr>
+        <a:xfrm>
+          <a:off x="0" y="0"/>
+          <a:ext cx="0" cy="0"/>
+          <a:chOff x="0" y="0"/>
+          <a:chExt cx="0" cy="0"/>
+        </a:xfrm>
+      </p:grpSpPr>
+      <p:sp>
+        <p:nvSpPr>
+          <p:cNvPr id="2" name="Title 1">
+            <a:extLst>
+              <a:ext uri="{FF2B5EF4-FFF2-40B4-BE49-F238E27FC236}">
+                <a16:creationId xmlns:a16="http://schemas.microsoft.com/office/drawing/2014/main" id="{EB3C7009-CB5C-45E1-B89A-5F6A582DB2EE}"/>
+              </a:ext>
+            </a:extLst>
+          </p:cNvPr>
+          <p:cNvSpPr>
+            <a:spLocks noGrp="1"/>
+          </p:cNvSpPr>
+          <p:nvPr>
+            <p:ph type="title"/>
+          </p:nvPr>
+        </p:nvSpPr>
+        <p:spPr>
+          <a:xfrm>
+            <a:off x="838200" y="122566"/>
+            <a:ext cx="10515600" cy="838540"/>
+          </a:xfrm>
+        </p:spPr>
+        <p:txBody>
+          <a:bodyPr/>
+          <a:lstStyle/>
+          <a:p>
+            <a:r>
+              <a:rPr lang="en-CA" dirty="0"/>
+              <a:t>Module details</a:t>
+            </a:r>
+          </a:p>
+        </p:txBody>
+      </p:sp>
+      <p:sp>
+        <p:nvSpPr>
+          <p:cNvPr id="16" name="Rectangle 15">
+            <a:extLst>
+              <a:ext uri="{FF2B5EF4-FFF2-40B4-BE49-F238E27FC236}">
+                <a16:creationId xmlns:a16="http://schemas.microsoft.com/office/drawing/2014/main" id="{3908369B-5B8D-94F4-E469-7ECD6389BECF}"/>
+              </a:ext>
+            </a:extLst>
+          </p:cNvPr>
+          <p:cNvSpPr/>
+          <p:nvPr/>
+        </p:nvSpPr>
+        <p:spPr>
+          <a:xfrm>
+            <a:off x="975285" y="1300254"/>
+            <a:ext cx="1628078" cy="702527"/>
+          </a:xfrm>
+          <a:prstGeom prst="rect">
+            <a:avLst/>
+          </a:prstGeom>
+          <a:ln w="76200"/>
+        </p:spPr>
+        <p:style>
+          <a:lnRef idx="2">
+            <a:schemeClr val="accent1"/>
+          </a:lnRef>
+          <a:fillRef idx="1">
+            <a:schemeClr val="lt1"/>
+          </a:fillRef>
+          <a:effectRef idx="0">
+            <a:schemeClr val="accent1"/>
+          </a:effectRef>
+          <a:fontRef idx="minor">
+            <a:schemeClr val="dk1"/>
+          </a:fontRef>
+        </p:style>
+        <p:txBody>
+          <a:bodyPr rtlCol="0" anchor="ctr"/>
+          <a:lstStyle/>
+          <a:p>
+            <a:pPr algn="ctr"/>
+            <a:r>
+              <a:rPr lang="en-CA" dirty="0"/>
+              <a:t>Input Files</a:t>
+            </a:r>
+          </a:p>
+        </p:txBody>
+      </p:sp>
+      <p:sp>
+        <p:nvSpPr>
+          <p:cNvPr id="17" name="Rectangle 16">
+            <a:extLst>
+              <a:ext uri="{FF2B5EF4-FFF2-40B4-BE49-F238E27FC236}">
+                <a16:creationId xmlns:a16="http://schemas.microsoft.com/office/drawing/2014/main" id="{F4CD4662-AC5D-8F8D-80BD-28E85CE34C50}"/>
+              </a:ext>
+            </a:extLst>
+          </p:cNvPr>
+          <p:cNvSpPr/>
+          <p:nvPr/>
+        </p:nvSpPr>
+        <p:spPr>
+          <a:xfrm>
+            <a:off x="7623021" y="1329465"/>
+            <a:ext cx="1798148" cy="702527"/>
+          </a:xfrm>
+          <a:prstGeom prst="rect">
+            <a:avLst/>
+          </a:prstGeom>
+          <a:ln w="76200"/>
+        </p:spPr>
+        <p:style>
+          <a:lnRef idx="2">
+            <a:schemeClr val="accent6"/>
+          </a:lnRef>
+          <a:fillRef idx="1">
+            <a:schemeClr val="lt1"/>
+          </a:fillRef>
+          <a:effectRef idx="0">
+            <a:schemeClr val="accent6"/>
+          </a:effectRef>
+          <a:fontRef idx="minor">
+            <a:schemeClr val="dk1"/>
+          </a:fontRef>
+        </p:style>
+        <p:txBody>
+          <a:bodyPr rtlCol="0" anchor="ctr"/>
+          <a:lstStyle/>
+          <a:p>
+            <a:pPr algn="ctr"/>
+            <a:r>
+              <a:rPr lang="en-CA" dirty="0"/>
+              <a:t>Output Files</a:t>
+            </a:r>
+          </a:p>
+        </p:txBody>
+      </p:sp>
+      <p:sp>
+        <p:nvSpPr>
+          <p:cNvPr id="21" name="TextBox 20">
+            <a:extLst>
+              <a:ext uri="{FF2B5EF4-FFF2-40B4-BE49-F238E27FC236}">
+                <a16:creationId xmlns:a16="http://schemas.microsoft.com/office/drawing/2014/main" id="{8C8EE305-28F6-1EA9-C554-8E074EAC3938}"/>
+              </a:ext>
+            </a:extLst>
+          </p:cNvPr>
+          <p:cNvSpPr txBox="1"/>
+          <p:nvPr/>
+        </p:nvSpPr>
+        <p:spPr>
+          <a:xfrm>
+            <a:off x="882698" y="2714676"/>
+            <a:ext cx="1813253" cy="369332"/>
+          </a:xfrm>
+          <a:prstGeom prst="rect">
+            <a:avLst/>
+          </a:prstGeom>
+          <a:ln w="38100"/>
+        </p:spPr>
+        <p:style>
+          <a:lnRef idx="2">
+            <a:schemeClr val="dk1"/>
+          </a:lnRef>
+          <a:fillRef idx="1">
+            <a:schemeClr val="lt1"/>
+          </a:fillRef>
+          <a:effectRef idx="0">
+            <a:schemeClr val="dk1"/>
+          </a:effectRef>
+          <a:fontRef idx="minor">
+            <a:schemeClr val="dk1"/>
+          </a:fontRef>
+        </p:style>
+        <p:txBody>
+          <a:bodyPr wrap="none" rtlCol="0">
+            <a:spAutoFit/>
+          </a:bodyPr>
+          <a:lstStyle/>
+          <a:p>
+            <a:r>
+              <a:rPr lang="en-CA" dirty="0"/>
+              <a:t>AGP0 Submission</a:t>
+            </a:r>
+          </a:p>
+        </p:txBody>
+      </p:sp>
+      <p:sp>
+        <p:nvSpPr>
+          <p:cNvPr id="24" name="TextBox 23">
+            <a:extLst>
+              <a:ext uri="{FF2B5EF4-FFF2-40B4-BE49-F238E27FC236}">
+                <a16:creationId xmlns:a16="http://schemas.microsoft.com/office/drawing/2014/main" id="{E369C347-B8F3-CE56-0841-2CFBA5B61EA3}"/>
+              </a:ext>
+            </a:extLst>
+          </p:cNvPr>
+          <p:cNvSpPr txBox="1"/>
+          <p:nvPr/>
+        </p:nvSpPr>
+        <p:spPr>
+          <a:xfrm>
+            <a:off x="7623021" y="2675125"/>
+            <a:ext cx="1807098" cy="369332"/>
+          </a:xfrm>
+          <a:prstGeom prst="rect">
+            <a:avLst/>
+          </a:prstGeom>
+          <a:ln w="38100"/>
+        </p:spPr>
+        <p:style>
+          <a:lnRef idx="2">
+            <a:schemeClr val="dk1"/>
+          </a:lnRef>
+          <a:fillRef idx="1">
+            <a:schemeClr val="lt1"/>
+          </a:fillRef>
+          <a:effectRef idx="0">
+            <a:schemeClr val="dk1"/>
+          </a:effectRef>
+          <a:fontRef idx="minor">
+            <a:schemeClr val="dk1"/>
+          </a:fontRef>
+        </p:style>
+        <p:txBody>
+          <a:bodyPr wrap="none" rtlCol="0">
+            <a:spAutoFit/>
+          </a:bodyPr>
+          <a:lstStyle/>
+          <a:p>
+            <a:r>
+              <a:rPr lang="en-CA" dirty="0"/>
+              <a:t>Check result (CLI)</a:t>
+            </a:r>
+          </a:p>
+        </p:txBody>
+      </p:sp>
+      <p:sp>
+        <p:nvSpPr>
+          <p:cNvPr id="25" name="Arrow: Right 24">
+            <a:extLst>
+              <a:ext uri="{FF2B5EF4-FFF2-40B4-BE49-F238E27FC236}">
+                <a16:creationId xmlns:a16="http://schemas.microsoft.com/office/drawing/2014/main" id="{DEC2ABBF-DCA6-E076-1108-AD71A0D44542}"/>
+              </a:ext>
+            </a:extLst>
+          </p:cNvPr>
+          <p:cNvSpPr/>
+          <p:nvPr/>
+        </p:nvSpPr>
+        <p:spPr>
+          <a:xfrm>
+            <a:off x="3416459" y="3044457"/>
+            <a:ext cx="1672652" cy="1876387"/>
+          </a:xfrm>
+          <a:prstGeom prst="rightArrow">
+            <a:avLst/>
+          </a:prstGeom>
+        </p:spPr>
+        <p:style>
+          <a:lnRef idx="1">
+            <a:schemeClr val="accent2"/>
+          </a:lnRef>
+          <a:fillRef idx="3">
+            <a:schemeClr val="accent2"/>
+          </a:fillRef>
+          <a:effectRef idx="2">
+            <a:schemeClr val="accent2"/>
+          </a:effectRef>
+          <a:fontRef idx="minor">
+            <a:schemeClr val="lt1"/>
+          </a:fontRef>
+        </p:style>
+        <p:txBody>
+          <a:bodyPr rtlCol="0" anchor="ctr"/>
+          <a:lstStyle/>
+          <a:p>
+            <a:pPr algn="ctr"/>
+            <a:r>
+              <a:rPr lang="en-CA" sz="3200" dirty="0"/>
+              <a:t>AIRE</a:t>
+            </a:r>
+          </a:p>
+        </p:txBody>
+      </p:sp>
+      <p:pic>
+        <p:nvPicPr>
+          <p:cNvPr id="7" name="Picture 6">
+            <a:extLst>
+              <a:ext uri="{FF2B5EF4-FFF2-40B4-BE49-F238E27FC236}">
+                <a16:creationId xmlns:a16="http://schemas.microsoft.com/office/drawing/2014/main" id="{F0B96AD8-F41F-924A-15EF-4B1132699635}"/>
+              </a:ext>
+            </a:extLst>
+          </p:cNvPr>
+          <p:cNvPicPr>
+            <a:picLocks noChangeAspect="1"/>
+          </p:cNvPicPr>
+          <p:nvPr/>
+        </p:nvPicPr>
+        <p:blipFill>
+          <a:blip r:embed="rId2"/>
+          <a:stretch>
+            <a:fillRect/>
+          </a:stretch>
+        </p:blipFill>
+        <p:spPr>
+          <a:xfrm>
+            <a:off x="629629" y="3329619"/>
+            <a:ext cx="2319393" cy="1306065"/>
+          </a:xfrm>
+          <a:prstGeom prst="rect">
+            <a:avLst/>
+          </a:prstGeom>
+          <a:ln>
+            <a:solidFill>
+              <a:schemeClr val="tx1"/>
+            </a:solidFill>
+          </a:ln>
+        </p:spPr>
+      </p:pic>
+      <p:pic>
+        <p:nvPicPr>
+          <p:cNvPr id="9" name="Picture 8">
+            <a:extLst>
+              <a:ext uri="{FF2B5EF4-FFF2-40B4-BE49-F238E27FC236}">
+                <a16:creationId xmlns:a16="http://schemas.microsoft.com/office/drawing/2014/main" id="{5E532815-D037-0CF8-C017-2D7F5EB588A2}"/>
+              </a:ext>
+            </a:extLst>
+          </p:cNvPr>
+          <p:cNvPicPr>
+            <a:picLocks noChangeAspect="1"/>
+          </p:cNvPicPr>
+          <p:nvPr/>
+        </p:nvPicPr>
+        <p:blipFill>
+          <a:blip r:embed="rId3"/>
+          <a:stretch>
+            <a:fillRect/>
+          </a:stretch>
+        </p:blipFill>
+        <p:spPr>
+          <a:xfrm>
+            <a:off x="5300984" y="3329617"/>
+            <a:ext cx="6451173" cy="1306065"/>
+          </a:xfrm>
+          <a:prstGeom prst="rect">
+            <a:avLst/>
+          </a:prstGeom>
+          <a:ln>
+            <a:solidFill>
+              <a:schemeClr val="tx1"/>
+            </a:solidFill>
+          </a:ln>
+        </p:spPr>
+      </p:pic>
+      <p:sp>
+        <p:nvSpPr>
+          <p:cNvPr id="11" name="TextBox 10">
+            <a:extLst>
+              <a:ext uri="{FF2B5EF4-FFF2-40B4-BE49-F238E27FC236}">
+                <a16:creationId xmlns:a16="http://schemas.microsoft.com/office/drawing/2014/main" id="{647D8EE8-31A6-DFEF-8FFC-CC6FEA15E9B9}"/>
+              </a:ext>
+            </a:extLst>
+          </p:cNvPr>
+          <p:cNvSpPr txBox="1"/>
+          <p:nvPr/>
+        </p:nvSpPr>
+        <p:spPr>
+          <a:xfrm>
+            <a:off x="289932" y="5234580"/>
+            <a:ext cx="3526991" cy="646331"/>
+          </a:xfrm>
+          <a:prstGeom prst="rect">
+            <a:avLst/>
+          </a:prstGeom>
+        </p:spPr>
+        <p:style>
+          <a:lnRef idx="2">
+            <a:schemeClr val="dk1"/>
+          </a:lnRef>
+          <a:fillRef idx="1">
+            <a:schemeClr val="lt1"/>
+          </a:fillRef>
+          <a:effectRef idx="0">
+            <a:schemeClr val="dk1"/>
+          </a:effectRef>
+          <a:fontRef idx="minor">
+            <a:schemeClr val="dk1"/>
+          </a:fontRef>
+        </p:style>
+        <p:txBody>
+          <a:bodyPr wrap="none" rtlCol="0">
+            <a:spAutoFit/>
+          </a:bodyPr>
+          <a:lstStyle/>
+          <a:p>
+            <a:r>
+              <a:rPr lang="en-CA" dirty="0"/>
+              <a:t>* AGP submissions are in this folder</a:t>
+            </a:r>
+          </a:p>
+          <a:p>
+            <a:r>
+              <a:rPr lang="en-CA" dirty="0">
+                <a:hlinkClick r:id="rId4"/>
+              </a:rPr>
+              <a:t>01 - APPL</a:t>
+            </a:r>
+            <a:endParaRPr lang="en-CA" dirty="0"/>
+          </a:p>
+        </p:txBody>
+      </p:sp>
+    </p:spTree>
+    <p:extLst>
+      <p:ext uri="{BB962C8B-B14F-4D97-AF65-F5344CB8AC3E}">
+        <p14:creationId xmlns:p14="http://schemas.microsoft.com/office/powerpoint/2010/main" val="2048153189"/>
       </p:ext>
     </p:extLst>
   </p:cSld>
@@ -6492,12 +8439,9 @@
           <a:p>
             <a:r>
               <a:rPr lang="en-CA" sz="4400" dirty="0" err="1"/>
-              <a:t>generate_risk_assessment_report</a:t>
-            </a:r>
-            <a:r>
-              <a:rPr lang="en-CA" sz="4400" dirty="0"/>
-              <a:t> module</a:t>
-            </a:r>
+              <a:t>compare_operational_plans</a:t>
+            </a:r>
+            <a:endParaRPr lang="en-CA" sz="4400" dirty="0"/>
           </a:p>
         </p:txBody>
       </p:sp>
@@ -6523,23 +8467,23 @@
           <a:lstStyle/>
           <a:p>
             <a:r>
-              <a:rPr lang="en-CA" b="0" i="0" u="none" strike="noStrike">
+              <a:rPr lang="en-CA" b="0" i="0" u="none" strike="noStrike" dirty="0">
                 <a:solidFill>
                   <a:srgbClr val="000000"/>
                 </a:solidFill>
                 <a:effectLst/>
                 <a:latin typeface="Calibri" panose="020F0502020204030204" pitchFamily="34" charset="0"/>
               </a:rPr>
-              <a:t>Generates a comprehensive risk assessment report based on rubrics and submitted risk assessment</a:t>
-            </a:r>
-            <a:endParaRPr lang="en-CA"/>
+              <a:t>Compare operational plans if an operational plan gets updated</a:t>
+            </a:r>
+            <a:endParaRPr lang="en-CA" dirty="0"/>
           </a:p>
         </p:txBody>
       </p:sp>
     </p:spTree>
     <p:extLst>
       <p:ext uri="{BB962C8B-B14F-4D97-AF65-F5344CB8AC3E}">
-        <p14:creationId xmlns:p14="http://schemas.microsoft.com/office/powerpoint/2010/main" val="367785724"/>
+        <p14:creationId xmlns:p14="http://schemas.microsoft.com/office/powerpoint/2010/main" val="1205028400"/>
       </p:ext>
     </p:extLst>
   </p:cSld>
@@ -6599,6 +8543,41 @@
           </a:p>
         </p:txBody>
       </p:sp>
+      <p:pic>
+        <p:nvPicPr>
+          <p:cNvPr id="10" name="Picture 9">
+            <a:extLst>
+              <a:ext uri="{FF2B5EF4-FFF2-40B4-BE49-F238E27FC236}">
+                <a16:creationId xmlns:a16="http://schemas.microsoft.com/office/drawing/2014/main" id="{76A96312-3EAB-EC85-FD4D-4649AA65C98B}"/>
+              </a:ext>
+            </a:extLst>
+          </p:cNvPr>
+          <p:cNvPicPr>
+            <a:picLocks noChangeAspect="1"/>
+          </p:cNvPicPr>
+          <p:nvPr/>
+        </p:nvPicPr>
+        <p:blipFill>
+          <a:blip r:embed="rId2"/>
+          <a:stretch>
+            <a:fillRect/>
+          </a:stretch>
+        </p:blipFill>
+        <p:spPr>
+          <a:xfrm>
+            <a:off x="318077" y="2658924"/>
+            <a:ext cx="4608224" cy="1181449"/>
+          </a:xfrm>
+          <a:prstGeom prst="rect">
+            <a:avLst/>
+          </a:prstGeom>
+          <a:ln>
+            <a:solidFill>
+              <a:schemeClr val="tx1"/>
+            </a:solidFill>
+          </a:ln>
+        </p:spPr>
+      </p:pic>
       <p:sp>
         <p:nvSpPr>
           <p:cNvPr id="16" name="Rectangle 15">
@@ -6613,7 +8592,7 @@
         </p:nvSpPr>
         <p:spPr>
           <a:xfrm>
-            <a:off x="2313742" y="956765"/>
+            <a:off x="1808150" y="943618"/>
             <a:ext cx="1628078" cy="702527"/>
           </a:xfrm>
           <a:prstGeom prst="rect">
@@ -6661,7 +8640,7 @@
         </p:nvSpPr>
         <p:spPr>
           <a:xfrm>
-            <a:off x="9333574" y="956766"/>
+            <a:off x="8227193" y="932362"/>
             <a:ext cx="1798148" cy="702527"/>
           </a:xfrm>
           <a:prstGeom prst="rect">
@@ -6697,6 +8676,104 @@
       </p:sp>
       <p:sp>
         <p:nvSpPr>
+          <p:cNvPr id="21" name="TextBox 20">
+            <a:extLst>
+              <a:ext uri="{FF2B5EF4-FFF2-40B4-BE49-F238E27FC236}">
+                <a16:creationId xmlns:a16="http://schemas.microsoft.com/office/drawing/2014/main" id="{8C8EE305-28F6-1EA9-C554-8E074EAC3938}"/>
+              </a:ext>
+            </a:extLst>
+          </p:cNvPr>
+          <p:cNvSpPr txBox="1"/>
+          <p:nvPr/>
+        </p:nvSpPr>
+        <p:spPr>
+          <a:xfrm>
+            <a:off x="1555039" y="2101529"/>
+            <a:ext cx="2236510" cy="369332"/>
+          </a:xfrm>
+          <a:prstGeom prst="rect">
+            <a:avLst/>
+          </a:prstGeom>
+          <a:ln w="38100"/>
+        </p:spPr>
+        <p:style>
+          <a:lnRef idx="2">
+            <a:schemeClr val="dk1"/>
+          </a:lnRef>
+          <a:fillRef idx="1">
+            <a:schemeClr val="lt1"/>
+          </a:fillRef>
+          <a:effectRef idx="0">
+            <a:schemeClr val="dk1"/>
+          </a:effectRef>
+          <a:fontRef idx="minor">
+            <a:schemeClr val="dk1"/>
+          </a:fontRef>
+        </p:style>
+        <p:txBody>
+          <a:bodyPr wrap="none" rtlCol="0">
+            <a:spAutoFit/>
+          </a:bodyPr>
+          <a:lstStyle/>
+          <a:p>
+            <a:r>
+              <a:rPr lang="en-CA" dirty="0"/>
+              <a:t>New Operational plan</a:t>
+            </a:r>
+          </a:p>
+        </p:txBody>
+      </p:sp>
+      <p:sp>
+        <p:nvSpPr>
+          <p:cNvPr id="24" name="TextBox 23">
+            <a:extLst>
+              <a:ext uri="{FF2B5EF4-FFF2-40B4-BE49-F238E27FC236}">
+                <a16:creationId xmlns:a16="http://schemas.microsoft.com/office/drawing/2014/main" id="{E369C347-B8F3-CE56-0841-2CFBA5B61EA3}"/>
+              </a:ext>
+            </a:extLst>
+          </p:cNvPr>
+          <p:cNvSpPr txBox="1"/>
+          <p:nvPr/>
+        </p:nvSpPr>
+        <p:spPr>
+          <a:xfrm>
+            <a:off x="7348665" y="1984766"/>
+            <a:ext cx="3555204" cy="369332"/>
+          </a:xfrm>
+          <a:prstGeom prst="rect">
+            <a:avLst/>
+          </a:prstGeom>
+          <a:ln w="38100"/>
+        </p:spPr>
+        <p:style>
+          <a:lnRef idx="2">
+            <a:schemeClr val="dk1"/>
+          </a:lnRef>
+          <a:fillRef idx="1">
+            <a:schemeClr val="lt1"/>
+          </a:fillRef>
+          <a:effectRef idx="0">
+            <a:schemeClr val="dk1"/>
+          </a:effectRef>
+          <a:fontRef idx="minor">
+            <a:schemeClr val="dk1"/>
+          </a:fontRef>
+        </p:style>
+        <p:txBody>
+          <a:bodyPr wrap="none" rtlCol="0">
+            <a:spAutoFit/>
+          </a:bodyPr>
+          <a:lstStyle/>
+          <a:p>
+            <a:r>
+              <a:rPr lang="en-CA" dirty="0"/>
+              <a:t>Operational plan comparison report</a:t>
+            </a:r>
+          </a:p>
+        </p:txBody>
+      </p:sp>
+      <p:sp>
+        <p:nvSpPr>
           <p:cNvPr id="25" name="Arrow: Right 24">
             <a:extLst>
               <a:ext uri="{FF2B5EF4-FFF2-40B4-BE49-F238E27FC236}">
@@ -6709,7 +8786,7 @@
         </p:nvSpPr>
         <p:spPr>
           <a:xfrm>
-            <a:off x="6897444" y="3152390"/>
+            <a:off x="5556549" y="3038988"/>
             <a:ext cx="1672652" cy="1876387"/>
           </a:xfrm>
           <a:prstGeom prst="rightArrow">
@@ -6744,10 +8821,10 @@
       </p:sp>
       <p:pic>
         <p:nvPicPr>
-          <p:cNvPr id="4" name="Picture 3">
-            <a:extLst>
-              <a:ext uri="{FF2B5EF4-FFF2-40B4-BE49-F238E27FC236}">
-                <a16:creationId xmlns:a16="http://schemas.microsoft.com/office/drawing/2014/main" id="{8C69E1A0-3897-1CDA-C86E-4CBF6FE7671F}"/>
+          <p:cNvPr id="3" name="Picture 2">
+            <a:extLst>
+              <a:ext uri="{FF2B5EF4-FFF2-40B4-BE49-F238E27FC236}">
+                <a16:creationId xmlns:a16="http://schemas.microsoft.com/office/drawing/2014/main" id="{92F45679-FBFE-2A9F-349E-1D6C71D73A7C}"/>
               </a:ext>
             </a:extLst>
           </p:cNvPr>
@@ -6764,8 +8841,8 @@
         </p:blipFill>
         <p:spPr>
           <a:xfrm>
-            <a:off x="8778424" y="2815435"/>
-            <a:ext cx="2908449" cy="3568883"/>
+            <a:off x="318077" y="4915375"/>
+            <a:ext cx="4608224" cy="1181449"/>
           </a:xfrm>
           <a:prstGeom prst="rect">
             <a:avLst/>
@@ -6777,117 +8854,12 @@
           </a:ln>
         </p:spPr>
       </p:pic>
-      <p:pic>
-        <p:nvPicPr>
-          <p:cNvPr id="6" name="Picture 5">
-            <a:extLst>
-              <a:ext uri="{FF2B5EF4-FFF2-40B4-BE49-F238E27FC236}">
-                <a16:creationId xmlns:a16="http://schemas.microsoft.com/office/drawing/2014/main" id="{F1A1D6F9-19B0-93A9-9392-3B72F2DDA300}"/>
-              </a:ext>
-            </a:extLst>
-          </p:cNvPr>
-          <p:cNvPicPr>
-            <a:picLocks noChangeAspect="1"/>
-          </p:cNvPicPr>
-          <p:nvPr/>
-        </p:nvPicPr>
-        <p:blipFill>
-          <a:blip r:embed="rId3"/>
-          <a:stretch>
-            <a:fillRect/>
-          </a:stretch>
-        </p:blipFill>
-        <p:spPr>
-          <a:xfrm>
-            <a:off x="261737" y="3152390"/>
-            <a:ext cx="2415151" cy="2536436"/>
-          </a:xfrm>
-          <a:prstGeom prst="rect">
-            <a:avLst/>
-          </a:prstGeom>
-          <a:ln>
-            <a:solidFill>
-              <a:schemeClr val="tx1"/>
-            </a:solidFill>
-          </a:ln>
-        </p:spPr>
-      </p:pic>
-      <p:pic>
-        <p:nvPicPr>
-          <p:cNvPr id="9" name="Picture 8">
-            <a:extLst>
-              <a:ext uri="{FF2B5EF4-FFF2-40B4-BE49-F238E27FC236}">
-                <a16:creationId xmlns:a16="http://schemas.microsoft.com/office/drawing/2014/main" id="{93C1A6A0-5198-EFE0-076E-116B2CB04EDB}"/>
-              </a:ext>
-            </a:extLst>
-          </p:cNvPr>
-          <p:cNvPicPr>
-            <a:picLocks noChangeAspect="1"/>
-          </p:cNvPicPr>
-          <p:nvPr/>
-        </p:nvPicPr>
-        <p:blipFill>
-          <a:blip r:embed="rId4"/>
-          <a:stretch>
-            <a:fillRect/>
-          </a:stretch>
-        </p:blipFill>
-        <p:spPr>
-          <a:xfrm>
-            <a:off x="2885216" y="2619198"/>
-            <a:ext cx="3398618" cy="1619604"/>
-          </a:xfrm>
-          <a:prstGeom prst="rect">
-            <a:avLst/>
-          </a:prstGeom>
-          <a:ln>
-            <a:solidFill>
-              <a:schemeClr val="tx1"/>
-            </a:solidFill>
-          </a:ln>
-        </p:spPr>
-      </p:pic>
-      <p:pic>
-        <p:nvPicPr>
-          <p:cNvPr id="13" name="Picture 12">
-            <a:extLst>
-              <a:ext uri="{FF2B5EF4-FFF2-40B4-BE49-F238E27FC236}">
-                <a16:creationId xmlns:a16="http://schemas.microsoft.com/office/drawing/2014/main" id="{011210EF-37EF-A0B4-0451-BD2582CA88A8}"/>
-              </a:ext>
-            </a:extLst>
-          </p:cNvPr>
-          <p:cNvPicPr>
-            <a:picLocks noChangeAspect="1"/>
-          </p:cNvPicPr>
-          <p:nvPr/>
-        </p:nvPicPr>
-        <p:blipFill>
-          <a:blip r:embed="rId5"/>
-          <a:stretch>
-            <a:fillRect/>
-          </a:stretch>
-        </p:blipFill>
-        <p:spPr>
-          <a:xfrm>
-            <a:off x="2833134" y="5028777"/>
-            <a:ext cx="3908064" cy="1486732"/>
-          </a:xfrm>
-          <a:prstGeom prst="rect">
-            <a:avLst/>
-          </a:prstGeom>
-          <a:ln>
-            <a:solidFill>
-              <a:schemeClr val="tx1"/>
-            </a:solidFill>
-          </a:ln>
-        </p:spPr>
-      </p:pic>
-      <p:sp>
-        <p:nvSpPr>
-          <p:cNvPr id="15" name="TextBox 14">
-            <a:extLst>
-              <a:ext uri="{FF2B5EF4-FFF2-40B4-BE49-F238E27FC236}">
-                <a16:creationId xmlns:a16="http://schemas.microsoft.com/office/drawing/2014/main" id="{11A50A6D-2A17-4BEB-05C4-91F9A897DCAF}"/>
+      <p:sp>
+        <p:nvSpPr>
+          <p:cNvPr id="4" name="TextBox 3">
+            <a:extLst>
+              <a:ext uri="{FF2B5EF4-FFF2-40B4-BE49-F238E27FC236}">
+                <a16:creationId xmlns:a16="http://schemas.microsoft.com/office/drawing/2014/main" id="{CCAAE8BA-A9B4-0717-C930-3F0EF2CC79AC}"/>
               </a:ext>
             </a:extLst>
           </p:cNvPr>
@@ -6896,8 +8868,8 @@
         </p:nvSpPr>
         <p:spPr>
           <a:xfrm>
-            <a:off x="591732" y="2423823"/>
-            <a:ext cx="1722010" cy="369332"/>
+            <a:off x="1555039" y="4401149"/>
+            <a:ext cx="2135072" cy="369332"/>
           </a:xfrm>
           <a:prstGeom prst="rect">
             <a:avLst/>
@@ -6926,162 +8898,50 @@
           <a:p>
             <a:r>
               <a:rPr lang="en-CA" dirty="0"/>
-              <a:t>Report template</a:t>
-            </a:r>
-          </a:p>
-        </p:txBody>
-      </p:sp>
-      <p:sp>
-        <p:nvSpPr>
-          <p:cNvPr id="18" name="TextBox 17">
-            <a:extLst>
-              <a:ext uri="{FF2B5EF4-FFF2-40B4-BE49-F238E27FC236}">
-                <a16:creationId xmlns:a16="http://schemas.microsoft.com/office/drawing/2014/main" id="{9A97C4E4-EB8D-3827-8E9D-A82330D4978D}"/>
-              </a:ext>
-            </a:extLst>
-          </p:cNvPr>
-          <p:cNvSpPr txBox="1"/>
+              <a:t>Old Operational plan</a:t>
+            </a:r>
+          </a:p>
+        </p:txBody>
+      </p:sp>
+      <p:pic>
+        <p:nvPicPr>
+          <p:cNvPr id="6" name="Picture 5">
+            <a:extLst>
+              <a:ext uri="{FF2B5EF4-FFF2-40B4-BE49-F238E27FC236}">
+                <a16:creationId xmlns:a16="http://schemas.microsoft.com/office/drawing/2014/main" id="{BB885704-1F1A-DB63-DF5C-BFE939CC77AD}"/>
+              </a:ext>
+            </a:extLst>
+          </p:cNvPr>
+          <p:cNvPicPr>
+            <a:picLocks noChangeAspect="1"/>
+          </p:cNvPicPr>
           <p:nvPr/>
-        </p:nvSpPr>
-        <p:spPr>
-          <a:xfrm>
-            <a:off x="4147546" y="2025288"/>
-            <a:ext cx="873957" cy="369332"/>
+        </p:nvPicPr>
+        <p:blipFill>
+          <a:blip r:embed="rId3"/>
+          <a:stretch>
+            <a:fillRect/>
+          </a:stretch>
+        </p:blipFill>
+        <p:spPr>
+          <a:xfrm>
+            <a:off x="7633257" y="2658924"/>
+            <a:ext cx="3003704" cy="4032457"/>
           </a:xfrm>
           <a:prstGeom prst="rect">
             <a:avLst/>
           </a:prstGeom>
-          <a:ln w="38100"/>
-        </p:spPr>
-        <p:style>
-          <a:lnRef idx="2">
-            <a:schemeClr val="dk1"/>
-          </a:lnRef>
-          <a:fillRef idx="1">
-            <a:schemeClr val="lt1"/>
-          </a:fillRef>
-          <a:effectRef idx="0">
-            <a:schemeClr val="dk1"/>
-          </a:effectRef>
-          <a:fontRef idx="minor">
-            <a:schemeClr val="dk1"/>
-          </a:fontRef>
-        </p:style>
-        <p:txBody>
-          <a:bodyPr wrap="none" rtlCol="0">
-            <a:spAutoFit/>
-          </a:bodyPr>
-          <a:lstStyle/>
-          <a:p>
-            <a:r>
-              <a:rPr lang="en-CA" dirty="0"/>
-              <a:t>Rubrics</a:t>
-            </a:r>
-          </a:p>
-        </p:txBody>
-      </p:sp>
-      <p:sp>
-        <p:nvSpPr>
-          <p:cNvPr id="26" name="TextBox 25">
-            <a:extLst>
-              <a:ext uri="{FF2B5EF4-FFF2-40B4-BE49-F238E27FC236}">
-                <a16:creationId xmlns:a16="http://schemas.microsoft.com/office/drawing/2014/main" id="{4329570D-ED88-E2C7-99B4-B153A66CCC3A}"/>
-              </a:ext>
-            </a:extLst>
-          </p:cNvPr>
-          <p:cNvSpPr txBox="1"/>
-          <p:nvPr/>
-        </p:nvSpPr>
-        <p:spPr>
-          <a:xfrm>
-            <a:off x="3706945" y="4449123"/>
-            <a:ext cx="2043636" cy="369332"/>
-          </a:xfrm>
-          <a:prstGeom prst="rect">
-            <a:avLst/>
-          </a:prstGeom>
-          <a:ln w="38100"/>
-        </p:spPr>
-        <p:style>
-          <a:lnRef idx="2">
-            <a:schemeClr val="dk1"/>
-          </a:lnRef>
-          <a:fillRef idx="1">
-            <a:schemeClr val="lt1"/>
-          </a:fillRef>
-          <a:effectRef idx="0">
-            <a:schemeClr val="dk1"/>
-          </a:effectRef>
-          <a:fontRef idx="minor">
-            <a:schemeClr val="dk1"/>
-          </a:fontRef>
-        </p:style>
-        <p:txBody>
-          <a:bodyPr wrap="none" rtlCol="0">
-            <a:spAutoFit/>
-          </a:bodyPr>
-          <a:lstStyle/>
-          <a:p>
-            <a:r>
-              <a:rPr lang="en-CA" dirty="0"/>
-              <a:t>Self risk assessment</a:t>
-            </a:r>
-          </a:p>
-        </p:txBody>
-      </p:sp>
-      <p:sp>
-        <p:nvSpPr>
-          <p:cNvPr id="27" name="TextBox 26">
-            <a:extLst>
-              <a:ext uri="{FF2B5EF4-FFF2-40B4-BE49-F238E27FC236}">
-                <a16:creationId xmlns:a16="http://schemas.microsoft.com/office/drawing/2014/main" id="{4D2A97B0-1622-E801-F58E-1832DA6ED0BA}"/>
-              </a:ext>
-            </a:extLst>
-          </p:cNvPr>
-          <p:cNvSpPr txBox="1"/>
-          <p:nvPr/>
-        </p:nvSpPr>
-        <p:spPr>
-          <a:xfrm>
-            <a:off x="9333574" y="2222428"/>
-            <a:ext cx="821828" cy="369332"/>
-          </a:xfrm>
-          <a:prstGeom prst="rect">
-            <a:avLst/>
-          </a:prstGeom>
-          <a:ln w="38100"/>
-        </p:spPr>
-        <p:style>
-          <a:lnRef idx="2">
-            <a:schemeClr val="dk1"/>
-          </a:lnRef>
-          <a:fillRef idx="1">
-            <a:schemeClr val="lt1"/>
-          </a:fillRef>
-          <a:effectRef idx="0">
-            <a:schemeClr val="dk1"/>
-          </a:effectRef>
-          <a:fontRef idx="minor">
-            <a:schemeClr val="dk1"/>
-          </a:fontRef>
-        </p:style>
-        <p:txBody>
-          <a:bodyPr wrap="none" rtlCol="0">
-            <a:spAutoFit/>
-          </a:bodyPr>
-          <a:lstStyle/>
-          <a:p>
-            <a:r>
-              <a:rPr lang="en-CA" dirty="0"/>
-              <a:t>Report</a:t>
-            </a:r>
-          </a:p>
-        </p:txBody>
-      </p:sp>
+          <a:ln>
+            <a:solidFill>
+              <a:schemeClr val="tx1"/>
+            </a:solidFill>
+          </a:ln>
+        </p:spPr>
+      </p:pic>
     </p:spTree>
     <p:extLst>
       <p:ext uri="{BB962C8B-B14F-4D97-AF65-F5344CB8AC3E}">
-        <p14:creationId xmlns:p14="http://schemas.microsoft.com/office/powerpoint/2010/main" val="3901200130"/>
+        <p14:creationId xmlns:p14="http://schemas.microsoft.com/office/powerpoint/2010/main" val="1038155257"/>
       </p:ext>
     </p:extLst>
   </p:cSld>
@@ -7113,7 +8973,7 @@
           <p:cNvPr id="2" name="Title 1">
             <a:extLst>
               <a:ext uri="{FF2B5EF4-FFF2-40B4-BE49-F238E27FC236}">
-                <a16:creationId xmlns:a16="http://schemas.microsoft.com/office/drawing/2014/main" id="{EB3C7009-CB5C-45E1-B89A-5F6A582DB2EE}"/>
+                <a16:creationId xmlns:a16="http://schemas.microsoft.com/office/drawing/2014/main" id="{81318783-72E5-4E9A-9D87-63234B3B6566}"/>
               </a:ext>
             </a:extLst>
           </p:cNvPr>
@@ -7121,145 +8981,71 @@
             <a:spLocks noGrp="1"/>
           </p:cNvSpPr>
           <p:nvPr>
-            <p:ph type="title"/>
+            <p:ph type="ctrTitle"/>
           </p:nvPr>
         </p:nvSpPr>
+        <p:spPr>
+          <a:xfrm>
+            <a:off x="579863" y="1122363"/>
+            <a:ext cx="11017405" cy="2387600"/>
+          </a:xfrm>
+        </p:spPr>
+        <p:txBody>
+          <a:bodyPr>
+            <a:normAutofit/>
+          </a:bodyPr>
+          <a:lstStyle/>
+          <a:p>
+            <a:r>
+              <a:rPr lang="en-CA" sz="4400" dirty="0" err="1"/>
+              <a:t>generate_risk_assessment_report</a:t>
+            </a:r>
+            <a:r>
+              <a:rPr lang="en-CA" sz="4400" dirty="0"/>
+              <a:t> module</a:t>
+            </a:r>
+          </a:p>
+        </p:txBody>
+      </p:sp>
+      <p:sp>
+        <p:nvSpPr>
+          <p:cNvPr id="3" name="Subtitle 2">
+            <a:extLst>
+              <a:ext uri="{FF2B5EF4-FFF2-40B4-BE49-F238E27FC236}">
+                <a16:creationId xmlns:a16="http://schemas.microsoft.com/office/drawing/2014/main" id="{34561EF3-370B-4C9A-AAD4-D5F887DBC850}"/>
+              </a:ext>
+            </a:extLst>
+          </p:cNvPr>
+          <p:cNvSpPr>
+            <a:spLocks noGrp="1"/>
+          </p:cNvSpPr>
+          <p:nvPr>
+            <p:ph type="subTitle" idx="1"/>
+          </p:nvPr>
+        </p:nvSpPr>
         <p:spPr/>
         <p:txBody>
           <a:bodyPr/>
           <a:lstStyle/>
           <a:p>
             <a:r>
-              <a:rPr lang="en-CA" dirty="0"/>
-              <a:t>Input files</a:t>
-            </a:r>
-          </a:p>
-        </p:txBody>
-      </p:sp>
-      <p:pic>
-        <p:nvPicPr>
-          <p:cNvPr id="5" name="Content Placeholder 4" descr="Graphical user interface&#10;&#10;Description automatically generated">
-            <a:extLst>
-              <a:ext uri="{FF2B5EF4-FFF2-40B4-BE49-F238E27FC236}">
-                <a16:creationId xmlns:a16="http://schemas.microsoft.com/office/drawing/2014/main" id="{95114EEE-F1A9-47CD-AF1C-B1DDBB5C3FC9}"/>
-              </a:ext>
-            </a:extLst>
-          </p:cNvPr>
-          <p:cNvPicPr>
-            <a:picLocks noGrp="1" noChangeAspect="1"/>
-          </p:cNvPicPr>
-          <p:nvPr>
-            <p:ph idx="1"/>
-          </p:nvPr>
-        </p:nvPicPr>
-        <p:blipFill>
-          <a:blip r:embed="rId2">
-            <a:extLst>
-              <a:ext uri="{28A0092B-C50C-407E-A947-70E740481C1C}">
-                <a14:useLocalDpi xmlns:a14="http://schemas.microsoft.com/office/drawing/2010/main" val="0"/>
-              </a:ext>
-            </a:extLst>
-          </a:blip>
-          <a:stretch>
-            <a:fillRect/>
-          </a:stretch>
-        </p:blipFill>
-        <p:spPr>
-          <a:xfrm>
-            <a:off x="952212" y="4517456"/>
-            <a:ext cx="10510602" cy="2585872"/>
-          </a:xfrm>
-        </p:spPr>
-      </p:pic>
-      <p:sp>
-        <p:nvSpPr>
-          <p:cNvPr id="6" name="TextBox 5">
-            <a:extLst>
-              <a:ext uri="{FF2B5EF4-FFF2-40B4-BE49-F238E27FC236}">
-                <a16:creationId xmlns:a16="http://schemas.microsoft.com/office/drawing/2014/main" id="{5E240414-FEFA-4D4B-A29D-B666591AC584}"/>
-              </a:ext>
-            </a:extLst>
-          </p:cNvPr>
-          <p:cNvSpPr txBox="1"/>
-          <p:nvPr/>
-        </p:nvSpPr>
-        <p:spPr>
-          <a:xfrm>
-            <a:off x="882805" y="1878879"/>
-            <a:ext cx="10426390" cy="1754326"/>
-          </a:xfrm>
-          <a:prstGeom prst="rect">
-            <a:avLst/>
-          </a:prstGeom>
-          <a:noFill/>
-        </p:spPr>
-        <p:txBody>
-          <a:bodyPr wrap="square" rtlCol="0">
-            <a:spAutoFit/>
-          </a:bodyPr>
-          <a:lstStyle/>
-          <a:p>
-            <a:r>
-              <a:rPr lang="en-CA" dirty="0"/>
-              <a:t>Directory: data/input/pre_agp0</a:t>
-            </a:r>
-          </a:p>
-          <a:p>
-            <a:pPr marL="342900" indent="-342900">
-              <a:buFont typeface="+mj-lt"/>
-              <a:buAutoNum type="arabicPeriod"/>
-            </a:pPr>
-            <a:r>
-              <a:rPr lang="en-CA" b="1" dirty="0"/>
-              <a:t>Architecture Intake Review Engine Report Draft</a:t>
-            </a:r>
-            <a:r>
-              <a:rPr lang="en-CA" dirty="0"/>
-              <a:t>: Base Template. Text extracted from ‘IIT-EA-Decision Matrix’ and ‘</a:t>
-            </a:r>
-            <a:r>
-              <a:rPr lang="en-CA" dirty="0" err="1"/>
-              <a:t>sample_assessment</a:t>
-            </a:r>
-            <a:r>
-              <a:rPr lang="en-CA" dirty="0"/>
-              <a:t>’ is inserted here.</a:t>
-            </a:r>
-          </a:p>
-          <a:p>
-            <a:pPr marL="342900" indent="-342900">
-              <a:buFont typeface="+mj-lt"/>
-              <a:buAutoNum type="arabicPeriod"/>
-            </a:pPr>
-            <a:r>
-              <a:rPr lang="en-CA" b="1" dirty="0"/>
-              <a:t>IIT-EA-Decision-Matrix</a:t>
-            </a:r>
-            <a:r>
-              <a:rPr lang="en-CA" dirty="0"/>
-              <a:t>: An Excel file that has rubrics</a:t>
-            </a:r>
-          </a:p>
-          <a:p>
-            <a:pPr marL="342900" indent="-342900">
-              <a:buFont typeface="+mj-lt"/>
-              <a:buAutoNum type="arabicPeriod"/>
-            </a:pPr>
-            <a:r>
-              <a:rPr lang="en-CA" b="1" dirty="0" err="1"/>
-              <a:t>Sample_assessment</a:t>
-            </a:r>
-            <a:r>
-              <a:rPr lang="en-CA" dirty="0"/>
-              <a:t>: A sample risk assessment file submitted by a solution branch. Used for testing purpose.</a:t>
-            </a:r>
+              <a:rPr lang="en-CA" b="0" i="0" u="none" strike="noStrike">
+                <a:solidFill>
+                  <a:srgbClr val="000000"/>
+                </a:solidFill>
+                <a:effectLst/>
+                <a:latin typeface="Calibri" panose="020F0502020204030204" pitchFamily="34" charset="0"/>
+              </a:rPr>
+              <a:t>Generates a comprehensive risk assessment report based on rubrics and submitted risk assessment</a:t>
+            </a:r>
+            <a:endParaRPr lang="en-CA"/>
           </a:p>
         </p:txBody>
       </p:sp>
     </p:spTree>
     <p:extLst>
       <p:ext uri="{BB962C8B-B14F-4D97-AF65-F5344CB8AC3E}">
-        <p14:creationId xmlns:p14="http://schemas.microsoft.com/office/powerpoint/2010/main" val="3182964351"/>
+        <p14:creationId xmlns:p14="http://schemas.microsoft.com/office/powerpoint/2010/main" val="367785724"/>
       </p:ext>
     </p:extLst>
   </p:cSld>
@@ -7291,7 +9077,7 @@
           <p:cNvPr id="2" name="Title 1">
             <a:extLst>
               <a:ext uri="{FF2B5EF4-FFF2-40B4-BE49-F238E27FC236}">
-                <a16:creationId xmlns:a16="http://schemas.microsoft.com/office/drawing/2014/main" id="{3D67BC4B-EEA2-4B31-BF50-E7A19AF65617}"/>
+                <a16:creationId xmlns:a16="http://schemas.microsoft.com/office/drawing/2014/main" id="{EB3C7009-CB5C-45E1-B89A-5F6A582DB2EE}"/>
               </a:ext>
             </a:extLst>
           </p:cNvPr>
@@ -7304,64 +9090,27 @@
         </p:nvSpPr>
         <p:spPr>
           <a:xfrm>
-            <a:off x="838200" y="41062"/>
-            <a:ext cx="10515600" cy="894963"/>
-          </a:xfrm>
-        </p:spPr>
-        <p:txBody>
-          <a:bodyPr>
-            <a:normAutofit/>
-          </a:bodyPr>
-          <a:lstStyle/>
-          <a:p>
-            <a:r>
-              <a:rPr lang="en-CA" sz="4000" dirty="0"/>
-              <a:t>Architecture Intake Review Engine Report Draft</a:t>
-            </a:r>
-          </a:p>
-        </p:txBody>
-      </p:sp>
-      <p:pic>
-        <p:nvPicPr>
-          <p:cNvPr id="5" name="Content Placeholder 4" descr="Table&#10;&#10;Description automatically generated">
-            <a:extLst>
-              <a:ext uri="{FF2B5EF4-FFF2-40B4-BE49-F238E27FC236}">
-                <a16:creationId xmlns:a16="http://schemas.microsoft.com/office/drawing/2014/main" id="{CC86E580-1B10-40B6-A119-3CA357355CB5}"/>
-              </a:ext>
-            </a:extLst>
-          </p:cNvPr>
-          <p:cNvPicPr>
-            <a:picLocks noGrp="1" noChangeAspect="1"/>
-          </p:cNvPicPr>
-          <p:nvPr>
-            <p:ph idx="1"/>
-          </p:nvPr>
-        </p:nvPicPr>
-        <p:blipFill>
-          <a:blip r:embed="rId2">
-            <a:extLst>
-              <a:ext uri="{28A0092B-C50C-407E-A947-70E740481C1C}">
-                <a14:useLocalDpi xmlns:a14="http://schemas.microsoft.com/office/drawing/2010/main" val="0"/>
-              </a:ext>
-            </a:extLst>
-          </a:blip>
-          <a:stretch>
-            <a:fillRect/>
-          </a:stretch>
-        </p:blipFill>
-        <p:spPr>
-          <a:xfrm>
-            <a:off x="2026572" y="1219043"/>
-            <a:ext cx="7666002" cy="5321303"/>
-          </a:xfrm>
-        </p:spPr>
-      </p:pic>
-      <p:sp>
-        <p:nvSpPr>
-          <p:cNvPr id="7" name="Rectangle 6">
-            <a:extLst>
-              <a:ext uri="{FF2B5EF4-FFF2-40B4-BE49-F238E27FC236}">
-                <a16:creationId xmlns:a16="http://schemas.microsoft.com/office/drawing/2014/main" id="{A3E77CD5-9A45-428A-ADC0-DFE1880D4143}"/>
+            <a:off x="838200" y="122566"/>
+            <a:ext cx="10515600" cy="838540"/>
+          </a:xfrm>
+        </p:spPr>
+        <p:txBody>
+          <a:bodyPr/>
+          <a:lstStyle/>
+          <a:p>
+            <a:r>
+              <a:rPr lang="en-CA" dirty="0"/>
+              <a:t>Module details</a:t>
+            </a:r>
+          </a:p>
+        </p:txBody>
+      </p:sp>
+      <p:sp>
+        <p:nvSpPr>
+          <p:cNvPr id="16" name="Rectangle 15">
+            <a:extLst>
+              <a:ext uri="{FF2B5EF4-FFF2-40B4-BE49-F238E27FC236}">
+                <a16:creationId xmlns:a16="http://schemas.microsoft.com/office/drawing/2014/main" id="{3908369B-5B8D-94F4-E469-7ECD6389BECF}"/>
               </a:ext>
             </a:extLst>
           </p:cNvPr>
@@ -7370,35 +9119,26 @@
         </p:nvSpPr>
         <p:spPr>
           <a:xfrm>
-            <a:off x="3233853" y="1884556"/>
-            <a:ext cx="892098" cy="229450"/>
+            <a:off x="2313742" y="956765"/>
+            <a:ext cx="1628078" cy="702527"/>
           </a:xfrm>
           <a:prstGeom prst="rect">
             <a:avLst/>
           </a:prstGeom>
-          <a:noFill/>
-          <a:ln w="38100">
-            <a:solidFill>
-              <a:schemeClr val="accent6">
-                <a:lumMod val="75000"/>
-              </a:schemeClr>
-            </a:solidFill>
-          </a:ln>
+          <a:ln w="76200"/>
         </p:spPr>
         <p:style>
           <a:lnRef idx="2">
-            <a:schemeClr val="accent1">
-              <a:shade val="50000"/>
-            </a:schemeClr>
+            <a:schemeClr val="accent1"/>
           </a:lnRef>
           <a:fillRef idx="1">
-            <a:schemeClr val="accent1"/>
+            <a:schemeClr val="lt1"/>
           </a:fillRef>
           <a:effectRef idx="0">
             <a:schemeClr val="accent1"/>
           </a:effectRef>
           <a:fontRef idx="minor">
-            <a:schemeClr val="lt1"/>
+            <a:schemeClr val="dk1"/>
           </a:fontRef>
         </p:style>
         <p:txBody>
@@ -7406,16 +9146,19 @@
           <a:lstStyle/>
           <a:p>
             <a:pPr algn="ctr"/>
-            <a:endParaRPr lang="en-CA"/>
-          </a:p>
-        </p:txBody>
-      </p:sp>
-      <p:sp>
-        <p:nvSpPr>
-          <p:cNvPr id="8" name="Rectangle 7">
-            <a:extLst>
-              <a:ext uri="{FF2B5EF4-FFF2-40B4-BE49-F238E27FC236}">
-                <a16:creationId xmlns:a16="http://schemas.microsoft.com/office/drawing/2014/main" id="{5A7FFB5B-48A7-4458-8A74-41D2658307A7}"/>
+            <a:r>
+              <a:rPr lang="en-CA" dirty="0"/>
+              <a:t>Input Files</a:t>
+            </a:r>
+          </a:p>
+        </p:txBody>
+      </p:sp>
+      <p:sp>
+        <p:nvSpPr>
+          <p:cNvPr id="17" name="Rectangle 16">
+            <a:extLst>
+              <a:ext uri="{FF2B5EF4-FFF2-40B4-BE49-F238E27FC236}">
+                <a16:creationId xmlns:a16="http://schemas.microsoft.com/office/drawing/2014/main" id="{F4CD4662-AC5D-8F8D-80BD-28E85CE34C50}"/>
               </a:ext>
             </a:extLst>
           </p:cNvPr>
@@ -7424,32 +9167,70 @@
         </p:nvSpPr>
         <p:spPr>
           <a:xfrm>
-            <a:off x="3245004" y="2215376"/>
-            <a:ext cx="892098" cy="229450"/>
+            <a:off x="9333574" y="956766"/>
+            <a:ext cx="1798148" cy="702527"/>
           </a:xfrm>
           <a:prstGeom prst="rect">
             <a:avLst/>
           </a:prstGeom>
-          <a:noFill/>
-          <a:ln w="38100">
-            <a:solidFill>
-              <a:schemeClr val="accent6">
-                <a:lumMod val="75000"/>
-              </a:schemeClr>
-            </a:solidFill>
-          </a:ln>
+          <a:ln w="76200"/>
         </p:spPr>
         <p:style>
           <a:lnRef idx="2">
-            <a:schemeClr val="accent1">
-              <a:shade val="50000"/>
-            </a:schemeClr>
+            <a:schemeClr val="accent6"/>
           </a:lnRef>
           <a:fillRef idx="1">
-            <a:schemeClr val="accent1"/>
+            <a:schemeClr val="lt1"/>
           </a:fillRef>
           <a:effectRef idx="0">
-            <a:schemeClr val="accent1"/>
+            <a:schemeClr val="accent6"/>
+          </a:effectRef>
+          <a:fontRef idx="minor">
+            <a:schemeClr val="dk1"/>
+          </a:fontRef>
+        </p:style>
+        <p:txBody>
+          <a:bodyPr rtlCol="0" anchor="ctr"/>
+          <a:lstStyle/>
+          <a:p>
+            <a:pPr algn="ctr"/>
+            <a:r>
+              <a:rPr lang="en-CA" dirty="0"/>
+              <a:t>Output Files</a:t>
+            </a:r>
+          </a:p>
+        </p:txBody>
+      </p:sp>
+      <p:sp>
+        <p:nvSpPr>
+          <p:cNvPr id="25" name="Arrow: Right 24">
+            <a:extLst>
+              <a:ext uri="{FF2B5EF4-FFF2-40B4-BE49-F238E27FC236}">
+                <a16:creationId xmlns:a16="http://schemas.microsoft.com/office/drawing/2014/main" id="{DEC2ABBF-DCA6-E076-1108-AD71A0D44542}"/>
+              </a:ext>
+            </a:extLst>
+          </p:cNvPr>
+          <p:cNvSpPr/>
+          <p:nvPr/>
+        </p:nvSpPr>
+        <p:spPr>
+          <a:xfrm>
+            <a:off x="6897444" y="3152390"/>
+            <a:ext cx="1672652" cy="1876387"/>
+          </a:xfrm>
+          <a:prstGeom prst="rightArrow">
+            <a:avLst/>
+          </a:prstGeom>
+        </p:spPr>
+        <p:style>
+          <a:lnRef idx="1">
+            <a:schemeClr val="accent2"/>
+          </a:lnRef>
+          <a:fillRef idx="3">
+            <a:schemeClr val="accent2"/>
+          </a:fillRef>
+          <a:effectRef idx="2">
+            <a:schemeClr val="accent2"/>
           </a:effectRef>
           <a:fontRef idx="minor">
             <a:schemeClr val="lt1"/>
@@ -7460,462 +9241,174 @@
           <a:lstStyle/>
           <a:p>
             <a:pPr algn="ctr"/>
-            <a:endParaRPr lang="en-CA"/>
-          </a:p>
-        </p:txBody>
-      </p:sp>
-      <p:sp>
-        <p:nvSpPr>
-          <p:cNvPr id="9" name="Rectangle 8">
-            <a:extLst>
-              <a:ext uri="{FF2B5EF4-FFF2-40B4-BE49-F238E27FC236}">
-                <a16:creationId xmlns:a16="http://schemas.microsoft.com/office/drawing/2014/main" id="{A66038E6-04D4-4231-8E2C-B6B5CE26FF4A}"/>
-              </a:ext>
-            </a:extLst>
-          </p:cNvPr>
-          <p:cNvSpPr/>
+            <a:r>
+              <a:rPr lang="en-CA" sz="3200" dirty="0"/>
+              <a:t>AIRE</a:t>
+            </a:r>
+          </a:p>
+        </p:txBody>
+      </p:sp>
+      <p:pic>
+        <p:nvPicPr>
+          <p:cNvPr id="4" name="Picture 3">
+            <a:extLst>
+              <a:ext uri="{FF2B5EF4-FFF2-40B4-BE49-F238E27FC236}">
+                <a16:creationId xmlns:a16="http://schemas.microsoft.com/office/drawing/2014/main" id="{8C69E1A0-3897-1CDA-C86E-4CBF6FE7671F}"/>
+              </a:ext>
+            </a:extLst>
+          </p:cNvPr>
+          <p:cNvPicPr>
+            <a:picLocks noChangeAspect="1"/>
+          </p:cNvPicPr>
           <p:nvPr/>
-        </p:nvSpPr>
-        <p:spPr>
-          <a:xfrm>
-            <a:off x="3233853" y="5122127"/>
-            <a:ext cx="892098" cy="229450"/>
+        </p:nvPicPr>
+        <p:blipFill>
+          <a:blip r:embed="rId2"/>
+          <a:stretch>
+            <a:fillRect/>
+          </a:stretch>
+        </p:blipFill>
+        <p:spPr>
+          <a:xfrm>
+            <a:off x="8778424" y="2815435"/>
+            <a:ext cx="2908449" cy="3568883"/>
           </a:xfrm>
           <a:prstGeom prst="rect">
             <a:avLst/>
           </a:prstGeom>
-          <a:noFill/>
-          <a:ln w="38100">
+          <a:ln>
             <a:solidFill>
-              <a:schemeClr val="accent6">
-                <a:lumMod val="75000"/>
-              </a:schemeClr>
+              <a:schemeClr val="tx1"/>
             </a:solidFill>
           </a:ln>
         </p:spPr>
-        <p:style>
-          <a:lnRef idx="2">
-            <a:schemeClr val="accent1">
-              <a:shade val="50000"/>
-            </a:schemeClr>
-          </a:lnRef>
-          <a:fillRef idx="1">
-            <a:schemeClr val="accent1"/>
-          </a:fillRef>
-          <a:effectRef idx="0">
-            <a:schemeClr val="accent1"/>
-          </a:effectRef>
-          <a:fontRef idx="minor">
-            <a:schemeClr val="lt1"/>
-          </a:fontRef>
-        </p:style>
-        <p:txBody>
-          <a:bodyPr rtlCol="0" anchor="ctr"/>
-          <a:lstStyle/>
-          <a:p>
-            <a:pPr algn="ctr"/>
-            <a:endParaRPr lang="en-CA"/>
-          </a:p>
-        </p:txBody>
-      </p:sp>
-      <p:sp>
-        <p:nvSpPr>
-          <p:cNvPr id="10" name="Rectangle 9">
-            <a:extLst>
-              <a:ext uri="{FF2B5EF4-FFF2-40B4-BE49-F238E27FC236}">
-                <a16:creationId xmlns:a16="http://schemas.microsoft.com/office/drawing/2014/main" id="{AF9A7DB3-DEA4-495B-8E8A-9100B0B11D7C}"/>
-              </a:ext>
-            </a:extLst>
-          </p:cNvPr>
-          <p:cNvSpPr/>
+      </p:pic>
+      <p:pic>
+        <p:nvPicPr>
+          <p:cNvPr id="6" name="Picture 5">
+            <a:extLst>
+              <a:ext uri="{FF2B5EF4-FFF2-40B4-BE49-F238E27FC236}">
+                <a16:creationId xmlns:a16="http://schemas.microsoft.com/office/drawing/2014/main" id="{F1A1D6F9-19B0-93A9-9392-3B72F2DDA300}"/>
+              </a:ext>
+            </a:extLst>
+          </p:cNvPr>
+          <p:cNvPicPr>
+            <a:picLocks noChangeAspect="1"/>
+          </p:cNvPicPr>
           <p:nvPr/>
-        </p:nvSpPr>
-        <p:spPr>
-          <a:xfrm>
-            <a:off x="4125951" y="5122127"/>
-            <a:ext cx="892098" cy="229450"/>
+        </p:nvPicPr>
+        <p:blipFill>
+          <a:blip r:embed="rId3"/>
+          <a:stretch>
+            <a:fillRect/>
+          </a:stretch>
+        </p:blipFill>
+        <p:spPr>
+          <a:xfrm>
+            <a:off x="261737" y="3152390"/>
+            <a:ext cx="2415151" cy="2536436"/>
           </a:xfrm>
           <a:prstGeom prst="rect">
             <a:avLst/>
           </a:prstGeom>
-          <a:noFill/>
-          <a:ln w="38100">
+          <a:ln>
             <a:solidFill>
-              <a:schemeClr val="accent6">
-                <a:lumMod val="75000"/>
-              </a:schemeClr>
+              <a:schemeClr val="tx1"/>
             </a:solidFill>
           </a:ln>
         </p:spPr>
-        <p:style>
-          <a:lnRef idx="2">
-            <a:schemeClr val="accent1">
-              <a:shade val="50000"/>
-            </a:schemeClr>
-          </a:lnRef>
-          <a:fillRef idx="1">
-            <a:schemeClr val="accent1"/>
-          </a:fillRef>
-          <a:effectRef idx="0">
-            <a:schemeClr val="accent1"/>
-          </a:effectRef>
-          <a:fontRef idx="minor">
-            <a:schemeClr val="lt1"/>
-          </a:fontRef>
-        </p:style>
-        <p:txBody>
-          <a:bodyPr rtlCol="0" anchor="ctr"/>
-          <a:lstStyle/>
-          <a:p>
-            <a:pPr algn="ctr"/>
-            <a:endParaRPr lang="en-CA"/>
-          </a:p>
-        </p:txBody>
-      </p:sp>
-      <p:sp>
-        <p:nvSpPr>
-          <p:cNvPr id="11" name="Rectangle 10">
-            <a:extLst>
-              <a:ext uri="{FF2B5EF4-FFF2-40B4-BE49-F238E27FC236}">
-                <a16:creationId xmlns:a16="http://schemas.microsoft.com/office/drawing/2014/main" id="{3CAE4ABC-BC23-4A3B-ACFB-34F95A0B69B9}"/>
-              </a:ext>
-            </a:extLst>
-          </p:cNvPr>
-          <p:cNvSpPr/>
+      </p:pic>
+      <p:pic>
+        <p:nvPicPr>
+          <p:cNvPr id="9" name="Picture 8">
+            <a:extLst>
+              <a:ext uri="{FF2B5EF4-FFF2-40B4-BE49-F238E27FC236}">
+                <a16:creationId xmlns:a16="http://schemas.microsoft.com/office/drawing/2014/main" id="{93C1A6A0-5198-EFE0-076E-116B2CB04EDB}"/>
+              </a:ext>
+            </a:extLst>
+          </p:cNvPr>
+          <p:cNvPicPr>
+            <a:picLocks noChangeAspect="1"/>
+          </p:cNvPicPr>
           <p:nvPr/>
-        </p:nvSpPr>
-        <p:spPr>
-          <a:xfrm>
-            <a:off x="5333232" y="5122127"/>
-            <a:ext cx="892098" cy="229450"/>
+        </p:nvPicPr>
+        <p:blipFill>
+          <a:blip r:embed="rId4"/>
+          <a:stretch>
+            <a:fillRect/>
+          </a:stretch>
+        </p:blipFill>
+        <p:spPr>
+          <a:xfrm>
+            <a:off x="2885216" y="2619198"/>
+            <a:ext cx="3398618" cy="1619604"/>
           </a:xfrm>
           <a:prstGeom prst="rect">
             <a:avLst/>
           </a:prstGeom>
-          <a:noFill/>
-          <a:ln w="38100">
+          <a:ln>
             <a:solidFill>
-              <a:schemeClr val="accent6">
-                <a:lumMod val="75000"/>
-              </a:schemeClr>
+              <a:schemeClr val="tx1"/>
             </a:solidFill>
           </a:ln>
         </p:spPr>
-        <p:style>
-          <a:lnRef idx="2">
-            <a:schemeClr val="accent1">
-              <a:shade val="50000"/>
-            </a:schemeClr>
-          </a:lnRef>
-          <a:fillRef idx="1">
-            <a:schemeClr val="accent1"/>
-          </a:fillRef>
-          <a:effectRef idx="0">
-            <a:schemeClr val="accent1"/>
-          </a:effectRef>
-          <a:fontRef idx="minor">
-            <a:schemeClr val="lt1"/>
-          </a:fontRef>
-        </p:style>
-        <p:txBody>
-          <a:bodyPr rtlCol="0" anchor="ctr"/>
-          <a:lstStyle/>
-          <a:p>
-            <a:pPr algn="ctr"/>
-            <a:endParaRPr lang="en-CA"/>
-          </a:p>
-        </p:txBody>
-      </p:sp>
-      <p:sp>
-        <p:nvSpPr>
-          <p:cNvPr id="12" name="Rectangle 11">
-            <a:extLst>
-              <a:ext uri="{FF2B5EF4-FFF2-40B4-BE49-F238E27FC236}">
-                <a16:creationId xmlns:a16="http://schemas.microsoft.com/office/drawing/2014/main" id="{771501DD-1653-48FF-A004-2A8362F089BE}"/>
-              </a:ext>
-            </a:extLst>
-          </p:cNvPr>
-          <p:cNvSpPr/>
+      </p:pic>
+      <p:pic>
+        <p:nvPicPr>
+          <p:cNvPr id="13" name="Picture 12">
+            <a:extLst>
+              <a:ext uri="{FF2B5EF4-FFF2-40B4-BE49-F238E27FC236}">
+                <a16:creationId xmlns:a16="http://schemas.microsoft.com/office/drawing/2014/main" id="{011210EF-37EF-A0B4-0451-BD2582CA88A8}"/>
+              </a:ext>
+            </a:extLst>
+          </p:cNvPr>
+          <p:cNvPicPr>
+            <a:picLocks noChangeAspect="1"/>
+          </p:cNvPicPr>
           <p:nvPr/>
-        </p:nvSpPr>
-        <p:spPr>
-          <a:xfrm>
-            <a:off x="6388880" y="5122127"/>
-            <a:ext cx="892098" cy="229450"/>
+        </p:nvPicPr>
+        <p:blipFill>
+          <a:blip r:embed="rId5"/>
+          <a:stretch>
+            <a:fillRect/>
+          </a:stretch>
+        </p:blipFill>
+        <p:spPr>
+          <a:xfrm>
+            <a:off x="2833134" y="5028777"/>
+            <a:ext cx="3908064" cy="1486732"/>
           </a:xfrm>
           <a:prstGeom prst="rect">
             <a:avLst/>
           </a:prstGeom>
-          <a:noFill/>
-          <a:ln w="38100">
+          <a:ln>
             <a:solidFill>
-              <a:schemeClr val="accent6">
-                <a:lumMod val="75000"/>
-              </a:schemeClr>
+              <a:schemeClr val="tx1"/>
             </a:solidFill>
           </a:ln>
         </p:spPr>
-        <p:style>
-          <a:lnRef idx="2">
-            <a:schemeClr val="accent1">
-              <a:shade val="50000"/>
-            </a:schemeClr>
-          </a:lnRef>
-          <a:fillRef idx="1">
-            <a:schemeClr val="accent1"/>
-          </a:fillRef>
-          <a:effectRef idx="0">
-            <a:schemeClr val="accent1"/>
-          </a:effectRef>
-          <a:fontRef idx="minor">
-            <a:schemeClr val="lt1"/>
-          </a:fontRef>
-        </p:style>
-        <p:txBody>
-          <a:bodyPr rtlCol="0" anchor="ctr"/>
-          <a:lstStyle/>
-          <a:p>
-            <a:pPr algn="ctr"/>
-            <a:endParaRPr lang="en-CA"/>
-          </a:p>
-        </p:txBody>
-      </p:sp>
-      <p:sp>
-        <p:nvSpPr>
-          <p:cNvPr id="13" name="Rectangle 12">
-            <a:extLst>
-              <a:ext uri="{FF2B5EF4-FFF2-40B4-BE49-F238E27FC236}">
-                <a16:creationId xmlns:a16="http://schemas.microsoft.com/office/drawing/2014/main" id="{FD5B9D98-CCC4-4C2D-AAFB-4BFFE80EA656}"/>
-              </a:ext>
-            </a:extLst>
-          </p:cNvPr>
-          <p:cNvSpPr/>
+      </p:pic>
+      <p:sp>
+        <p:nvSpPr>
+          <p:cNvPr id="15" name="TextBox 14">
+            <a:extLst>
+              <a:ext uri="{FF2B5EF4-FFF2-40B4-BE49-F238E27FC236}">
+                <a16:creationId xmlns:a16="http://schemas.microsoft.com/office/drawing/2014/main" id="{11A50A6D-2A17-4BEB-05C4-91F9A897DCAF}"/>
+              </a:ext>
+            </a:extLst>
+          </p:cNvPr>
+          <p:cNvSpPr txBox="1"/>
           <p:nvPr/>
         </p:nvSpPr>
         <p:spPr>
           <a:xfrm>
-            <a:off x="5333232" y="5831236"/>
-            <a:ext cx="892098" cy="229450"/>
+            <a:off x="591732" y="2423823"/>
+            <a:ext cx="1722010" cy="369332"/>
           </a:xfrm>
           <a:prstGeom prst="rect">
             <a:avLst/>
           </a:prstGeom>
-          <a:noFill/>
-          <a:ln w="38100">
-            <a:solidFill>
-              <a:schemeClr val="accent6">
-                <a:lumMod val="75000"/>
-              </a:schemeClr>
-            </a:solidFill>
-          </a:ln>
-        </p:spPr>
-        <p:style>
-          <a:lnRef idx="2">
-            <a:schemeClr val="accent1">
-              <a:shade val="50000"/>
-            </a:schemeClr>
-          </a:lnRef>
-          <a:fillRef idx="1">
-            <a:schemeClr val="accent1"/>
-          </a:fillRef>
-          <a:effectRef idx="0">
-            <a:schemeClr val="accent1"/>
-          </a:effectRef>
-          <a:fontRef idx="minor">
-            <a:schemeClr val="lt1"/>
-          </a:fontRef>
-        </p:style>
-        <p:txBody>
-          <a:bodyPr rtlCol="0" anchor="ctr"/>
-          <a:lstStyle/>
-          <a:p>
-            <a:pPr algn="ctr"/>
-            <a:endParaRPr lang="en-CA"/>
-          </a:p>
-        </p:txBody>
-      </p:sp>
-      <p:sp>
-        <p:nvSpPr>
-          <p:cNvPr id="14" name="Rectangle 13">
-            <a:extLst>
-              <a:ext uri="{FF2B5EF4-FFF2-40B4-BE49-F238E27FC236}">
-                <a16:creationId xmlns:a16="http://schemas.microsoft.com/office/drawing/2014/main" id="{EC139B17-E567-4EE9-A142-1A7252260C7F}"/>
-              </a:ext>
-            </a:extLst>
-          </p:cNvPr>
-          <p:cNvSpPr/>
-          <p:nvPr/>
-        </p:nvSpPr>
-        <p:spPr>
-          <a:xfrm>
-            <a:off x="4137102" y="5831236"/>
-            <a:ext cx="892098" cy="229450"/>
-          </a:xfrm>
-          <a:prstGeom prst="rect">
-            <a:avLst/>
-          </a:prstGeom>
-          <a:noFill/>
-          <a:ln w="38100">
-            <a:solidFill>
-              <a:schemeClr val="accent6">
-                <a:lumMod val="75000"/>
-              </a:schemeClr>
-            </a:solidFill>
-          </a:ln>
-        </p:spPr>
-        <p:style>
-          <a:lnRef idx="2">
-            <a:schemeClr val="accent1">
-              <a:shade val="50000"/>
-            </a:schemeClr>
-          </a:lnRef>
-          <a:fillRef idx="1">
-            <a:schemeClr val="accent1"/>
-          </a:fillRef>
-          <a:effectRef idx="0">
-            <a:schemeClr val="accent1"/>
-          </a:effectRef>
-          <a:fontRef idx="minor">
-            <a:schemeClr val="lt1"/>
-          </a:fontRef>
-        </p:style>
-        <p:txBody>
-          <a:bodyPr rtlCol="0" anchor="ctr"/>
-          <a:lstStyle/>
-          <a:p>
-            <a:pPr algn="ctr"/>
-            <a:endParaRPr lang="en-CA"/>
-          </a:p>
-        </p:txBody>
-      </p:sp>
-      <p:sp>
-        <p:nvSpPr>
-          <p:cNvPr id="15" name="Rectangle 14">
-            <a:extLst>
-              <a:ext uri="{FF2B5EF4-FFF2-40B4-BE49-F238E27FC236}">
-                <a16:creationId xmlns:a16="http://schemas.microsoft.com/office/drawing/2014/main" id="{937BC898-647D-46F7-A1F8-1EFD722FEBEA}"/>
-              </a:ext>
-            </a:extLst>
-          </p:cNvPr>
-          <p:cNvSpPr/>
-          <p:nvPr/>
-        </p:nvSpPr>
-        <p:spPr>
-          <a:xfrm>
-            <a:off x="3225957" y="5831236"/>
-            <a:ext cx="892098" cy="229450"/>
-          </a:xfrm>
-          <a:prstGeom prst="rect">
-            <a:avLst/>
-          </a:prstGeom>
-          <a:noFill/>
-          <a:ln w="38100">
-            <a:solidFill>
-              <a:schemeClr val="accent6">
-                <a:lumMod val="75000"/>
-              </a:schemeClr>
-            </a:solidFill>
-          </a:ln>
-        </p:spPr>
-        <p:style>
-          <a:lnRef idx="2">
-            <a:schemeClr val="accent1">
-              <a:shade val="50000"/>
-            </a:schemeClr>
-          </a:lnRef>
-          <a:fillRef idx="1">
-            <a:schemeClr val="accent1"/>
-          </a:fillRef>
-          <a:effectRef idx="0">
-            <a:schemeClr val="accent1"/>
-          </a:effectRef>
-          <a:fontRef idx="minor">
-            <a:schemeClr val="lt1"/>
-          </a:fontRef>
-        </p:style>
-        <p:txBody>
-          <a:bodyPr rtlCol="0" anchor="ctr"/>
-          <a:lstStyle/>
-          <a:p>
-            <a:pPr algn="ctr"/>
-            <a:endParaRPr lang="en-CA"/>
-          </a:p>
-        </p:txBody>
-      </p:sp>
-      <p:sp>
-        <p:nvSpPr>
-          <p:cNvPr id="16" name="Rectangle 15">
-            <a:extLst>
-              <a:ext uri="{FF2B5EF4-FFF2-40B4-BE49-F238E27FC236}">
-                <a16:creationId xmlns:a16="http://schemas.microsoft.com/office/drawing/2014/main" id="{5988A41E-7AD7-417B-9042-A72256936D12}"/>
-              </a:ext>
-            </a:extLst>
-          </p:cNvPr>
-          <p:cNvSpPr/>
-          <p:nvPr/>
-        </p:nvSpPr>
-        <p:spPr>
-          <a:xfrm>
-            <a:off x="6388880" y="5831236"/>
-            <a:ext cx="892098" cy="229450"/>
-          </a:xfrm>
-          <a:prstGeom prst="rect">
-            <a:avLst/>
-          </a:prstGeom>
-          <a:noFill/>
-          <a:ln w="38100">
-            <a:solidFill>
-              <a:schemeClr val="accent6">
-                <a:lumMod val="75000"/>
-              </a:schemeClr>
-            </a:solidFill>
-          </a:ln>
-        </p:spPr>
-        <p:style>
-          <a:lnRef idx="2">
-            <a:schemeClr val="accent1">
-              <a:shade val="50000"/>
-            </a:schemeClr>
-          </a:lnRef>
-          <a:fillRef idx="1">
-            <a:schemeClr val="accent1"/>
-          </a:fillRef>
-          <a:effectRef idx="0">
-            <a:schemeClr val="accent1"/>
-          </a:effectRef>
-          <a:fontRef idx="minor">
-            <a:schemeClr val="lt1"/>
-          </a:fontRef>
-        </p:style>
-        <p:txBody>
-          <a:bodyPr rtlCol="0" anchor="ctr"/>
-          <a:lstStyle/>
-          <a:p>
-            <a:pPr algn="ctr"/>
-            <a:endParaRPr lang="en-CA"/>
-          </a:p>
-        </p:txBody>
-      </p:sp>
-      <p:sp>
-        <p:nvSpPr>
-          <p:cNvPr id="17" name="TextBox 16">
-            <a:extLst>
-              <a:ext uri="{FF2B5EF4-FFF2-40B4-BE49-F238E27FC236}">
-                <a16:creationId xmlns:a16="http://schemas.microsoft.com/office/drawing/2014/main" id="{7E30ACB9-6CBF-4DEB-ACC6-2A9BED4ACE8D}"/>
-              </a:ext>
-            </a:extLst>
-          </p:cNvPr>
-          <p:cNvSpPr txBox="1"/>
-          <p:nvPr/>
-        </p:nvSpPr>
-        <p:spPr>
-          <a:xfrm>
-            <a:off x="7280978" y="1884556"/>
-            <a:ext cx="4257907" cy="646331"/>
-          </a:xfrm>
-          <a:prstGeom prst="rect">
-            <a:avLst/>
-          </a:prstGeom>
+          <a:ln w="38100"/>
         </p:spPr>
         <p:style>
           <a:lnRef idx="2">
@@ -7932,484 +9425,24 @@
           </a:fontRef>
         </p:style>
         <p:txBody>
-          <a:bodyPr wrap="square" rtlCol="0">
+          <a:bodyPr wrap="none" rtlCol="0">
             <a:spAutoFit/>
           </a:bodyPr>
           <a:lstStyle/>
           <a:p>
             <a:r>
               <a:rPr lang="en-CA" dirty="0"/>
-              <a:t>Text extracted from ‘IIT-EA-Decision Matrix’ and ‘</a:t>
-            </a:r>
-            <a:r>
-              <a:rPr lang="en-CA" dirty="0" err="1"/>
-              <a:t>sample_assessment</a:t>
-            </a:r>
-            <a:r>
-              <a:rPr lang="en-CA" dirty="0"/>
-              <a:t>’ is inserted here</a:t>
-            </a:r>
-          </a:p>
-        </p:txBody>
-      </p:sp>
-      <p:cxnSp>
-        <p:nvCxnSpPr>
-          <p:cNvPr id="19" name="Straight Arrow Connector 18">
-            <a:extLst>
-              <a:ext uri="{FF2B5EF4-FFF2-40B4-BE49-F238E27FC236}">
-                <a16:creationId xmlns:a16="http://schemas.microsoft.com/office/drawing/2014/main" id="{12CE79D3-0824-4D77-AE81-CD1CECC81AC0}"/>
-              </a:ext>
-            </a:extLst>
-          </p:cNvPr>
-          <p:cNvCxnSpPr>
-            <a:endCxn id="7" idx="3"/>
-          </p:cNvCxnSpPr>
-          <p:nvPr/>
-        </p:nvCxnSpPr>
-        <p:spPr>
-          <a:xfrm flipH="1" flipV="1">
-            <a:off x="4125951" y="1999281"/>
-            <a:ext cx="3155027" cy="216095"/>
-          </a:xfrm>
-          <a:prstGeom prst="straightConnector1">
-            <a:avLst/>
-          </a:prstGeom>
-          <a:ln>
-            <a:solidFill>
-              <a:srgbClr val="00B050"/>
-            </a:solidFill>
-            <a:tailEnd type="triangle"/>
-          </a:ln>
-        </p:spPr>
-        <p:style>
-          <a:lnRef idx="1">
-            <a:schemeClr val="accent1"/>
-          </a:lnRef>
-          <a:fillRef idx="0">
-            <a:schemeClr val="accent1"/>
-          </a:fillRef>
-          <a:effectRef idx="0">
-            <a:schemeClr val="accent1"/>
-          </a:effectRef>
-          <a:fontRef idx="minor">
-            <a:schemeClr val="tx1"/>
-          </a:fontRef>
-        </p:style>
-      </p:cxnSp>
-      <p:cxnSp>
-        <p:nvCxnSpPr>
-          <p:cNvPr id="20" name="Straight Arrow Connector 19">
-            <a:extLst>
-              <a:ext uri="{FF2B5EF4-FFF2-40B4-BE49-F238E27FC236}">
-                <a16:creationId xmlns:a16="http://schemas.microsoft.com/office/drawing/2014/main" id="{17B1BBF0-68A5-4F90-ACB0-DA1F518F13F5}"/>
-              </a:ext>
-            </a:extLst>
-          </p:cNvPr>
-          <p:cNvCxnSpPr>
-            <a:cxnSpLocks/>
-            <a:endCxn id="8" idx="3"/>
-          </p:cNvCxnSpPr>
-          <p:nvPr/>
-        </p:nvCxnSpPr>
-        <p:spPr>
-          <a:xfrm flipH="1">
-            <a:off x="4137102" y="2207721"/>
-            <a:ext cx="3143876" cy="122380"/>
-          </a:xfrm>
-          <a:prstGeom prst="straightConnector1">
-            <a:avLst/>
-          </a:prstGeom>
-          <a:ln>
-            <a:solidFill>
-              <a:srgbClr val="00B050"/>
-            </a:solidFill>
-            <a:tailEnd type="triangle"/>
-          </a:ln>
-        </p:spPr>
-        <p:style>
-          <a:lnRef idx="1">
-            <a:schemeClr val="accent1"/>
-          </a:lnRef>
-          <a:fillRef idx="0">
-            <a:schemeClr val="accent1"/>
-          </a:fillRef>
-          <a:effectRef idx="0">
-            <a:schemeClr val="accent1"/>
-          </a:effectRef>
-          <a:fontRef idx="minor">
-            <a:schemeClr val="tx1"/>
-          </a:fontRef>
-        </p:style>
-      </p:cxnSp>
-      <p:cxnSp>
-        <p:nvCxnSpPr>
-          <p:cNvPr id="23" name="Straight Arrow Connector 22">
-            <a:extLst>
-              <a:ext uri="{FF2B5EF4-FFF2-40B4-BE49-F238E27FC236}">
-                <a16:creationId xmlns:a16="http://schemas.microsoft.com/office/drawing/2014/main" id="{EFE5CD33-E522-4145-A312-95D158F78139}"/>
-              </a:ext>
-            </a:extLst>
-          </p:cNvPr>
-          <p:cNvCxnSpPr>
-            <a:cxnSpLocks/>
-          </p:cNvCxnSpPr>
-          <p:nvPr/>
-        </p:nvCxnSpPr>
-        <p:spPr>
-          <a:xfrm flipH="1">
-            <a:off x="3691053" y="2215376"/>
-            <a:ext cx="3589925" cy="2906751"/>
-          </a:xfrm>
-          <a:prstGeom prst="straightConnector1">
-            <a:avLst/>
-          </a:prstGeom>
-          <a:ln>
-            <a:solidFill>
-              <a:srgbClr val="00B050"/>
-            </a:solidFill>
-            <a:tailEnd type="triangle"/>
-          </a:ln>
-        </p:spPr>
-        <p:style>
-          <a:lnRef idx="1">
-            <a:schemeClr val="accent1"/>
-          </a:lnRef>
-          <a:fillRef idx="0">
-            <a:schemeClr val="accent1"/>
-          </a:fillRef>
-          <a:effectRef idx="0">
-            <a:schemeClr val="accent1"/>
-          </a:effectRef>
-          <a:fontRef idx="minor">
-            <a:schemeClr val="tx1"/>
-          </a:fontRef>
-        </p:style>
-      </p:cxnSp>
-      <p:cxnSp>
-        <p:nvCxnSpPr>
-          <p:cNvPr id="26" name="Straight Arrow Connector 25">
-            <a:extLst>
-              <a:ext uri="{FF2B5EF4-FFF2-40B4-BE49-F238E27FC236}">
-                <a16:creationId xmlns:a16="http://schemas.microsoft.com/office/drawing/2014/main" id="{8F6F31B7-8F89-4781-AE40-D071FA2F6B0B}"/>
-              </a:ext>
-            </a:extLst>
-          </p:cNvPr>
-          <p:cNvCxnSpPr>
-            <a:cxnSpLocks/>
-            <a:stCxn id="17" idx="1"/>
-            <a:endCxn id="10" idx="0"/>
-          </p:cNvCxnSpPr>
-          <p:nvPr/>
-        </p:nvCxnSpPr>
-        <p:spPr>
-          <a:xfrm flipH="1">
-            <a:off x="4572000" y="2207722"/>
-            <a:ext cx="2708978" cy="2914405"/>
-          </a:xfrm>
-          <a:prstGeom prst="straightConnector1">
-            <a:avLst/>
-          </a:prstGeom>
-          <a:ln>
-            <a:solidFill>
-              <a:srgbClr val="00B050"/>
-            </a:solidFill>
-            <a:tailEnd type="triangle"/>
-          </a:ln>
-        </p:spPr>
-        <p:style>
-          <a:lnRef idx="1">
-            <a:schemeClr val="accent1"/>
-          </a:lnRef>
-          <a:fillRef idx="0">
-            <a:schemeClr val="accent1"/>
-          </a:fillRef>
-          <a:effectRef idx="0">
-            <a:schemeClr val="accent1"/>
-          </a:effectRef>
-          <a:fontRef idx="minor">
-            <a:schemeClr val="tx1"/>
-          </a:fontRef>
-        </p:style>
-      </p:cxnSp>
-      <p:cxnSp>
-        <p:nvCxnSpPr>
-          <p:cNvPr id="29" name="Straight Arrow Connector 28">
-            <a:extLst>
-              <a:ext uri="{FF2B5EF4-FFF2-40B4-BE49-F238E27FC236}">
-                <a16:creationId xmlns:a16="http://schemas.microsoft.com/office/drawing/2014/main" id="{18D6412A-FB0F-4EF5-99DB-DBE2A0140C32}"/>
-              </a:ext>
-            </a:extLst>
-          </p:cNvPr>
-          <p:cNvCxnSpPr>
-            <a:cxnSpLocks/>
-            <a:stCxn id="17" idx="1"/>
-            <a:endCxn id="11" idx="0"/>
-          </p:cNvCxnSpPr>
-          <p:nvPr/>
-        </p:nvCxnSpPr>
-        <p:spPr>
-          <a:xfrm flipH="1">
-            <a:off x="5779281" y="2207722"/>
-            <a:ext cx="1501697" cy="2914405"/>
-          </a:xfrm>
-          <a:prstGeom prst="straightConnector1">
-            <a:avLst/>
-          </a:prstGeom>
-          <a:ln>
-            <a:solidFill>
-              <a:srgbClr val="00B050"/>
-            </a:solidFill>
-            <a:tailEnd type="triangle"/>
-          </a:ln>
-        </p:spPr>
-        <p:style>
-          <a:lnRef idx="1">
-            <a:schemeClr val="accent1"/>
-          </a:lnRef>
-          <a:fillRef idx="0">
-            <a:schemeClr val="accent1"/>
-          </a:fillRef>
-          <a:effectRef idx="0">
-            <a:schemeClr val="accent1"/>
-          </a:effectRef>
-          <a:fontRef idx="minor">
-            <a:schemeClr val="tx1"/>
-          </a:fontRef>
-        </p:style>
-      </p:cxnSp>
-      <p:cxnSp>
-        <p:nvCxnSpPr>
-          <p:cNvPr id="32" name="Straight Arrow Connector 31">
-            <a:extLst>
-              <a:ext uri="{FF2B5EF4-FFF2-40B4-BE49-F238E27FC236}">
-                <a16:creationId xmlns:a16="http://schemas.microsoft.com/office/drawing/2014/main" id="{4C4ECF2C-C881-4396-B819-1360E4AA522E}"/>
-              </a:ext>
-            </a:extLst>
-          </p:cNvPr>
-          <p:cNvCxnSpPr>
-            <a:cxnSpLocks/>
-          </p:cNvCxnSpPr>
-          <p:nvPr/>
-        </p:nvCxnSpPr>
-        <p:spPr>
-          <a:xfrm flipH="1">
-            <a:off x="6846080" y="2249878"/>
-            <a:ext cx="434898" cy="2833266"/>
-          </a:xfrm>
-          <a:prstGeom prst="straightConnector1">
-            <a:avLst/>
-          </a:prstGeom>
-          <a:ln>
-            <a:solidFill>
-              <a:srgbClr val="00B050"/>
-            </a:solidFill>
-            <a:tailEnd type="triangle"/>
-          </a:ln>
-        </p:spPr>
-        <p:style>
-          <a:lnRef idx="1">
-            <a:schemeClr val="accent1"/>
-          </a:lnRef>
-          <a:fillRef idx="0">
-            <a:schemeClr val="accent1"/>
-          </a:fillRef>
-          <a:effectRef idx="0">
-            <a:schemeClr val="accent1"/>
-          </a:effectRef>
-          <a:fontRef idx="minor">
-            <a:schemeClr val="tx1"/>
-          </a:fontRef>
-        </p:style>
-      </p:cxnSp>
-      <p:cxnSp>
-        <p:nvCxnSpPr>
-          <p:cNvPr id="35" name="Straight Arrow Connector 34">
-            <a:extLst>
-              <a:ext uri="{FF2B5EF4-FFF2-40B4-BE49-F238E27FC236}">
-                <a16:creationId xmlns:a16="http://schemas.microsoft.com/office/drawing/2014/main" id="{692CD4C2-DDF6-4D03-BDA8-525F713DE63B}"/>
-              </a:ext>
-            </a:extLst>
-          </p:cNvPr>
-          <p:cNvCxnSpPr>
-            <a:cxnSpLocks/>
-            <a:stCxn id="17" idx="1"/>
-            <a:endCxn id="16" idx="0"/>
-          </p:cNvCxnSpPr>
-          <p:nvPr/>
-        </p:nvCxnSpPr>
-        <p:spPr>
-          <a:xfrm flipH="1">
-            <a:off x="6834929" y="2207722"/>
-            <a:ext cx="446049" cy="3623514"/>
-          </a:xfrm>
-          <a:prstGeom prst="straightConnector1">
-            <a:avLst/>
-          </a:prstGeom>
-          <a:ln>
-            <a:solidFill>
-              <a:srgbClr val="00B050"/>
-            </a:solidFill>
-            <a:tailEnd type="triangle"/>
-          </a:ln>
-        </p:spPr>
-        <p:style>
-          <a:lnRef idx="1">
-            <a:schemeClr val="accent1"/>
-          </a:lnRef>
-          <a:fillRef idx="0">
-            <a:schemeClr val="accent1"/>
-          </a:fillRef>
-          <a:effectRef idx="0">
-            <a:schemeClr val="accent1"/>
-          </a:effectRef>
-          <a:fontRef idx="minor">
-            <a:schemeClr val="tx1"/>
-          </a:fontRef>
-        </p:style>
-      </p:cxnSp>
-      <p:cxnSp>
-        <p:nvCxnSpPr>
-          <p:cNvPr id="38" name="Straight Arrow Connector 37">
-            <a:extLst>
-              <a:ext uri="{FF2B5EF4-FFF2-40B4-BE49-F238E27FC236}">
-                <a16:creationId xmlns:a16="http://schemas.microsoft.com/office/drawing/2014/main" id="{78BE0F87-7491-4B0E-8A88-C12C79C9658A}"/>
-              </a:ext>
-            </a:extLst>
-          </p:cNvPr>
-          <p:cNvCxnSpPr>
-            <a:cxnSpLocks/>
-            <a:stCxn id="17" idx="1"/>
-          </p:cNvCxnSpPr>
-          <p:nvPr/>
-        </p:nvCxnSpPr>
-        <p:spPr>
-          <a:xfrm flipH="1">
-            <a:off x="5790432" y="2207722"/>
-            <a:ext cx="1490546" cy="3623514"/>
-          </a:xfrm>
-          <a:prstGeom prst="straightConnector1">
-            <a:avLst/>
-          </a:prstGeom>
-          <a:ln>
-            <a:solidFill>
-              <a:srgbClr val="00B050"/>
-            </a:solidFill>
-            <a:tailEnd type="triangle"/>
-          </a:ln>
-        </p:spPr>
-        <p:style>
-          <a:lnRef idx="1">
-            <a:schemeClr val="accent1"/>
-          </a:lnRef>
-          <a:fillRef idx="0">
-            <a:schemeClr val="accent1"/>
-          </a:fillRef>
-          <a:effectRef idx="0">
-            <a:schemeClr val="accent1"/>
-          </a:effectRef>
-          <a:fontRef idx="minor">
-            <a:schemeClr val="tx1"/>
-          </a:fontRef>
-        </p:style>
-      </p:cxnSp>
-      <p:cxnSp>
-        <p:nvCxnSpPr>
-          <p:cNvPr id="41" name="Straight Arrow Connector 40">
-            <a:extLst>
-              <a:ext uri="{FF2B5EF4-FFF2-40B4-BE49-F238E27FC236}">
-                <a16:creationId xmlns:a16="http://schemas.microsoft.com/office/drawing/2014/main" id="{827DC5CF-C73C-41F3-BF27-0CFBB48B9D46}"/>
-              </a:ext>
-            </a:extLst>
-          </p:cNvPr>
-          <p:cNvCxnSpPr>
-            <a:cxnSpLocks/>
-            <a:stCxn id="17" idx="1"/>
-            <a:endCxn id="14" idx="0"/>
-          </p:cNvCxnSpPr>
-          <p:nvPr/>
-        </p:nvCxnSpPr>
-        <p:spPr>
-          <a:xfrm flipH="1">
-            <a:off x="4583151" y="2207722"/>
-            <a:ext cx="2697827" cy="3623514"/>
-          </a:xfrm>
-          <a:prstGeom prst="straightConnector1">
-            <a:avLst/>
-          </a:prstGeom>
-          <a:ln>
-            <a:solidFill>
-              <a:srgbClr val="00B050"/>
-            </a:solidFill>
-            <a:tailEnd type="triangle"/>
-          </a:ln>
-        </p:spPr>
-        <p:style>
-          <a:lnRef idx="1">
-            <a:schemeClr val="accent1"/>
-          </a:lnRef>
-          <a:fillRef idx="0">
-            <a:schemeClr val="accent1"/>
-          </a:fillRef>
-          <a:effectRef idx="0">
-            <a:schemeClr val="accent1"/>
-          </a:effectRef>
-          <a:fontRef idx="minor">
-            <a:schemeClr val="tx1"/>
-          </a:fontRef>
-        </p:style>
-      </p:cxnSp>
-      <p:cxnSp>
-        <p:nvCxnSpPr>
-          <p:cNvPr id="44" name="Straight Arrow Connector 43">
-            <a:extLst>
-              <a:ext uri="{FF2B5EF4-FFF2-40B4-BE49-F238E27FC236}">
-                <a16:creationId xmlns:a16="http://schemas.microsoft.com/office/drawing/2014/main" id="{07BF6EDD-35D7-4FB5-88FC-954D02C19E30}"/>
-              </a:ext>
-            </a:extLst>
-          </p:cNvPr>
-          <p:cNvCxnSpPr>
-            <a:cxnSpLocks/>
-            <a:stCxn id="17" idx="1"/>
-            <a:endCxn id="15" idx="0"/>
-          </p:cNvCxnSpPr>
-          <p:nvPr/>
-        </p:nvCxnSpPr>
-        <p:spPr>
-          <a:xfrm flipH="1">
-            <a:off x="3672006" y="2207722"/>
-            <a:ext cx="3608972" cy="3623514"/>
-          </a:xfrm>
-          <a:prstGeom prst="straightConnector1">
-            <a:avLst/>
-          </a:prstGeom>
-          <a:ln>
-            <a:solidFill>
-              <a:srgbClr val="00B050"/>
-            </a:solidFill>
-            <a:tailEnd type="triangle"/>
-          </a:ln>
-        </p:spPr>
-        <p:style>
-          <a:lnRef idx="1">
-            <a:schemeClr val="accent1"/>
-          </a:lnRef>
-          <a:fillRef idx="0">
-            <a:schemeClr val="accent1"/>
-          </a:fillRef>
-          <a:effectRef idx="0">
-            <a:schemeClr val="accent1"/>
-          </a:effectRef>
-          <a:fontRef idx="minor">
-            <a:schemeClr val="tx1"/>
-          </a:fontRef>
-        </p:style>
-      </p:cxnSp>
-      <p:sp>
-        <p:nvSpPr>
-          <p:cNvPr id="47" name="TextBox 46">
-            <a:extLst>
-              <a:ext uri="{FF2B5EF4-FFF2-40B4-BE49-F238E27FC236}">
-                <a16:creationId xmlns:a16="http://schemas.microsoft.com/office/drawing/2014/main" id="{40B00E32-9ADA-4726-B7ED-B383D8EEC3FA}"/>
+              <a:t>Report template</a:t>
+            </a:r>
+          </a:p>
+        </p:txBody>
+      </p:sp>
+      <p:sp>
+        <p:nvSpPr>
+          <p:cNvPr id="18" name="TextBox 17">
+            <a:extLst>
+              <a:ext uri="{FF2B5EF4-FFF2-40B4-BE49-F238E27FC236}">
+                <a16:creationId xmlns:a16="http://schemas.microsoft.com/office/drawing/2014/main" id="{9A97C4E4-EB8D-3827-8E9D-A82330D4978D}"/>
               </a:ext>
             </a:extLst>
           </p:cNvPr>
@@ -8418,31 +9451,135 @@
         </p:nvSpPr>
         <p:spPr>
           <a:xfrm>
-            <a:off x="838200" y="743500"/>
-            <a:ext cx="10426390" cy="646331"/>
+            <a:off x="4147546" y="2025288"/>
+            <a:ext cx="873957" cy="369332"/>
           </a:xfrm>
           <a:prstGeom prst="rect">
             <a:avLst/>
           </a:prstGeom>
-          <a:noFill/>
-        </p:spPr>
-        <p:txBody>
-          <a:bodyPr wrap="square" rtlCol="0">
+          <a:ln w="38100"/>
+        </p:spPr>
+        <p:style>
+          <a:lnRef idx="2">
+            <a:schemeClr val="dk1"/>
+          </a:lnRef>
+          <a:fillRef idx="1">
+            <a:schemeClr val="lt1"/>
+          </a:fillRef>
+          <a:effectRef idx="0">
+            <a:schemeClr val="dk1"/>
+          </a:effectRef>
+          <a:fontRef idx="minor">
+            <a:schemeClr val="dk1"/>
+          </a:fontRef>
+        </p:style>
+        <p:txBody>
+          <a:bodyPr wrap="none" rtlCol="0">
             <a:spAutoFit/>
           </a:bodyPr>
           <a:lstStyle/>
           <a:p>
             <a:r>
               <a:rPr lang="en-CA" dirty="0"/>
-              <a:t>Architecture Intake Review Engine Report Draft: Base Template. Text extracted from ‘IIT-EA-Decision Matrix’ and ‘</a:t>
-            </a:r>
-            <a:r>
-              <a:rPr lang="en-CA" dirty="0" err="1"/>
-              <a:t>sample_assessment</a:t>
-            </a:r>
+              <a:t>Rubrics</a:t>
+            </a:r>
+          </a:p>
+        </p:txBody>
+      </p:sp>
+      <p:sp>
+        <p:nvSpPr>
+          <p:cNvPr id="26" name="TextBox 25">
+            <a:extLst>
+              <a:ext uri="{FF2B5EF4-FFF2-40B4-BE49-F238E27FC236}">
+                <a16:creationId xmlns:a16="http://schemas.microsoft.com/office/drawing/2014/main" id="{4329570D-ED88-E2C7-99B4-B153A66CCC3A}"/>
+              </a:ext>
+            </a:extLst>
+          </p:cNvPr>
+          <p:cNvSpPr txBox="1"/>
+          <p:nvPr/>
+        </p:nvSpPr>
+        <p:spPr>
+          <a:xfrm>
+            <a:off x="3706945" y="4449123"/>
+            <a:ext cx="2043636" cy="369332"/>
+          </a:xfrm>
+          <a:prstGeom prst="rect">
+            <a:avLst/>
+          </a:prstGeom>
+          <a:ln w="38100"/>
+        </p:spPr>
+        <p:style>
+          <a:lnRef idx="2">
+            <a:schemeClr val="dk1"/>
+          </a:lnRef>
+          <a:fillRef idx="1">
+            <a:schemeClr val="lt1"/>
+          </a:fillRef>
+          <a:effectRef idx="0">
+            <a:schemeClr val="dk1"/>
+          </a:effectRef>
+          <a:fontRef idx="minor">
+            <a:schemeClr val="dk1"/>
+          </a:fontRef>
+        </p:style>
+        <p:txBody>
+          <a:bodyPr wrap="none" rtlCol="0">
+            <a:spAutoFit/>
+          </a:bodyPr>
+          <a:lstStyle/>
+          <a:p>
             <a:r>
               <a:rPr lang="en-CA" dirty="0"/>
-              <a:t>’ is inserted here</a:t>
+              <a:t>Self risk assessment</a:t>
+            </a:r>
+          </a:p>
+        </p:txBody>
+      </p:sp>
+      <p:sp>
+        <p:nvSpPr>
+          <p:cNvPr id="27" name="TextBox 26">
+            <a:extLst>
+              <a:ext uri="{FF2B5EF4-FFF2-40B4-BE49-F238E27FC236}">
+                <a16:creationId xmlns:a16="http://schemas.microsoft.com/office/drawing/2014/main" id="{4D2A97B0-1622-E801-F58E-1832DA6ED0BA}"/>
+              </a:ext>
+            </a:extLst>
+          </p:cNvPr>
+          <p:cNvSpPr txBox="1"/>
+          <p:nvPr/>
+        </p:nvSpPr>
+        <p:spPr>
+          <a:xfrm>
+            <a:off x="9333574" y="2222428"/>
+            <a:ext cx="821828" cy="369332"/>
+          </a:xfrm>
+          <a:prstGeom prst="rect">
+            <a:avLst/>
+          </a:prstGeom>
+          <a:ln w="38100"/>
+        </p:spPr>
+        <p:style>
+          <a:lnRef idx="2">
+            <a:schemeClr val="dk1"/>
+          </a:lnRef>
+          <a:fillRef idx="1">
+            <a:schemeClr val="lt1"/>
+          </a:fillRef>
+          <a:effectRef idx="0">
+            <a:schemeClr val="dk1"/>
+          </a:effectRef>
+          <a:fontRef idx="minor">
+            <a:schemeClr val="dk1"/>
+          </a:fontRef>
+        </p:style>
+        <p:txBody>
+          <a:bodyPr wrap="none" rtlCol="0">
+            <a:spAutoFit/>
+          </a:bodyPr>
+          <a:lstStyle/>
+          <a:p>
+            <a:r>
+              <a:rPr lang="en-CA" dirty="0"/>
+              <a:t>Report</a:t>
             </a:r>
           </a:p>
         </p:txBody>
@@ -8450,7 +9587,7 @@
     </p:spTree>
     <p:extLst>
       <p:ext uri="{BB962C8B-B14F-4D97-AF65-F5344CB8AC3E}">
-        <p14:creationId xmlns:p14="http://schemas.microsoft.com/office/powerpoint/2010/main" val="539960692"/>
+        <p14:creationId xmlns:p14="http://schemas.microsoft.com/office/powerpoint/2010/main" val="3901200130"/>
       </p:ext>
     </p:extLst>
   </p:cSld>
@@ -8482,7 +9619,7 @@
           <p:cNvPr id="2" name="Title 1">
             <a:extLst>
               <a:ext uri="{FF2B5EF4-FFF2-40B4-BE49-F238E27FC236}">
-                <a16:creationId xmlns:a16="http://schemas.microsoft.com/office/drawing/2014/main" id="{72C54A48-4990-4597-8347-A8BBE544B304}"/>
+                <a16:creationId xmlns:a16="http://schemas.microsoft.com/office/drawing/2014/main" id="{EB3C7009-CB5C-45E1-B89A-5F6A582DB2EE}"/>
               </a:ext>
             </a:extLst>
           </p:cNvPr>
@@ -8493,29 +9630,24 @@
             <p:ph type="title"/>
           </p:nvPr>
         </p:nvSpPr>
-        <p:spPr>
-          <a:xfrm>
-            <a:off x="838200" y="248125"/>
-            <a:ext cx="10515600" cy="763331"/>
-          </a:xfrm>
-        </p:spPr>
+        <p:spPr/>
         <p:txBody>
           <a:bodyPr/>
           <a:lstStyle/>
           <a:p>
             <a:r>
               <a:rPr lang="en-CA" dirty="0"/>
-              <a:t>IIT-EA-Decision-Matrix</a:t>
+              <a:t>Input files</a:t>
             </a:r>
           </a:p>
         </p:txBody>
       </p:sp>
       <p:pic>
         <p:nvPicPr>
-          <p:cNvPr id="5" name="Content Placeholder 4" descr="Table&#10;&#10;Description automatically generated with medium confidence">
-            <a:extLst>
-              <a:ext uri="{FF2B5EF4-FFF2-40B4-BE49-F238E27FC236}">
-                <a16:creationId xmlns:a16="http://schemas.microsoft.com/office/drawing/2014/main" id="{5EB02805-F221-4FCA-8429-A3A14D1F24BA}"/>
+          <p:cNvPr id="5" name="Content Placeholder 4" descr="Graphical user interface&#10;&#10;Description automatically generated">
+            <a:extLst>
+              <a:ext uri="{FF2B5EF4-FFF2-40B4-BE49-F238E27FC236}">
+                <a16:creationId xmlns:a16="http://schemas.microsoft.com/office/drawing/2014/main" id="{95114EEE-F1A9-47CD-AF1C-B1DDBB5C3FC9}"/>
               </a:ext>
             </a:extLst>
           </p:cNvPr>
@@ -8540,100 +9672,33 @@
         </p:blipFill>
         <p:spPr>
           <a:xfrm>
-            <a:off x="838200" y="2239557"/>
-            <a:ext cx="5969307" cy="4064209"/>
+            <a:off x="952212" y="4517456"/>
+            <a:ext cx="10510602" cy="2585872"/>
           </a:xfrm>
         </p:spPr>
       </p:pic>
       <p:sp>
         <p:nvSpPr>
-          <p:cNvPr id="6" name="Rectangle 5">
-            <a:extLst>
-              <a:ext uri="{FF2B5EF4-FFF2-40B4-BE49-F238E27FC236}">
-                <a16:creationId xmlns:a16="http://schemas.microsoft.com/office/drawing/2014/main" id="{E770648D-0EAC-437F-936D-9CE15D47CEA7}"/>
-              </a:ext>
-            </a:extLst>
-          </p:cNvPr>
-          <p:cNvSpPr/>
+          <p:cNvPr id="6" name="TextBox 5">
+            <a:extLst>
+              <a:ext uri="{FF2B5EF4-FFF2-40B4-BE49-F238E27FC236}">
+                <a16:creationId xmlns:a16="http://schemas.microsoft.com/office/drawing/2014/main" id="{5E240414-FEFA-4D4B-A29D-B666591AC584}"/>
+              </a:ext>
+            </a:extLst>
+          </p:cNvPr>
+          <p:cNvSpPr txBox="1"/>
           <p:nvPr/>
         </p:nvSpPr>
         <p:spPr>
           <a:xfrm>
-            <a:off x="2744902" y="5968642"/>
-            <a:ext cx="892098" cy="446048"/>
+            <a:off x="882805" y="1878879"/>
+            <a:ext cx="10426390" cy="1754326"/>
           </a:xfrm>
           <a:prstGeom prst="rect">
             <a:avLst/>
           </a:prstGeom>
           <a:noFill/>
-          <a:ln w="38100">
-            <a:solidFill>
-              <a:schemeClr val="accent6">
-                <a:lumMod val="75000"/>
-              </a:schemeClr>
-            </a:solidFill>
-          </a:ln>
-        </p:spPr>
-        <p:style>
-          <a:lnRef idx="2">
-            <a:schemeClr val="accent1">
-              <a:shade val="50000"/>
-            </a:schemeClr>
-          </a:lnRef>
-          <a:fillRef idx="1">
-            <a:schemeClr val="accent1"/>
-          </a:fillRef>
-          <a:effectRef idx="0">
-            <a:schemeClr val="accent1"/>
-          </a:effectRef>
-          <a:fontRef idx="minor">
-            <a:schemeClr val="lt1"/>
-          </a:fontRef>
-        </p:style>
-        <p:txBody>
-          <a:bodyPr rtlCol="0" anchor="ctr"/>
-          <a:lstStyle/>
-          <a:p>
-            <a:pPr algn="ctr"/>
-            <a:endParaRPr lang="en-CA"/>
-          </a:p>
-        </p:txBody>
-      </p:sp>
-      <p:sp>
-        <p:nvSpPr>
-          <p:cNvPr id="7" name="TextBox 6">
-            <a:extLst>
-              <a:ext uri="{FF2B5EF4-FFF2-40B4-BE49-F238E27FC236}">
-                <a16:creationId xmlns:a16="http://schemas.microsoft.com/office/drawing/2014/main" id="{3C32E78B-1132-4853-9971-5BE78175547E}"/>
-              </a:ext>
-            </a:extLst>
-          </p:cNvPr>
-          <p:cNvSpPr txBox="1"/>
-          <p:nvPr/>
-        </p:nvSpPr>
-        <p:spPr>
-          <a:xfrm>
-            <a:off x="2365376" y="6488668"/>
-            <a:ext cx="1651149" cy="369332"/>
-          </a:xfrm>
-          <a:prstGeom prst="rect">
-            <a:avLst/>
-          </a:prstGeom>
-        </p:spPr>
-        <p:style>
-          <a:lnRef idx="2">
-            <a:schemeClr val="dk1"/>
-          </a:lnRef>
-          <a:fillRef idx="1">
-            <a:schemeClr val="lt1"/>
-          </a:fillRef>
-          <a:effectRef idx="0">
-            <a:schemeClr val="dk1"/>
-          </a:effectRef>
-          <a:fontRef idx="minor">
-            <a:schemeClr val="dk1"/>
-          </a:fontRef>
-        </p:style>
+        </p:spPr>
         <p:txBody>
           <a:bodyPr wrap="square" rtlCol="0">
             <a:spAutoFit/>
@@ -8642,379 +9707,57 @@
           <a:p>
             <a:r>
               <a:rPr lang="en-CA" dirty="0"/>
-              <a:t>‘Rubric’ sheet</a:t>
-            </a:r>
-          </a:p>
-        </p:txBody>
-      </p:sp>
-      <p:sp>
-        <p:nvSpPr>
-          <p:cNvPr id="8" name="Rectangle 7">
-            <a:extLst>
-              <a:ext uri="{FF2B5EF4-FFF2-40B4-BE49-F238E27FC236}">
-                <a16:creationId xmlns:a16="http://schemas.microsoft.com/office/drawing/2014/main" id="{8C5FFD64-FC89-4236-A9D8-2B7325C39069}"/>
-              </a:ext>
-            </a:extLst>
-          </p:cNvPr>
-          <p:cNvSpPr/>
-          <p:nvPr/>
-        </p:nvSpPr>
-        <p:spPr>
-          <a:xfrm>
-            <a:off x="2599937" y="2367108"/>
-            <a:ext cx="4207570" cy="446048"/>
-          </a:xfrm>
-          <a:prstGeom prst="rect">
-            <a:avLst/>
-          </a:prstGeom>
-          <a:noFill/>
-          <a:ln w="38100">
-            <a:solidFill>
-              <a:schemeClr val="accent6">
-                <a:lumMod val="75000"/>
-              </a:schemeClr>
-            </a:solidFill>
-          </a:ln>
-        </p:spPr>
-        <p:style>
-          <a:lnRef idx="2">
-            <a:schemeClr val="accent1">
-              <a:shade val="50000"/>
-            </a:schemeClr>
-          </a:lnRef>
-          <a:fillRef idx="1">
-            <a:schemeClr val="accent1"/>
-          </a:fillRef>
-          <a:effectRef idx="0">
-            <a:schemeClr val="accent1"/>
-          </a:effectRef>
-          <a:fontRef idx="minor">
-            <a:schemeClr val="lt1"/>
-          </a:fontRef>
-        </p:style>
-        <p:txBody>
-          <a:bodyPr rtlCol="0" anchor="ctr"/>
-          <a:lstStyle/>
-          <a:p>
-            <a:pPr algn="ctr"/>
+              <a:t>Directory: data/input/pre_agp0</a:t>
+            </a:r>
+          </a:p>
+          <a:p>
+            <a:pPr marL="342900" indent="-342900">
+              <a:buFont typeface="+mj-lt"/>
+              <a:buAutoNum type="arabicPeriod"/>
+            </a:pPr>
+            <a:r>
+              <a:rPr lang="en-CA" b="1" dirty="0"/>
+              <a:t>Architecture Intake Review Engine Report Draft</a:t>
+            </a:r>
             <a:r>
               <a:rPr lang="en-CA" dirty="0"/>
-              <a:t>v</a:t>
-            </a:r>
-          </a:p>
-        </p:txBody>
-      </p:sp>
-      <p:sp>
-        <p:nvSpPr>
-          <p:cNvPr id="9" name="Rectangle 8">
-            <a:extLst>
-              <a:ext uri="{FF2B5EF4-FFF2-40B4-BE49-F238E27FC236}">
-                <a16:creationId xmlns:a16="http://schemas.microsoft.com/office/drawing/2014/main" id="{11C8F5FB-127B-4FDF-9053-4DF0B7C1CACD}"/>
-              </a:ext>
-            </a:extLst>
-          </p:cNvPr>
-          <p:cNvSpPr/>
-          <p:nvPr/>
-        </p:nvSpPr>
-        <p:spPr>
-          <a:xfrm>
-            <a:off x="2599937" y="3889389"/>
-            <a:ext cx="4207570" cy="696192"/>
-          </a:xfrm>
-          <a:prstGeom prst="rect">
-            <a:avLst/>
-          </a:prstGeom>
-          <a:noFill/>
-          <a:ln w="38100">
-            <a:solidFill>
-              <a:schemeClr val="accent6">
-                <a:lumMod val="75000"/>
-              </a:schemeClr>
-            </a:solidFill>
-          </a:ln>
-        </p:spPr>
-        <p:style>
-          <a:lnRef idx="2">
-            <a:schemeClr val="accent1">
-              <a:shade val="50000"/>
-            </a:schemeClr>
-          </a:lnRef>
-          <a:fillRef idx="1">
-            <a:schemeClr val="accent1"/>
-          </a:fillRef>
-          <a:effectRef idx="0">
-            <a:schemeClr val="accent1"/>
-          </a:effectRef>
-          <a:fontRef idx="minor">
-            <a:schemeClr val="lt1"/>
-          </a:fontRef>
-        </p:style>
-        <p:txBody>
-          <a:bodyPr rtlCol="0" anchor="ctr"/>
-          <a:lstStyle/>
-          <a:p>
-            <a:pPr algn="ctr"/>
-            <a:endParaRPr lang="en-CA"/>
-          </a:p>
-        </p:txBody>
-      </p:sp>
-      <p:sp>
-        <p:nvSpPr>
-          <p:cNvPr id="10" name="Rectangle 9">
-            <a:extLst>
-              <a:ext uri="{FF2B5EF4-FFF2-40B4-BE49-F238E27FC236}">
-                <a16:creationId xmlns:a16="http://schemas.microsoft.com/office/drawing/2014/main" id="{59FBF5D6-69FE-4F8E-BAE3-6BCFE0766D9F}"/>
-              </a:ext>
-            </a:extLst>
-          </p:cNvPr>
-          <p:cNvSpPr/>
-          <p:nvPr/>
-        </p:nvSpPr>
-        <p:spPr>
-          <a:xfrm>
-            <a:off x="2599937" y="5448616"/>
-            <a:ext cx="4207570" cy="446048"/>
-          </a:xfrm>
-          <a:prstGeom prst="rect">
-            <a:avLst/>
-          </a:prstGeom>
-          <a:noFill/>
-          <a:ln w="38100">
-            <a:solidFill>
-              <a:schemeClr val="accent6">
-                <a:lumMod val="75000"/>
-              </a:schemeClr>
-            </a:solidFill>
-          </a:ln>
-        </p:spPr>
-        <p:style>
-          <a:lnRef idx="2">
-            <a:schemeClr val="accent1">
-              <a:shade val="50000"/>
-            </a:schemeClr>
-          </a:lnRef>
-          <a:fillRef idx="1">
-            <a:schemeClr val="accent1"/>
-          </a:fillRef>
-          <a:effectRef idx="0">
-            <a:schemeClr val="accent1"/>
-          </a:effectRef>
-          <a:fontRef idx="minor">
-            <a:schemeClr val="lt1"/>
-          </a:fontRef>
-        </p:style>
-        <p:txBody>
-          <a:bodyPr rtlCol="0" anchor="ctr"/>
-          <a:lstStyle/>
-          <a:p>
-            <a:pPr algn="ctr"/>
-            <a:endParaRPr lang="en-CA"/>
-          </a:p>
-        </p:txBody>
-      </p:sp>
-      <p:sp>
-        <p:nvSpPr>
-          <p:cNvPr id="11" name="TextBox 10">
-            <a:extLst>
-              <a:ext uri="{FF2B5EF4-FFF2-40B4-BE49-F238E27FC236}">
-                <a16:creationId xmlns:a16="http://schemas.microsoft.com/office/drawing/2014/main" id="{AF99F952-9650-4450-A7B7-76EA2310B015}"/>
-              </a:ext>
-            </a:extLst>
-          </p:cNvPr>
-          <p:cNvSpPr txBox="1"/>
-          <p:nvPr/>
-        </p:nvSpPr>
-        <p:spPr>
-          <a:xfrm>
-            <a:off x="7265499" y="2367108"/>
-            <a:ext cx="4653128" cy="646331"/>
-          </a:xfrm>
-          <a:prstGeom prst="rect">
-            <a:avLst/>
-          </a:prstGeom>
-        </p:spPr>
-        <p:style>
-          <a:lnRef idx="2">
-            <a:schemeClr val="dk1"/>
-          </a:lnRef>
-          <a:fillRef idx="1">
-            <a:schemeClr val="lt1"/>
-          </a:fillRef>
-          <a:effectRef idx="0">
-            <a:schemeClr val="dk1"/>
-          </a:effectRef>
-          <a:fontRef idx="minor">
-            <a:schemeClr val="dk1"/>
-          </a:fontRef>
-        </p:style>
-        <p:txBody>
-          <a:bodyPr wrap="square" rtlCol="0">
-            <a:spAutoFit/>
-          </a:bodyPr>
-          <a:lstStyle/>
-          <a:p>
+              <a:t>: Base Template. Text extracted from ‘IIT-EA-Decision Matrix’ and ‘</a:t>
+            </a:r>
+            <a:r>
+              <a:rPr lang="en-CA" dirty="0" err="1"/>
+              <a:t>sample_assessment</a:t>
+            </a:r>
             <a:r>
               <a:rPr lang="en-CA" dirty="0"/>
-              <a:t>Rubric rationale for Business Scope attribute’s low risk rating</a:t>
-            </a:r>
-          </a:p>
-        </p:txBody>
-      </p:sp>
-      <p:sp>
-        <p:nvSpPr>
-          <p:cNvPr id="12" name="TextBox 11">
-            <a:extLst>
-              <a:ext uri="{FF2B5EF4-FFF2-40B4-BE49-F238E27FC236}">
-                <a16:creationId xmlns:a16="http://schemas.microsoft.com/office/drawing/2014/main" id="{36E87BAF-FD4C-4174-9F51-890B0F1E6CF9}"/>
-              </a:ext>
-            </a:extLst>
-          </p:cNvPr>
-          <p:cNvSpPr txBox="1"/>
-          <p:nvPr/>
-        </p:nvSpPr>
-        <p:spPr>
-          <a:xfrm>
-            <a:off x="7265499" y="3914319"/>
-            <a:ext cx="4653128" cy="646331"/>
-          </a:xfrm>
-          <a:prstGeom prst="rect">
-            <a:avLst/>
-          </a:prstGeom>
-        </p:spPr>
-        <p:style>
-          <a:lnRef idx="2">
-            <a:schemeClr val="dk1"/>
-          </a:lnRef>
-          <a:fillRef idx="1">
-            <a:schemeClr val="lt1"/>
-          </a:fillRef>
-          <a:effectRef idx="0">
-            <a:schemeClr val="dk1"/>
-          </a:effectRef>
-          <a:fontRef idx="minor">
-            <a:schemeClr val="dk1"/>
-          </a:fontRef>
-        </p:style>
-        <p:txBody>
-          <a:bodyPr wrap="square" rtlCol="0">
-            <a:spAutoFit/>
-          </a:bodyPr>
-          <a:lstStyle/>
-          <a:p>
+              <a:t>’ is inserted here.</a:t>
+            </a:r>
+          </a:p>
+          <a:p>
+            <a:pPr marL="342900" indent="-342900">
+              <a:buFont typeface="+mj-lt"/>
+              <a:buAutoNum type="arabicPeriod"/>
+            </a:pPr>
+            <a:r>
+              <a:rPr lang="en-CA" b="1" dirty="0"/>
+              <a:t>IIT-EA-Decision-Matrix</a:t>
+            </a:r>
             <a:r>
               <a:rPr lang="en-CA" dirty="0"/>
-              <a:t>Rubric rationale for Business Scope attribute’s low risk rating</a:t>
-            </a:r>
-          </a:p>
-        </p:txBody>
-      </p:sp>
-      <p:sp>
-        <p:nvSpPr>
-          <p:cNvPr id="13" name="TextBox 12">
-            <a:extLst>
-              <a:ext uri="{FF2B5EF4-FFF2-40B4-BE49-F238E27FC236}">
-                <a16:creationId xmlns:a16="http://schemas.microsoft.com/office/drawing/2014/main" id="{2DC5354F-7622-4EEF-9903-CE21BB810A1C}"/>
-              </a:ext>
-            </a:extLst>
-          </p:cNvPr>
-          <p:cNvSpPr txBox="1"/>
-          <p:nvPr/>
-        </p:nvSpPr>
-        <p:spPr>
-          <a:xfrm>
-            <a:off x="7265499" y="5348474"/>
-            <a:ext cx="4653128" cy="646331"/>
-          </a:xfrm>
-          <a:prstGeom prst="rect">
-            <a:avLst/>
-          </a:prstGeom>
-        </p:spPr>
-        <p:style>
-          <a:lnRef idx="2">
-            <a:schemeClr val="dk1"/>
-          </a:lnRef>
-          <a:fillRef idx="1">
-            <a:schemeClr val="lt1"/>
-          </a:fillRef>
-          <a:effectRef idx="0">
-            <a:schemeClr val="dk1"/>
-          </a:effectRef>
-          <a:fontRef idx="minor">
-            <a:schemeClr val="dk1"/>
-          </a:fontRef>
-        </p:style>
-        <p:txBody>
-          <a:bodyPr wrap="square" rtlCol="0">
-            <a:spAutoFit/>
-          </a:bodyPr>
-          <a:lstStyle/>
-          <a:p>
+              <a:t>: An Excel file that has rubrics</a:t>
+            </a:r>
+          </a:p>
+          <a:p>
+            <a:pPr marL="342900" indent="-342900">
+              <a:buFont typeface="+mj-lt"/>
+              <a:buAutoNum type="arabicPeriod"/>
+            </a:pPr>
+            <a:r>
+              <a:rPr lang="en-CA" b="1" dirty="0" err="1"/>
+              <a:t>Sample_assessment</a:t>
+            </a:r>
             <a:r>
               <a:rPr lang="en-CA" dirty="0"/>
-              <a:t>Rubric rationale for Business Scope attribute’s low risk rating</a:t>
-            </a:r>
-          </a:p>
-        </p:txBody>
-      </p:sp>
-      <p:sp>
-        <p:nvSpPr>
-          <p:cNvPr id="14" name="TextBox 13">
-            <a:extLst>
-              <a:ext uri="{FF2B5EF4-FFF2-40B4-BE49-F238E27FC236}">
-                <a16:creationId xmlns:a16="http://schemas.microsoft.com/office/drawing/2014/main" id="{42505D3A-0F6E-49D2-A090-CB06B38F1DC4}"/>
-              </a:ext>
-            </a:extLst>
-          </p:cNvPr>
-          <p:cNvSpPr txBox="1"/>
-          <p:nvPr/>
-        </p:nvSpPr>
-        <p:spPr>
-          <a:xfrm>
-            <a:off x="838200" y="1025342"/>
-            <a:ext cx="10426390" cy="1200329"/>
-          </a:xfrm>
-          <a:prstGeom prst="rect">
-            <a:avLst/>
-          </a:prstGeom>
-          <a:noFill/>
-        </p:spPr>
-        <p:txBody>
-          <a:bodyPr wrap="square" rtlCol="0">
-            <a:spAutoFit/>
-          </a:bodyPr>
-          <a:lstStyle/>
-          <a:p>
-            <a:r>
-              <a:rPr lang="en-CA" dirty="0"/>
-              <a:t>IIT-EA-Decision-Matrix: an Excel file that has rubrics. Go to the ‘Rubric’ sheet to see the rubrics.</a:t>
-            </a:r>
-          </a:p>
-          <a:p>
-            <a:r>
-              <a:rPr lang="en-CA" dirty="0"/>
-              <a:t>There are </a:t>
-            </a:r>
-            <a:r>
-              <a:rPr lang="en-CA" b="1" dirty="0"/>
-              <a:t>5 attributes</a:t>
-            </a:r>
-            <a:r>
-              <a:rPr lang="en-CA" dirty="0"/>
-              <a:t>: Business Scope, IT Solution Approach, Technology Update and/or Data Migration, Information Requirements, Information Sensitivity Rating</a:t>
-            </a:r>
-          </a:p>
-          <a:p>
-            <a:r>
-              <a:rPr lang="en-CA" dirty="0"/>
-              <a:t>There are </a:t>
-            </a:r>
-            <a:r>
-              <a:rPr lang="en-CA" b="1" dirty="0"/>
-              <a:t>3 risk ratings </a:t>
-            </a:r>
-            <a:r>
-              <a:rPr lang="en-CA" dirty="0"/>
-              <a:t>for each categories: Low, Medium, High</a:t>
+              <a:t>: A sample risk assessment file submitted by a solution branch. Used for testing purpose.</a:t>
             </a:r>
           </a:p>
         </p:txBody>
@@ -9022,7 +9765,7 @@
     </p:spTree>
     <p:extLst>
       <p:ext uri="{BB962C8B-B14F-4D97-AF65-F5344CB8AC3E}">
-        <p14:creationId xmlns:p14="http://schemas.microsoft.com/office/powerpoint/2010/main" val="3876850196"/>
+        <p14:creationId xmlns:p14="http://schemas.microsoft.com/office/powerpoint/2010/main" val="3182964351"/>
       </p:ext>
     </p:extLst>
   </p:cSld>
@@ -9054,7 +9797,7 @@
           <p:cNvPr id="2" name="Title 1">
             <a:extLst>
               <a:ext uri="{FF2B5EF4-FFF2-40B4-BE49-F238E27FC236}">
-                <a16:creationId xmlns:a16="http://schemas.microsoft.com/office/drawing/2014/main" id="{14FFEFB8-82FE-4DEE-86F3-69A7375783C8}"/>
+                <a16:creationId xmlns:a16="http://schemas.microsoft.com/office/drawing/2014/main" id="{3D67BC4B-EEA2-4B31-BF50-E7A19AF65617}"/>
               </a:ext>
             </a:extLst>
           </p:cNvPr>
@@ -9067,30 +9810,29 @@
         </p:nvSpPr>
         <p:spPr>
           <a:xfrm>
-            <a:off x="838200" y="365126"/>
-            <a:ext cx="10515600" cy="661842"/>
+            <a:off x="838200" y="41062"/>
+            <a:ext cx="10515600" cy="894963"/>
           </a:xfrm>
         </p:spPr>
         <p:txBody>
           <a:bodyPr>
-            <a:normAutofit fontScale="90000"/>
+            <a:normAutofit/>
           </a:bodyPr>
           <a:lstStyle/>
           <a:p>
             <a:r>
-              <a:rPr lang="en-CA" dirty="0" err="1"/>
-              <a:t>Sample_assessment</a:t>
-            </a:r>
-            <a:endParaRPr lang="en-CA" dirty="0"/>
+              <a:rPr lang="en-CA" sz="4000" dirty="0"/>
+              <a:t>Architecture Intake Review Engine Report Draft</a:t>
+            </a:r>
           </a:p>
         </p:txBody>
       </p:sp>
       <p:pic>
         <p:nvPicPr>
-          <p:cNvPr id="5" name="Content Placeholder 4" descr="Graphical user interface, text, application, email&#10;&#10;Description automatically generated">
-            <a:extLst>
-              <a:ext uri="{FF2B5EF4-FFF2-40B4-BE49-F238E27FC236}">
-                <a16:creationId xmlns:a16="http://schemas.microsoft.com/office/drawing/2014/main" id="{C4C5D61A-BF0B-4A29-AB2C-54BE4A12FE68}"/>
+          <p:cNvPr id="5" name="Content Placeholder 4" descr="Table&#10;&#10;Description automatically generated">
+            <a:extLst>
+              <a:ext uri="{FF2B5EF4-FFF2-40B4-BE49-F238E27FC236}">
+                <a16:creationId xmlns:a16="http://schemas.microsoft.com/office/drawing/2014/main" id="{CC86E580-1B10-40B6-A119-3CA357355CB5}"/>
               </a:ext>
             </a:extLst>
           </p:cNvPr>
@@ -9115,17 +9857,17 @@
         </p:blipFill>
         <p:spPr>
           <a:xfrm>
-            <a:off x="757707" y="1942010"/>
-            <a:ext cx="7398130" cy="4007056"/>
+            <a:off x="2026572" y="1219043"/>
+            <a:ext cx="7666002" cy="5321303"/>
           </a:xfrm>
         </p:spPr>
       </p:pic>
       <p:sp>
         <p:nvSpPr>
-          <p:cNvPr id="6" name="Rectangle 5">
-            <a:extLst>
-              <a:ext uri="{FF2B5EF4-FFF2-40B4-BE49-F238E27FC236}">
-                <a16:creationId xmlns:a16="http://schemas.microsoft.com/office/drawing/2014/main" id="{F091FCC3-AB63-49D0-9DE9-841E2D0DFE1A}"/>
+          <p:cNvPr id="7" name="Rectangle 6">
+            <a:extLst>
+              <a:ext uri="{FF2B5EF4-FFF2-40B4-BE49-F238E27FC236}">
+                <a16:creationId xmlns:a16="http://schemas.microsoft.com/office/drawing/2014/main" id="{A3E77CD5-9A45-428A-ADC0-DFE1880D4143}"/>
               </a:ext>
             </a:extLst>
           </p:cNvPr>
@@ -9134,8 +9876,8 @@
         </p:nvSpPr>
         <p:spPr>
           <a:xfrm>
-            <a:off x="1204331" y="5609064"/>
-            <a:ext cx="892098" cy="446048"/>
+            <a:off x="3233853" y="1884556"/>
+            <a:ext cx="892098" cy="229450"/>
           </a:xfrm>
           <a:prstGeom prst="rect">
             <a:avLst/>
@@ -9176,103 +9918,10 @@
       </p:sp>
       <p:sp>
         <p:nvSpPr>
-          <p:cNvPr id="7" name="TextBox 6">
-            <a:extLst>
-              <a:ext uri="{FF2B5EF4-FFF2-40B4-BE49-F238E27FC236}">
-                <a16:creationId xmlns:a16="http://schemas.microsoft.com/office/drawing/2014/main" id="{27B26F9C-EA64-4F15-BA81-3469E4039B72}"/>
-              </a:ext>
-            </a:extLst>
-          </p:cNvPr>
-          <p:cNvSpPr txBox="1"/>
-          <p:nvPr/>
-        </p:nvSpPr>
-        <p:spPr>
-          <a:xfrm>
-            <a:off x="824805" y="6211539"/>
-            <a:ext cx="1651149" cy="369332"/>
-          </a:xfrm>
-          <a:prstGeom prst="rect">
-            <a:avLst/>
-          </a:prstGeom>
-        </p:spPr>
-        <p:style>
-          <a:lnRef idx="2">
-            <a:schemeClr val="dk1"/>
-          </a:lnRef>
-          <a:fillRef idx="1">
-            <a:schemeClr val="lt1"/>
-          </a:fillRef>
-          <a:effectRef idx="0">
-            <a:schemeClr val="dk1"/>
-          </a:effectRef>
-          <a:fontRef idx="minor">
-            <a:schemeClr val="dk1"/>
-          </a:fontRef>
-        </p:style>
-        <p:txBody>
-          <a:bodyPr wrap="square" rtlCol="0">
-            <a:spAutoFit/>
-          </a:bodyPr>
-          <a:lstStyle/>
-          <a:p>
-            <a:r>
-              <a:rPr lang="en-CA" dirty="0"/>
-              <a:t>‘Matrix’ sheet</a:t>
-            </a:r>
-          </a:p>
-        </p:txBody>
-      </p:sp>
-      <p:sp>
-        <p:nvSpPr>
-          <p:cNvPr id="8" name="TextBox 7">
-            <a:extLst>
-              <a:ext uri="{FF2B5EF4-FFF2-40B4-BE49-F238E27FC236}">
-                <a16:creationId xmlns:a16="http://schemas.microsoft.com/office/drawing/2014/main" id="{17612073-1B6F-4652-A786-D6F92374EE98}"/>
-              </a:ext>
-            </a:extLst>
-          </p:cNvPr>
-          <p:cNvSpPr txBox="1"/>
-          <p:nvPr/>
-        </p:nvSpPr>
-        <p:spPr>
-          <a:xfrm>
-            <a:off x="882805" y="969170"/>
-            <a:ext cx="10426390" cy="923330"/>
-          </a:xfrm>
-          <a:prstGeom prst="rect">
-            <a:avLst/>
-          </a:prstGeom>
-          <a:noFill/>
-        </p:spPr>
-        <p:txBody>
-          <a:bodyPr wrap="square" rtlCol="0">
-            <a:spAutoFit/>
-          </a:bodyPr>
-          <a:lstStyle/>
-          <a:p>
-            <a:r>
-              <a:rPr lang="en-CA" dirty="0" err="1"/>
-              <a:t>Sample_assessment</a:t>
-            </a:r>
-            <a:r>
-              <a:rPr lang="en-CA" dirty="0"/>
-              <a:t>: a sample risk assessment file submitted by a solution branch. used for testing</a:t>
-            </a:r>
-          </a:p>
-          <a:p>
-            <a:r>
-              <a:rPr lang="en-CA" dirty="0"/>
-              <a:t>Go to the ‘Matrix’ sheet to see the risk assessment. Text in this sheet is extracted to be inserted into the template</a:t>
-            </a:r>
-          </a:p>
-        </p:txBody>
-      </p:sp>
-      <p:sp>
-        <p:nvSpPr>
-          <p:cNvPr id="9" name="Rectangle 8">
-            <a:extLst>
-              <a:ext uri="{FF2B5EF4-FFF2-40B4-BE49-F238E27FC236}">
-                <a16:creationId xmlns:a16="http://schemas.microsoft.com/office/drawing/2014/main" id="{477478A5-C4A0-47B4-95E4-E4E14FC42BD6}"/>
+          <p:cNvPr id="8" name="Rectangle 7">
+            <a:extLst>
+              <a:ext uri="{FF2B5EF4-FFF2-40B4-BE49-F238E27FC236}">
+                <a16:creationId xmlns:a16="http://schemas.microsoft.com/office/drawing/2014/main" id="{5A7FFB5B-48A7-4458-8A74-41D2658307A7}"/>
               </a:ext>
             </a:extLst>
           </p:cNvPr>
@@ -9281,8 +9930,8 @@
         </p:nvSpPr>
         <p:spPr>
           <a:xfrm>
-            <a:off x="2360340" y="2576243"/>
-            <a:ext cx="4843347" cy="501493"/>
+            <a:off x="3245004" y="2215376"/>
+            <a:ext cx="892098" cy="229450"/>
           </a:xfrm>
           <a:prstGeom prst="rect">
             <a:avLst/>
@@ -9323,10 +9972,10 @@
       </p:sp>
       <p:sp>
         <p:nvSpPr>
-          <p:cNvPr id="10" name="Rectangle 9">
-            <a:extLst>
-              <a:ext uri="{FF2B5EF4-FFF2-40B4-BE49-F238E27FC236}">
-                <a16:creationId xmlns:a16="http://schemas.microsoft.com/office/drawing/2014/main" id="{D02948C2-0088-496A-88E7-1B5A6567EB0E}"/>
+          <p:cNvPr id="9" name="Rectangle 8">
+            <a:extLst>
+              <a:ext uri="{FF2B5EF4-FFF2-40B4-BE49-F238E27FC236}">
+                <a16:creationId xmlns:a16="http://schemas.microsoft.com/office/drawing/2014/main" id="{A66038E6-04D4-4231-8E2C-B6B5CE26FF4A}"/>
               </a:ext>
             </a:extLst>
           </p:cNvPr>
@@ -9335,8 +9984,8 @@
         </p:nvSpPr>
         <p:spPr>
           <a:xfrm>
-            <a:off x="7386690" y="2576243"/>
-            <a:ext cx="769147" cy="501493"/>
+            <a:off x="3233853" y="5122127"/>
+            <a:ext cx="892098" cy="229450"/>
           </a:xfrm>
           <a:prstGeom prst="rect">
             <a:avLst/>
@@ -9377,10 +10026,388 @@
       </p:sp>
       <p:sp>
         <p:nvSpPr>
-          <p:cNvPr id="11" name="TextBox 10">
-            <a:extLst>
-              <a:ext uri="{FF2B5EF4-FFF2-40B4-BE49-F238E27FC236}">
-                <a16:creationId xmlns:a16="http://schemas.microsoft.com/office/drawing/2014/main" id="{920F776E-8DE3-4EEE-98CC-D062EDA088F9}"/>
+          <p:cNvPr id="10" name="Rectangle 9">
+            <a:extLst>
+              <a:ext uri="{FF2B5EF4-FFF2-40B4-BE49-F238E27FC236}">
+                <a16:creationId xmlns:a16="http://schemas.microsoft.com/office/drawing/2014/main" id="{AF9A7DB3-DEA4-495B-8E8A-9100B0B11D7C}"/>
+              </a:ext>
+            </a:extLst>
+          </p:cNvPr>
+          <p:cNvSpPr/>
+          <p:nvPr/>
+        </p:nvSpPr>
+        <p:spPr>
+          <a:xfrm>
+            <a:off x="4125951" y="5122127"/>
+            <a:ext cx="892098" cy="229450"/>
+          </a:xfrm>
+          <a:prstGeom prst="rect">
+            <a:avLst/>
+          </a:prstGeom>
+          <a:noFill/>
+          <a:ln w="38100">
+            <a:solidFill>
+              <a:schemeClr val="accent6">
+                <a:lumMod val="75000"/>
+              </a:schemeClr>
+            </a:solidFill>
+          </a:ln>
+        </p:spPr>
+        <p:style>
+          <a:lnRef idx="2">
+            <a:schemeClr val="accent1">
+              <a:shade val="50000"/>
+            </a:schemeClr>
+          </a:lnRef>
+          <a:fillRef idx="1">
+            <a:schemeClr val="accent1"/>
+          </a:fillRef>
+          <a:effectRef idx="0">
+            <a:schemeClr val="accent1"/>
+          </a:effectRef>
+          <a:fontRef idx="minor">
+            <a:schemeClr val="lt1"/>
+          </a:fontRef>
+        </p:style>
+        <p:txBody>
+          <a:bodyPr rtlCol="0" anchor="ctr"/>
+          <a:lstStyle/>
+          <a:p>
+            <a:pPr algn="ctr"/>
+            <a:endParaRPr lang="en-CA"/>
+          </a:p>
+        </p:txBody>
+      </p:sp>
+      <p:sp>
+        <p:nvSpPr>
+          <p:cNvPr id="11" name="Rectangle 10">
+            <a:extLst>
+              <a:ext uri="{FF2B5EF4-FFF2-40B4-BE49-F238E27FC236}">
+                <a16:creationId xmlns:a16="http://schemas.microsoft.com/office/drawing/2014/main" id="{3CAE4ABC-BC23-4A3B-ACFB-34F95A0B69B9}"/>
+              </a:ext>
+            </a:extLst>
+          </p:cNvPr>
+          <p:cNvSpPr/>
+          <p:nvPr/>
+        </p:nvSpPr>
+        <p:spPr>
+          <a:xfrm>
+            <a:off x="5333232" y="5122127"/>
+            <a:ext cx="892098" cy="229450"/>
+          </a:xfrm>
+          <a:prstGeom prst="rect">
+            <a:avLst/>
+          </a:prstGeom>
+          <a:noFill/>
+          <a:ln w="38100">
+            <a:solidFill>
+              <a:schemeClr val="accent6">
+                <a:lumMod val="75000"/>
+              </a:schemeClr>
+            </a:solidFill>
+          </a:ln>
+        </p:spPr>
+        <p:style>
+          <a:lnRef idx="2">
+            <a:schemeClr val="accent1">
+              <a:shade val="50000"/>
+            </a:schemeClr>
+          </a:lnRef>
+          <a:fillRef idx="1">
+            <a:schemeClr val="accent1"/>
+          </a:fillRef>
+          <a:effectRef idx="0">
+            <a:schemeClr val="accent1"/>
+          </a:effectRef>
+          <a:fontRef idx="minor">
+            <a:schemeClr val="lt1"/>
+          </a:fontRef>
+        </p:style>
+        <p:txBody>
+          <a:bodyPr rtlCol="0" anchor="ctr"/>
+          <a:lstStyle/>
+          <a:p>
+            <a:pPr algn="ctr"/>
+            <a:endParaRPr lang="en-CA"/>
+          </a:p>
+        </p:txBody>
+      </p:sp>
+      <p:sp>
+        <p:nvSpPr>
+          <p:cNvPr id="12" name="Rectangle 11">
+            <a:extLst>
+              <a:ext uri="{FF2B5EF4-FFF2-40B4-BE49-F238E27FC236}">
+                <a16:creationId xmlns:a16="http://schemas.microsoft.com/office/drawing/2014/main" id="{771501DD-1653-48FF-A004-2A8362F089BE}"/>
+              </a:ext>
+            </a:extLst>
+          </p:cNvPr>
+          <p:cNvSpPr/>
+          <p:nvPr/>
+        </p:nvSpPr>
+        <p:spPr>
+          <a:xfrm>
+            <a:off x="6388880" y="5122127"/>
+            <a:ext cx="892098" cy="229450"/>
+          </a:xfrm>
+          <a:prstGeom prst="rect">
+            <a:avLst/>
+          </a:prstGeom>
+          <a:noFill/>
+          <a:ln w="38100">
+            <a:solidFill>
+              <a:schemeClr val="accent6">
+                <a:lumMod val="75000"/>
+              </a:schemeClr>
+            </a:solidFill>
+          </a:ln>
+        </p:spPr>
+        <p:style>
+          <a:lnRef idx="2">
+            <a:schemeClr val="accent1">
+              <a:shade val="50000"/>
+            </a:schemeClr>
+          </a:lnRef>
+          <a:fillRef idx="1">
+            <a:schemeClr val="accent1"/>
+          </a:fillRef>
+          <a:effectRef idx="0">
+            <a:schemeClr val="accent1"/>
+          </a:effectRef>
+          <a:fontRef idx="minor">
+            <a:schemeClr val="lt1"/>
+          </a:fontRef>
+        </p:style>
+        <p:txBody>
+          <a:bodyPr rtlCol="0" anchor="ctr"/>
+          <a:lstStyle/>
+          <a:p>
+            <a:pPr algn="ctr"/>
+            <a:endParaRPr lang="en-CA"/>
+          </a:p>
+        </p:txBody>
+      </p:sp>
+      <p:sp>
+        <p:nvSpPr>
+          <p:cNvPr id="13" name="Rectangle 12">
+            <a:extLst>
+              <a:ext uri="{FF2B5EF4-FFF2-40B4-BE49-F238E27FC236}">
+                <a16:creationId xmlns:a16="http://schemas.microsoft.com/office/drawing/2014/main" id="{FD5B9D98-CCC4-4C2D-AAFB-4BFFE80EA656}"/>
+              </a:ext>
+            </a:extLst>
+          </p:cNvPr>
+          <p:cNvSpPr/>
+          <p:nvPr/>
+        </p:nvSpPr>
+        <p:spPr>
+          <a:xfrm>
+            <a:off x="5333232" y="5831236"/>
+            <a:ext cx="892098" cy="229450"/>
+          </a:xfrm>
+          <a:prstGeom prst="rect">
+            <a:avLst/>
+          </a:prstGeom>
+          <a:noFill/>
+          <a:ln w="38100">
+            <a:solidFill>
+              <a:schemeClr val="accent6">
+                <a:lumMod val="75000"/>
+              </a:schemeClr>
+            </a:solidFill>
+          </a:ln>
+        </p:spPr>
+        <p:style>
+          <a:lnRef idx="2">
+            <a:schemeClr val="accent1">
+              <a:shade val="50000"/>
+            </a:schemeClr>
+          </a:lnRef>
+          <a:fillRef idx="1">
+            <a:schemeClr val="accent1"/>
+          </a:fillRef>
+          <a:effectRef idx="0">
+            <a:schemeClr val="accent1"/>
+          </a:effectRef>
+          <a:fontRef idx="minor">
+            <a:schemeClr val="lt1"/>
+          </a:fontRef>
+        </p:style>
+        <p:txBody>
+          <a:bodyPr rtlCol="0" anchor="ctr"/>
+          <a:lstStyle/>
+          <a:p>
+            <a:pPr algn="ctr"/>
+            <a:endParaRPr lang="en-CA"/>
+          </a:p>
+        </p:txBody>
+      </p:sp>
+      <p:sp>
+        <p:nvSpPr>
+          <p:cNvPr id="14" name="Rectangle 13">
+            <a:extLst>
+              <a:ext uri="{FF2B5EF4-FFF2-40B4-BE49-F238E27FC236}">
+                <a16:creationId xmlns:a16="http://schemas.microsoft.com/office/drawing/2014/main" id="{EC139B17-E567-4EE9-A142-1A7252260C7F}"/>
+              </a:ext>
+            </a:extLst>
+          </p:cNvPr>
+          <p:cNvSpPr/>
+          <p:nvPr/>
+        </p:nvSpPr>
+        <p:spPr>
+          <a:xfrm>
+            <a:off x="4137102" y="5831236"/>
+            <a:ext cx="892098" cy="229450"/>
+          </a:xfrm>
+          <a:prstGeom prst="rect">
+            <a:avLst/>
+          </a:prstGeom>
+          <a:noFill/>
+          <a:ln w="38100">
+            <a:solidFill>
+              <a:schemeClr val="accent6">
+                <a:lumMod val="75000"/>
+              </a:schemeClr>
+            </a:solidFill>
+          </a:ln>
+        </p:spPr>
+        <p:style>
+          <a:lnRef idx="2">
+            <a:schemeClr val="accent1">
+              <a:shade val="50000"/>
+            </a:schemeClr>
+          </a:lnRef>
+          <a:fillRef idx="1">
+            <a:schemeClr val="accent1"/>
+          </a:fillRef>
+          <a:effectRef idx="0">
+            <a:schemeClr val="accent1"/>
+          </a:effectRef>
+          <a:fontRef idx="minor">
+            <a:schemeClr val="lt1"/>
+          </a:fontRef>
+        </p:style>
+        <p:txBody>
+          <a:bodyPr rtlCol="0" anchor="ctr"/>
+          <a:lstStyle/>
+          <a:p>
+            <a:pPr algn="ctr"/>
+            <a:endParaRPr lang="en-CA"/>
+          </a:p>
+        </p:txBody>
+      </p:sp>
+      <p:sp>
+        <p:nvSpPr>
+          <p:cNvPr id="15" name="Rectangle 14">
+            <a:extLst>
+              <a:ext uri="{FF2B5EF4-FFF2-40B4-BE49-F238E27FC236}">
+                <a16:creationId xmlns:a16="http://schemas.microsoft.com/office/drawing/2014/main" id="{937BC898-647D-46F7-A1F8-1EFD722FEBEA}"/>
+              </a:ext>
+            </a:extLst>
+          </p:cNvPr>
+          <p:cNvSpPr/>
+          <p:nvPr/>
+        </p:nvSpPr>
+        <p:spPr>
+          <a:xfrm>
+            <a:off x="3225957" y="5831236"/>
+            <a:ext cx="892098" cy="229450"/>
+          </a:xfrm>
+          <a:prstGeom prst="rect">
+            <a:avLst/>
+          </a:prstGeom>
+          <a:noFill/>
+          <a:ln w="38100">
+            <a:solidFill>
+              <a:schemeClr val="accent6">
+                <a:lumMod val="75000"/>
+              </a:schemeClr>
+            </a:solidFill>
+          </a:ln>
+        </p:spPr>
+        <p:style>
+          <a:lnRef idx="2">
+            <a:schemeClr val="accent1">
+              <a:shade val="50000"/>
+            </a:schemeClr>
+          </a:lnRef>
+          <a:fillRef idx="1">
+            <a:schemeClr val="accent1"/>
+          </a:fillRef>
+          <a:effectRef idx="0">
+            <a:schemeClr val="accent1"/>
+          </a:effectRef>
+          <a:fontRef idx="minor">
+            <a:schemeClr val="lt1"/>
+          </a:fontRef>
+        </p:style>
+        <p:txBody>
+          <a:bodyPr rtlCol="0" anchor="ctr"/>
+          <a:lstStyle/>
+          <a:p>
+            <a:pPr algn="ctr"/>
+            <a:endParaRPr lang="en-CA"/>
+          </a:p>
+        </p:txBody>
+      </p:sp>
+      <p:sp>
+        <p:nvSpPr>
+          <p:cNvPr id="16" name="Rectangle 15">
+            <a:extLst>
+              <a:ext uri="{FF2B5EF4-FFF2-40B4-BE49-F238E27FC236}">
+                <a16:creationId xmlns:a16="http://schemas.microsoft.com/office/drawing/2014/main" id="{5988A41E-7AD7-417B-9042-A72256936D12}"/>
+              </a:ext>
+            </a:extLst>
+          </p:cNvPr>
+          <p:cNvSpPr/>
+          <p:nvPr/>
+        </p:nvSpPr>
+        <p:spPr>
+          <a:xfrm>
+            <a:off x="6388880" y="5831236"/>
+            <a:ext cx="892098" cy="229450"/>
+          </a:xfrm>
+          <a:prstGeom prst="rect">
+            <a:avLst/>
+          </a:prstGeom>
+          <a:noFill/>
+          <a:ln w="38100">
+            <a:solidFill>
+              <a:schemeClr val="accent6">
+                <a:lumMod val="75000"/>
+              </a:schemeClr>
+            </a:solidFill>
+          </a:ln>
+        </p:spPr>
+        <p:style>
+          <a:lnRef idx="2">
+            <a:schemeClr val="accent1">
+              <a:shade val="50000"/>
+            </a:schemeClr>
+          </a:lnRef>
+          <a:fillRef idx="1">
+            <a:schemeClr val="accent1"/>
+          </a:fillRef>
+          <a:effectRef idx="0">
+            <a:schemeClr val="accent1"/>
+          </a:effectRef>
+          <a:fontRef idx="minor">
+            <a:schemeClr val="lt1"/>
+          </a:fontRef>
+        </p:style>
+        <p:txBody>
+          <a:bodyPr rtlCol="0" anchor="ctr"/>
+          <a:lstStyle/>
+          <a:p>
+            <a:pPr algn="ctr"/>
+            <a:endParaRPr lang="en-CA"/>
+          </a:p>
+        </p:txBody>
+      </p:sp>
+      <p:sp>
+        <p:nvSpPr>
+          <p:cNvPr id="17" name="TextBox 16">
+            <a:extLst>
+              <a:ext uri="{FF2B5EF4-FFF2-40B4-BE49-F238E27FC236}">
+                <a16:creationId xmlns:a16="http://schemas.microsoft.com/office/drawing/2014/main" id="{7E30ACB9-6CBF-4DEB-ACC6-2A9BED4ACE8D}"/>
               </a:ext>
             </a:extLst>
           </p:cNvPr>
@@ -9389,8 +10416,8 @@
         </p:nvSpPr>
         <p:spPr>
           <a:xfrm>
-            <a:off x="8392095" y="1607137"/>
-            <a:ext cx="2764412" cy="923330"/>
+            <a:off x="7280978" y="1884556"/>
+            <a:ext cx="4257907" cy="646331"/>
           </a:xfrm>
           <a:prstGeom prst="rect">
             <a:avLst/>
@@ -9418,79 +10445,37 @@
           <a:p>
             <a:r>
               <a:rPr lang="en-CA" dirty="0"/>
-              <a:t>Rubric rationale for Business Scope attribute’s ‘Medium’ risk rating</a:t>
-            </a:r>
-          </a:p>
-        </p:txBody>
-      </p:sp>
-      <p:sp>
-        <p:nvSpPr>
-          <p:cNvPr id="12" name="TextBox 11">
-            <a:extLst>
-              <a:ext uri="{FF2B5EF4-FFF2-40B4-BE49-F238E27FC236}">
-                <a16:creationId xmlns:a16="http://schemas.microsoft.com/office/drawing/2014/main" id="{E6763927-3530-439B-B16F-222C6B599490}"/>
-              </a:ext>
-            </a:extLst>
-          </p:cNvPr>
-          <p:cNvSpPr txBox="1"/>
-          <p:nvPr/>
-        </p:nvSpPr>
-        <p:spPr>
-          <a:xfrm>
-            <a:off x="8392095" y="2631888"/>
-            <a:ext cx="2154458" cy="1200329"/>
-          </a:xfrm>
-          <a:prstGeom prst="rect">
-            <a:avLst/>
-          </a:prstGeom>
-        </p:spPr>
-        <p:style>
-          <a:lnRef idx="2">
-            <a:schemeClr val="dk1"/>
-          </a:lnRef>
-          <a:fillRef idx="1">
-            <a:schemeClr val="lt1"/>
-          </a:fillRef>
-          <a:effectRef idx="0">
-            <a:schemeClr val="dk1"/>
-          </a:effectRef>
-          <a:fontRef idx="minor">
-            <a:schemeClr val="dk1"/>
-          </a:fontRef>
-        </p:style>
-        <p:txBody>
-          <a:bodyPr wrap="square" rtlCol="0">
-            <a:spAutoFit/>
-          </a:bodyPr>
-          <a:lstStyle/>
-          <a:p>
+              <a:t>Text extracted from ‘IIT-EA-Decision Matrix’ and ‘</a:t>
+            </a:r>
+            <a:r>
+              <a:rPr lang="en-CA" dirty="0" err="1"/>
+              <a:t>sample_assessment</a:t>
+            </a:r>
             <a:r>
               <a:rPr lang="en-CA" dirty="0"/>
-              <a:t>Risk of the Business Scope attribute of this project is rated as ‘Medium’</a:t>
+              <a:t>’ is inserted here</a:t>
             </a:r>
           </a:p>
         </p:txBody>
       </p:sp>
       <p:cxnSp>
         <p:nvCxnSpPr>
-          <p:cNvPr id="13" name="Straight Arrow Connector 12">
-            <a:extLst>
-              <a:ext uri="{FF2B5EF4-FFF2-40B4-BE49-F238E27FC236}">
-                <a16:creationId xmlns:a16="http://schemas.microsoft.com/office/drawing/2014/main" id="{85580B59-46E5-4FD4-AE08-98C5819340C8}"/>
+          <p:cNvPr id="19" name="Straight Arrow Connector 18">
+            <a:extLst>
+              <a:ext uri="{FF2B5EF4-FFF2-40B4-BE49-F238E27FC236}">
+                <a16:creationId xmlns:a16="http://schemas.microsoft.com/office/drawing/2014/main" id="{12CE79D3-0824-4D77-AE81-CD1CECC81AC0}"/>
               </a:ext>
             </a:extLst>
           </p:cNvPr>
           <p:cNvCxnSpPr>
-            <a:cxnSpLocks/>
-            <a:stCxn id="11" idx="1"/>
-            <a:endCxn id="9" idx="0"/>
+            <a:endCxn id="7" idx="3"/>
           </p:cNvCxnSpPr>
           <p:nvPr/>
         </p:nvCxnSpPr>
         <p:spPr>
-          <a:xfrm flipH="1">
-            <a:off x="4782014" y="2068802"/>
-            <a:ext cx="3610081" cy="507441"/>
+          <a:xfrm flipH="1" flipV="1">
+            <a:off x="4125951" y="1999281"/>
+            <a:ext cx="3155027" cy="216095"/>
           </a:xfrm>
           <a:prstGeom prst="straightConnector1">
             <a:avLst/>
@@ -9519,24 +10504,23 @@
       </p:cxnSp>
       <p:cxnSp>
         <p:nvCxnSpPr>
-          <p:cNvPr id="16" name="Straight Arrow Connector 15">
-            <a:extLst>
-              <a:ext uri="{FF2B5EF4-FFF2-40B4-BE49-F238E27FC236}">
-                <a16:creationId xmlns:a16="http://schemas.microsoft.com/office/drawing/2014/main" id="{6ABC496B-6DA9-4FFA-8099-28BB556FDD28}"/>
+          <p:cNvPr id="20" name="Straight Arrow Connector 19">
+            <a:extLst>
+              <a:ext uri="{FF2B5EF4-FFF2-40B4-BE49-F238E27FC236}">
+                <a16:creationId xmlns:a16="http://schemas.microsoft.com/office/drawing/2014/main" id="{17B1BBF0-68A5-4F90-ACB0-DA1F518F13F5}"/>
               </a:ext>
             </a:extLst>
           </p:cNvPr>
           <p:cNvCxnSpPr>
             <a:cxnSpLocks/>
-            <a:stCxn id="12" idx="1"/>
-            <a:endCxn id="10" idx="3"/>
+            <a:endCxn id="8" idx="3"/>
           </p:cNvCxnSpPr>
           <p:nvPr/>
         </p:nvCxnSpPr>
         <p:spPr>
-          <a:xfrm flipH="1" flipV="1">
-            <a:off x="8155837" y="2826990"/>
-            <a:ext cx="236258" cy="405063"/>
+          <a:xfrm flipH="1">
+            <a:off x="4137102" y="2207721"/>
+            <a:ext cx="3143876" cy="122380"/>
           </a:xfrm>
           <a:prstGeom prst="straightConnector1">
             <a:avLst/>
@@ -9563,128 +10547,24 @@
           </a:fontRef>
         </p:style>
       </p:cxnSp>
-      <p:sp>
-        <p:nvSpPr>
-          <p:cNvPr id="20" name="Rectangle 19">
-            <a:extLst>
-              <a:ext uri="{FF2B5EF4-FFF2-40B4-BE49-F238E27FC236}">
-                <a16:creationId xmlns:a16="http://schemas.microsoft.com/office/drawing/2014/main" id="{34850FF3-5095-44E7-9799-8BB59D02BF73}"/>
-              </a:ext>
-            </a:extLst>
-          </p:cNvPr>
-          <p:cNvSpPr/>
-          <p:nvPr/>
-        </p:nvSpPr>
-        <p:spPr>
-          <a:xfrm>
-            <a:off x="7386690" y="5163015"/>
-            <a:ext cx="769147" cy="292780"/>
-          </a:xfrm>
-          <a:prstGeom prst="rect">
-            <a:avLst/>
-          </a:prstGeom>
-          <a:noFill/>
-          <a:ln w="38100">
-            <a:solidFill>
-              <a:schemeClr val="accent6">
-                <a:lumMod val="75000"/>
-              </a:schemeClr>
-            </a:solidFill>
-          </a:ln>
-        </p:spPr>
-        <p:style>
-          <a:lnRef idx="2">
-            <a:schemeClr val="accent1">
-              <a:shade val="50000"/>
-            </a:schemeClr>
-          </a:lnRef>
-          <a:fillRef idx="1">
-            <a:schemeClr val="accent1"/>
-          </a:fillRef>
-          <a:effectRef idx="0">
-            <a:schemeClr val="accent1"/>
-          </a:effectRef>
-          <a:fontRef idx="minor">
-            <a:schemeClr val="lt1"/>
-          </a:fontRef>
-        </p:style>
-        <p:txBody>
-          <a:bodyPr rtlCol="0" anchor="ctr"/>
-          <a:lstStyle/>
-          <a:p>
-            <a:pPr algn="ctr"/>
-            <a:endParaRPr lang="en-CA"/>
-          </a:p>
-        </p:txBody>
-      </p:sp>
-      <p:sp>
-        <p:nvSpPr>
-          <p:cNvPr id="21" name="TextBox 20">
-            <a:extLst>
-              <a:ext uri="{FF2B5EF4-FFF2-40B4-BE49-F238E27FC236}">
-                <a16:creationId xmlns:a16="http://schemas.microsoft.com/office/drawing/2014/main" id="{BAE7F525-02C5-4D4C-ABAB-CA71B7DEA9B1}"/>
-              </a:ext>
-            </a:extLst>
-          </p:cNvPr>
-          <p:cNvSpPr txBox="1"/>
-          <p:nvPr/>
-        </p:nvSpPr>
-        <p:spPr>
-          <a:xfrm>
-            <a:off x="8392097" y="5124739"/>
-            <a:ext cx="1855874" cy="369332"/>
-          </a:xfrm>
-          <a:prstGeom prst="rect">
-            <a:avLst/>
-          </a:prstGeom>
-        </p:spPr>
-        <p:style>
-          <a:lnRef idx="2">
-            <a:schemeClr val="dk1"/>
-          </a:lnRef>
-          <a:fillRef idx="1">
-            <a:schemeClr val="lt1"/>
-          </a:fillRef>
-          <a:effectRef idx="0">
-            <a:schemeClr val="dk1"/>
-          </a:effectRef>
-          <a:fontRef idx="minor">
-            <a:schemeClr val="dk1"/>
-          </a:fontRef>
-        </p:style>
-        <p:txBody>
-          <a:bodyPr wrap="square" rtlCol="0">
-            <a:spAutoFit/>
-          </a:bodyPr>
-          <a:lstStyle/>
-          <a:p>
-            <a:r>
-              <a:rPr lang="en-CA" dirty="0"/>
-              <a:t>Total risk score</a:t>
-            </a:r>
-          </a:p>
-        </p:txBody>
-      </p:sp>
       <p:cxnSp>
         <p:nvCxnSpPr>
-          <p:cNvPr id="22" name="Straight Arrow Connector 21">
-            <a:extLst>
-              <a:ext uri="{FF2B5EF4-FFF2-40B4-BE49-F238E27FC236}">
-                <a16:creationId xmlns:a16="http://schemas.microsoft.com/office/drawing/2014/main" id="{E4F13B38-7087-4D0C-9053-CF9D39CB28E7}"/>
+          <p:cNvPr id="23" name="Straight Arrow Connector 22">
+            <a:extLst>
+              <a:ext uri="{FF2B5EF4-FFF2-40B4-BE49-F238E27FC236}">
+                <a16:creationId xmlns:a16="http://schemas.microsoft.com/office/drawing/2014/main" id="{EFE5CD33-E522-4145-A312-95D158F78139}"/>
               </a:ext>
             </a:extLst>
           </p:cNvPr>
           <p:cNvCxnSpPr>
             <a:cxnSpLocks/>
-            <a:stCxn id="21" idx="1"/>
-            <a:endCxn id="20" idx="3"/>
           </p:cNvCxnSpPr>
           <p:nvPr/>
         </p:nvCxnSpPr>
         <p:spPr>
           <a:xfrm flipH="1">
-            <a:off x="8155837" y="5309405"/>
-            <a:ext cx="236260" cy="0"/>
+            <a:off x="3691053" y="2215376"/>
+            <a:ext cx="3589925" cy="2906751"/>
           </a:xfrm>
           <a:prstGeom prst="straightConnector1">
             <a:avLst/>
@@ -9711,128 +10591,26 @@
           </a:fontRef>
         </p:style>
       </p:cxnSp>
-      <p:sp>
-        <p:nvSpPr>
-          <p:cNvPr id="24" name="Rectangle 23">
-            <a:extLst>
-              <a:ext uri="{FF2B5EF4-FFF2-40B4-BE49-F238E27FC236}">
-                <a16:creationId xmlns:a16="http://schemas.microsoft.com/office/drawing/2014/main" id="{49FEC739-B23B-4E26-9DF3-7264E21A3BF3}"/>
-              </a:ext>
-            </a:extLst>
-          </p:cNvPr>
-          <p:cNvSpPr/>
-          <p:nvPr/>
-        </p:nvSpPr>
-        <p:spPr>
-          <a:xfrm>
-            <a:off x="7386690" y="5538253"/>
-            <a:ext cx="769147" cy="292780"/>
-          </a:xfrm>
-          <a:prstGeom prst="rect">
-            <a:avLst/>
-          </a:prstGeom>
-          <a:noFill/>
-          <a:ln w="38100">
-            <a:solidFill>
-              <a:schemeClr val="accent6">
-                <a:lumMod val="75000"/>
-              </a:schemeClr>
-            </a:solidFill>
-          </a:ln>
-        </p:spPr>
-        <p:style>
-          <a:lnRef idx="2">
-            <a:schemeClr val="accent1">
-              <a:shade val="50000"/>
-            </a:schemeClr>
-          </a:lnRef>
-          <a:fillRef idx="1">
-            <a:schemeClr val="accent1"/>
-          </a:fillRef>
-          <a:effectRef idx="0">
-            <a:schemeClr val="accent1"/>
-          </a:effectRef>
-          <a:fontRef idx="minor">
-            <a:schemeClr val="lt1"/>
-          </a:fontRef>
-        </p:style>
-        <p:txBody>
-          <a:bodyPr rtlCol="0" anchor="ctr"/>
-          <a:lstStyle/>
-          <a:p>
-            <a:pPr algn="ctr"/>
-            <a:endParaRPr lang="en-CA"/>
-          </a:p>
-        </p:txBody>
-      </p:sp>
-      <p:sp>
-        <p:nvSpPr>
-          <p:cNvPr id="25" name="TextBox 24">
-            <a:extLst>
-              <a:ext uri="{FF2B5EF4-FFF2-40B4-BE49-F238E27FC236}">
-                <a16:creationId xmlns:a16="http://schemas.microsoft.com/office/drawing/2014/main" id="{B833BDB0-069B-4501-A836-0495FBE63E7C}"/>
-              </a:ext>
-            </a:extLst>
-          </p:cNvPr>
-          <p:cNvSpPr txBox="1"/>
-          <p:nvPr/>
-        </p:nvSpPr>
-        <p:spPr>
-          <a:xfrm>
-            <a:off x="8392096" y="5499977"/>
-            <a:ext cx="2764411" cy="369332"/>
-          </a:xfrm>
-          <a:prstGeom prst="rect">
-            <a:avLst/>
-          </a:prstGeom>
-        </p:spPr>
-        <p:style>
-          <a:lnRef idx="2">
-            <a:schemeClr val="dk1"/>
-          </a:lnRef>
-          <a:fillRef idx="1">
-            <a:schemeClr val="lt1"/>
-          </a:fillRef>
-          <a:effectRef idx="0">
-            <a:schemeClr val="dk1"/>
-          </a:effectRef>
-          <a:fontRef idx="minor">
-            <a:schemeClr val="dk1"/>
-          </a:fontRef>
-        </p:style>
-        <p:txBody>
-          <a:bodyPr wrap="square" rtlCol="0">
-            <a:spAutoFit/>
-          </a:bodyPr>
-          <a:lstStyle/>
-          <a:p>
-            <a:r>
-              <a:rPr lang="en-CA" dirty="0"/>
-              <a:t>Comprehensive risk rating</a:t>
-            </a:r>
-          </a:p>
-        </p:txBody>
-      </p:sp>
       <p:cxnSp>
         <p:nvCxnSpPr>
           <p:cNvPr id="26" name="Straight Arrow Connector 25">
             <a:extLst>
               <a:ext uri="{FF2B5EF4-FFF2-40B4-BE49-F238E27FC236}">
-                <a16:creationId xmlns:a16="http://schemas.microsoft.com/office/drawing/2014/main" id="{44498CF9-7A9D-4AD2-878C-30B791794620}"/>
+                <a16:creationId xmlns:a16="http://schemas.microsoft.com/office/drawing/2014/main" id="{8F6F31B7-8F89-4781-AE40-D071FA2F6B0B}"/>
               </a:ext>
             </a:extLst>
           </p:cNvPr>
           <p:cNvCxnSpPr>
             <a:cxnSpLocks/>
-            <a:stCxn id="25" idx="1"/>
-            <a:endCxn id="24" idx="3"/>
+            <a:stCxn id="17" idx="1"/>
+            <a:endCxn id="10" idx="0"/>
           </p:cNvCxnSpPr>
           <p:nvPr/>
         </p:nvCxnSpPr>
         <p:spPr>
           <a:xfrm flipH="1">
-            <a:off x="8155837" y="5684643"/>
-            <a:ext cx="236259" cy="0"/>
+            <a:off x="4572000" y="2207722"/>
+            <a:ext cx="2708978" cy="2914405"/>
           </a:xfrm>
           <a:prstGeom prst="straightConnector1">
             <a:avLst/>
@@ -9859,10 +10637,326 @@
           </a:fontRef>
         </p:style>
       </p:cxnSp>
+      <p:cxnSp>
+        <p:nvCxnSpPr>
+          <p:cNvPr id="29" name="Straight Arrow Connector 28">
+            <a:extLst>
+              <a:ext uri="{FF2B5EF4-FFF2-40B4-BE49-F238E27FC236}">
+                <a16:creationId xmlns:a16="http://schemas.microsoft.com/office/drawing/2014/main" id="{18D6412A-FB0F-4EF5-99DB-DBE2A0140C32}"/>
+              </a:ext>
+            </a:extLst>
+          </p:cNvPr>
+          <p:cNvCxnSpPr>
+            <a:cxnSpLocks/>
+            <a:stCxn id="17" idx="1"/>
+            <a:endCxn id="11" idx="0"/>
+          </p:cNvCxnSpPr>
+          <p:nvPr/>
+        </p:nvCxnSpPr>
+        <p:spPr>
+          <a:xfrm flipH="1">
+            <a:off x="5779281" y="2207722"/>
+            <a:ext cx="1501697" cy="2914405"/>
+          </a:xfrm>
+          <a:prstGeom prst="straightConnector1">
+            <a:avLst/>
+          </a:prstGeom>
+          <a:ln>
+            <a:solidFill>
+              <a:srgbClr val="00B050"/>
+            </a:solidFill>
+            <a:tailEnd type="triangle"/>
+          </a:ln>
+        </p:spPr>
+        <p:style>
+          <a:lnRef idx="1">
+            <a:schemeClr val="accent1"/>
+          </a:lnRef>
+          <a:fillRef idx="0">
+            <a:schemeClr val="accent1"/>
+          </a:fillRef>
+          <a:effectRef idx="0">
+            <a:schemeClr val="accent1"/>
+          </a:effectRef>
+          <a:fontRef idx="minor">
+            <a:schemeClr val="tx1"/>
+          </a:fontRef>
+        </p:style>
+      </p:cxnSp>
+      <p:cxnSp>
+        <p:nvCxnSpPr>
+          <p:cNvPr id="32" name="Straight Arrow Connector 31">
+            <a:extLst>
+              <a:ext uri="{FF2B5EF4-FFF2-40B4-BE49-F238E27FC236}">
+                <a16:creationId xmlns:a16="http://schemas.microsoft.com/office/drawing/2014/main" id="{4C4ECF2C-C881-4396-B819-1360E4AA522E}"/>
+              </a:ext>
+            </a:extLst>
+          </p:cNvPr>
+          <p:cNvCxnSpPr>
+            <a:cxnSpLocks/>
+          </p:cNvCxnSpPr>
+          <p:nvPr/>
+        </p:nvCxnSpPr>
+        <p:spPr>
+          <a:xfrm flipH="1">
+            <a:off x="6846080" y="2249878"/>
+            <a:ext cx="434898" cy="2833266"/>
+          </a:xfrm>
+          <a:prstGeom prst="straightConnector1">
+            <a:avLst/>
+          </a:prstGeom>
+          <a:ln>
+            <a:solidFill>
+              <a:srgbClr val="00B050"/>
+            </a:solidFill>
+            <a:tailEnd type="triangle"/>
+          </a:ln>
+        </p:spPr>
+        <p:style>
+          <a:lnRef idx="1">
+            <a:schemeClr val="accent1"/>
+          </a:lnRef>
+          <a:fillRef idx="0">
+            <a:schemeClr val="accent1"/>
+          </a:fillRef>
+          <a:effectRef idx="0">
+            <a:schemeClr val="accent1"/>
+          </a:effectRef>
+          <a:fontRef idx="minor">
+            <a:schemeClr val="tx1"/>
+          </a:fontRef>
+        </p:style>
+      </p:cxnSp>
+      <p:cxnSp>
+        <p:nvCxnSpPr>
+          <p:cNvPr id="35" name="Straight Arrow Connector 34">
+            <a:extLst>
+              <a:ext uri="{FF2B5EF4-FFF2-40B4-BE49-F238E27FC236}">
+                <a16:creationId xmlns:a16="http://schemas.microsoft.com/office/drawing/2014/main" id="{692CD4C2-DDF6-4D03-BDA8-525F713DE63B}"/>
+              </a:ext>
+            </a:extLst>
+          </p:cNvPr>
+          <p:cNvCxnSpPr>
+            <a:cxnSpLocks/>
+            <a:stCxn id="17" idx="1"/>
+            <a:endCxn id="16" idx="0"/>
+          </p:cNvCxnSpPr>
+          <p:nvPr/>
+        </p:nvCxnSpPr>
+        <p:spPr>
+          <a:xfrm flipH="1">
+            <a:off x="6834929" y="2207722"/>
+            <a:ext cx="446049" cy="3623514"/>
+          </a:xfrm>
+          <a:prstGeom prst="straightConnector1">
+            <a:avLst/>
+          </a:prstGeom>
+          <a:ln>
+            <a:solidFill>
+              <a:srgbClr val="00B050"/>
+            </a:solidFill>
+            <a:tailEnd type="triangle"/>
+          </a:ln>
+        </p:spPr>
+        <p:style>
+          <a:lnRef idx="1">
+            <a:schemeClr val="accent1"/>
+          </a:lnRef>
+          <a:fillRef idx="0">
+            <a:schemeClr val="accent1"/>
+          </a:fillRef>
+          <a:effectRef idx="0">
+            <a:schemeClr val="accent1"/>
+          </a:effectRef>
+          <a:fontRef idx="minor">
+            <a:schemeClr val="tx1"/>
+          </a:fontRef>
+        </p:style>
+      </p:cxnSp>
+      <p:cxnSp>
+        <p:nvCxnSpPr>
+          <p:cNvPr id="38" name="Straight Arrow Connector 37">
+            <a:extLst>
+              <a:ext uri="{FF2B5EF4-FFF2-40B4-BE49-F238E27FC236}">
+                <a16:creationId xmlns:a16="http://schemas.microsoft.com/office/drawing/2014/main" id="{78BE0F87-7491-4B0E-8A88-C12C79C9658A}"/>
+              </a:ext>
+            </a:extLst>
+          </p:cNvPr>
+          <p:cNvCxnSpPr>
+            <a:cxnSpLocks/>
+            <a:stCxn id="17" idx="1"/>
+          </p:cNvCxnSpPr>
+          <p:nvPr/>
+        </p:nvCxnSpPr>
+        <p:spPr>
+          <a:xfrm flipH="1">
+            <a:off x="5790432" y="2207722"/>
+            <a:ext cx="1490546" cy="3623514"/>
+          </a:xfrm>
+          <a:prstGeom prst="straightConnector1">
+            <a:avLst/>
+          </a:prstGeom>
+          <a:ln>
+            <a:solidFill>
+              <a:srgbClr val="00B050"/>
+            </a:solidFill>
+            <a:tailEnd type="triangle"/>
+          </a:ln>
+        </p:spPr>
+        <p:style>
+          <a:lnRef idx="1">
+            <a:schemeClr val="accent1"/>
+          </a:lnRef>
+          <a:fillRef idx="0">
+            <a:schemeClr val="accent1"/>
+          </a:fillRef>
+          <a:effectRef idx="0">
+            <a:schemeClr val="accent1"/>
+          </a:effectRef>
+          <a:fontRef idx="minor">
+            <a:schemeClr val="tx1"/>
+          </a:fontRef>
+        </p:style>
+      </p:cxnSp>
+      <p:cxnSp>
+        <p:nvCxnSpPr>
+          <p:cNvPr id="41" name="Straight Arrow Connector 40">
+            <a:extLst>
+              <a:ext uri="{FF2B5EF4-FFF2-40B4-BE49-F238E27FC236}">
+                <a16:creationId xmlns:a16="http://schemas.microsoft.com/office/drawing/2014/main" id="{827DC5CF-C73C-41F3-BF27-0CFBB48B9D46}"/>
+              </a:ext>
+            </a:extLst>
+          </p:cNvPr>
+          <p:cNvCxnSpPr>
+            <a:cxnSpLocks/>
+            <a:stCxn id="17" idx="1"/>
+            <a:endCxn id="14" idx="0"/>
+          </p:cNvCxnSpPr>
+          <p:nvPr/>
+        </p:nvCxnSpPr>
+        <p:spPr>
+          <a:xfrm flipH="1">
+            <a:off x="4583151" y="2207722"/>
+            <a:ext cx="2697827" cy="3623514"/>
+          </a:xfrm>
+          <a:prstGeom prst="straightConnector1">
+            <a:avLst/>
+          </a:prstGeom>
+          <a:ln>
+            <a:solidFill>
+              <a:srgbClr val="00B050"/>
+            </a:solidFill>
+            <a:tailEnd type="triangle"/>
+          </a:ln>
+        </p:spPr>
+        <p:style>
+          <a:lnRef idx="1">
+            <a:schemeClr val="accent1"/>
+          </a:lnRef>
+          <a:fillRef idx="0">
+            <a:schemeClr val="accent1"/>
+          </a:fillRef>
+          <a:effectRef idx="0">
+            <a:schemeClr val="accent1"/>
+          </a:effectRef>
+          <a:fontRef idx="minor">
+            <a:schemeClr val="tx1"/>
+          </a:fontRef>
+        </p:style>
+      </p:cxnSp>
+      <p:cxnSp>
+        <p:nvCxnSpPr>
+          <p:cNvPr id="44" name="Straight Arrow Connector 43">
+            <a:extLst>
+              <a:ext uri="{FF2B5EF4-FFF2-40B4-BE49-F238E27FC236}">
+                <a16:creationId xmlns:a16="http://schemas.microsoft.com/office/drawing/2014/main" id="{07BF6EDD-35D7-4FB5-88FC-954D02C19E30}"/>
+              </a:ext>
+            </a:extLst>
+          </p:cNvPr>
+          <p:cNvCxnSpPr>
+            <a:cxnSpLocks/>
+            <a:stCxn id="17" idx="1"/>
+            <a:endCxn id="15" idx="0"/>
+          </p:cNvCxnSpPr>
+          <p:nvPr/>
+        </p:nvCxnSpPr>
+        <p:spPr>
+          <a:xfrm flipH="1">
+            <a:off x="3672006" y="2207722"/>
+            <a:ext cx="3608972" cy="3623514"/>
+          </a:xfrm>
+          <a:prstGeom prst="straightConnector1">
+            <a:avLst/>
+          </a:prstGeom>
+          <a:ln>
+            <a:solidFill>
+              <a:srgbClr val="00B050"/>
+            </a:solidFill>
+            <a:tailEnd type="triangle"/>
+          </a:ln>
+        </p:spPr>
+        <p:style>
+          <a:lnRef idx="1">
+            <a:schemeClr val="accent1"/>
+          </a:lnRef>
+          <a:fillRef idx="0">
+            <a:schemeClr val="accent1"/>
+          </a:fillRef>
+          <a:effectRef idx="0">
+            <a:schemeClr val="accent1"/>
+          </a:effectRef>
+          <a:fontRef idx="minor">
+            <a:schemeClr val="tx1"/>
+          </a:fontRef>
+        </p:style>
+      </p:cxnSp>
+      <p:sp>
+        <p:nvSpPr>
+          <p:cNvPr id="47" name="TextBox 46">
+            <a:extLst>
+              <a:ext uri="{FF2B5EF4-FFF2-40B4-BE49-F238E27FC236}">
+                <a16:creationId xmlns:a16="http://schemas.microsoft.com/office/drawing/2014/main" id="{40B00E32-9ADA-4726-B7ED-B383D8EEC3FA}"/>
+              </a:ext>
+            </a:extLst>
+          </p:cNvPr>
+          <p:cNvSpPr txBox="1"/>
+          <p:nvPr/>
+        </p:nvSpPr>
+        <p:spPr>
+          <a:xfrm>
+            <a:off x="838200" y="743500"/>
+            <a:ext cx="10426390" cy="646331"/>
+          </a:xfrm>
+          <a:prstGeom prst="rect">
+            <a:avLst/>
+          </a:prstGeom>
+          <a:noFill/>
+        </p:spPr>
+        <p:txBody>
+          <a:bodyPr wrap="square" rtlCol="0">
+            <a:spAutoFit/>
+          </a:bodyPr>
+          <a:lstStyle/>
+          <a:p>
+            <a:r>
+              <a:rPr lang="en-CA" dirty="0"/>
+              <a:t>Architecture Intake Review Engine Report Draft: Base Template. Text extracted from ‘IIT-EA-Decision Matrix’ and ‘</a:t>
+            </a:r>
+            <a:r>
+              <a:rPr lang="en-CA" dirty="0" err="1"/>
+              <a:t>sample_assessment</a:t>
+            </a:r>
+            <a:r>
+              <a:rPr lang="en-CA" dirty="0"/>
+              <a:t>’ is inserted here</a:t>
+            </a:r>
+          </a:p>
+        </p:txBody>
+      </p:sp>
     </p:spTree>
     <p:extLst>
       <p:ext uri="{BB962C8B-B14F-4D97-AF65-F5344CB8AC3E}">
-        <p14:creationId xmlns:p14="http://schemas.microsoft.com/office/powerpoint/2010/main" val="244287533"/>
+        <p14:creationId xmlns:p14="http://schemas.microsoft.com/office/powerpoint/2010/main" val="539960692"/>
       </p:ext>
     </p:extLst>
   </p:cSld>
